--- a/chinese/愛是.pptx
+++ b/chinese/愛是.pptx
@@ -7,12 +7,15 @@
   <p:sldIdLst>
     <p:sldId id="257" r:id="rId2"/>
     <p:sldId id="258" r:id="rId3"/>
-    <p:sldId id="260" r:id="rId4"/>
-    <p:sldId id="261" r:id="rId5"/>
-    <p:sldId id="262" r:id="rId6"/>
-    <p:sldId id="263" r:id="rId7"/>
-    <p:sldId id="264" r:id="rId8"/>
-    <p:sldId id="265" r:id="rId9"/>
+    <p:sldId id="266" r:id="rId4"/>
+    <p:sldId id="260" r:id="rId5"/>
+    <p:sldId id="267" r:id="rId6"/>
+    <p:sldId id="261" r:id="rId7"/>
+    <p:sldId id="268" r:id="rId8"/>
+    <p:sldId id="262" r:id="rId9"/>
+    <p:sldId id="263" r:id="rId10"/>
+    <p:sldId id="264" r:id="rId11"/>
+    <p:sldId id="265" r:id="rId12"/>
   </p:sldIdLst>
   <p:sldSz cx="12192000" cy="6858000"/>
   <p:notesSz cx="6858000" cy="9144000"/>
@@ -246,7 +249,7 @@
             <a:fld id="{B7489BD8-9B8D-4B0C-AE09-A86BD8EF5C7D}" type="datetimeFigureOut">
               <a:rPr lang="en-US" smtClean="0"/>
               <a:pPr/>
-              <a:t>5/6/2019</a:t>
+              <a:t>5/22/2019</a:t>
             </a:fld>
             <a:endParaRPr lang="en-US"/>
           </a:p>
@@ -418,7 +421,7 @@
             <a:fld id="{B7489BD8-9B8D-4B0C-AE09-A86BD8EF5C7D}" type="datetimeFigureOut">
               <a:rPr lang="en-US" smtClean="0"/>
               <a:pPr/>
-              <a:t>5/6/2019</a:t>
+              <a:t>5/22/2019</a:t>
             </a:fld>
             <a:endParaRPr lang="en-US"/>
           </a:p>
@@ -600,7 +603,7 @@
             <a:fld id="{B7489BD8-9B8D-4B0C-AE09-A86BD8EF5C7D}" type="datetimeFigureOut">
               <a:rPr lang="en-US" smtClean="0"/>
               <a:pPr/>
-              <a:t>5/6/2019</a:t>
+              <a:t>5/22/2019</a:t>
             </a:fld>
             <a:endParaRPr lang="en-US"/>
           </a:p>
@@ -772,7 +775,7 @@
             <a:fld id="{B7489BD8-9B8D-4B0C-AE09-A86BD8EF5C7D}" type="datetimeFigureOut">
               <a:rPr lang="en-US" smtClean="0"/>
               <a:pPr/>
-              <a:t>5/6/2019</a:t>
+              <a:t>5/22/2019</a:t>
             </a:fld>
             <a:endParaRPr lang="en-US"/>
           </a:p>
@@ -1020,7 +1023,7 @@
             <a:fld id="{B7489BD8-9B8D-4B0C-AE09-A86BD8EF5C7D}" type="datetimeFigureOut">
               <a:rPr lang="en-US" smtClean="0"/>
               <a:pPr/>
-              <a:t>5/6/2019</a:t>
+              <a:t>5/22/2019</a:t>
             </a:fld>
             <a:endParaRPr lang="en-US"/>
           </a:p>
@@ -1254,7 +1257,7 @@
             <a:fld id="{B7489BD8-9B8D-4B0C-AE09-A86BD8EF5C7D}" type="datetimeFigureOut">
               <a:rPr lang="en-US" smtClean="0"/>
               <a:pPr/>
-              <a:t>5/6/2019</a:t>
+              <a:t>5/22/2019</a:t>
             </a:fld>
             <a:endParaRPr lang="en-US"/>
           </a:p>
@@ -1623,7 +1626,7 @@
             <a:fld id="{B7489BD8-9B8D-4B0C-AE09-A86BD8EF5C7D}" type="datetimeFigureOut">
               <a:rPr lang="en-US" smtClean="0"/>
               <a:pPr/>
-              <a:t>5/6/2019</a:t>
+              <a:t>5/22/2019</a:t>
             </a:fld>
             <a:endParaRPr lang="en-US"/>
           </a:p>
@@ -1743,7 +1746,7 @@
             <a:fld id="{B7489BD8-9B8D-4B0C-AE09-A86BD8EF5C7D}" type="datetimeFigureOut">
               <a:rPr lang="en-US" smtClean="0"/>
               <a:pPr/>
-              <a:t>5/6/2019</a:t>
+              <a:t>5/22/2019</a:t>
             </a:fld>
             <a:endParaRPr lang="en-US"/>
           </a:p>
@@ -1840,7 +1843,7 @@
             <a:fld id="{B7489BD8-9B8D-4B0C-AE09-A86BD8EF5C7D}" type="datetimeFigureOut">
               <a:rPr lang="en-US" smtClean="0"/>
               <a:pPr/>
-              <a:t>5/6/2019</a:t>
+              <a:t>5/22/2019</a:t>
             </a:fld>
             <a:endParaRPr lang="en-US"/>
           </a:p>
@@ -2119,7 +2122,7 @@
             <a:fld id="{B7489BD8-9B8D-4B0C-AE09-A86BD8EF5C7D}" type="datetimeFigureOut">
               <a:rPr lang="en-US" smtClean="0"/>
               <a:pPr/>
-              <a:t>5/6/2019</a:t>
+              <a:t>5/22/2019</a:t>
             </a:fld>
             <a:endParaRPr lang="en-US"/>
           </a:p>
@@ -2374,7 +2377,7 @@
             <a:fld id="{B7489BD8-9B8D-4B0C-AE09-A86BD8EF5C7D}" type="datetimeFigureOut">
               <a:rPr lang="en-US" smtClean="0"/>
               <a:pPr/>
-              <a:t>5/6/2019</a:t>
+              <a:t>5/22/2019</a:t>
             </a:fld>
             <a:endParaRPr lang="en-US"/>
           </a:p>
@@ -2589,7 +2592,7 @@
             <a:fld id="{B7489BD8-9B8D-4B0C-AE09-A86BD8EF5C7D}" type="datetimeFigureOut">
               <a:rPr lang="en-US" smtClean="0"/>
               <a:pPr/>
-              <a:t>5/6/2019</a:t>
+              <a:t>5/22/2019</a:t>
             </a:fld>
             <a:endParaRPr lang="en-US"/>
           </a:p>
@@ -3128,11 +3131,7 @@
             </a:r>
             <a:r>
               <a:rPr lang="en-US" sz="4000" dirty="0" smtClean="0"/>
-              <a:t>       </a:t>
-            </a:r>
-            <a:r>
-              <a:rPr lang="en-US" sz="4000" dirty="0" smtClean="0"/>
-              <a:t> </a:t>
+              <a:t>        </a:t>
             </a:r>
             <a:r>
               <a:rPr lang="en-US" sz="4000" dirty="0" err="1" smtClean="0"/>
@@ -3146,6 +3145,1112 @@
     <p:extLst>
       <p:ext uri="{BB962C8B-B14F-4D97-AF65-F5344CB8AC3E}">
         <p14:creationId xmlns:p14="http://schemas.microsoft.com/office/powerpoint/2010/main" xmlns="" val="2197934797"/>
+      </p:ext>
+    </p:extLst>
+  </p:cSld>
+  <p:clrMapOvr>
+    <a:masterClrMapping/>
+  </p:clrMapOvr>
+  <p:timing>
+    <p:tnLst>
+      <p:par>
+        <p:cTn id="1" dur="indefinite" restart="never" nodeType="tmRoot"/>
+      </p:par>
+    </p:tnLst>
+  </p:timing>
+</p:sld>
+</file>
+
+<file path=ppt/slides/slide10.xml><?xml version="1.0" encoding="utf-8"?>
+<p:sld xmlns:a="http://schemas.openxmlformats.org/drawingml/2006/main" xmlns:r="http://schemas.openxmlformats.org/officeDocument/2006/relationships" xmlns:p="http://schemas.openxmlformats.org/presentationml/2006/main">
+  <p:cSld>
+    <p:spTree>
+      <p:nvGrpSpPr>
+        <p:cNvPr id="1" name=""/>
+        <p:cNvGrpSpPr/>
+        <p:nvPr/>
+      </p:nvGrpSpPr>
+      <p:grpSpPr>
+        <a:xfrm>
+          <a:off x="0" y="0"/>
+          <a:ext cx="0" cy="0"/>
+          <a:chOff x="0" y="0"/>
+          <a:chExt cx="0" cy="0"/>
+        </a:xfrm>
+      </p:grpSpPr>
+      <p:sp>
+        <p:nvSpPr>
+          <p:cNvPr id="2" name="標題 1"/>
+          <p:cNvSpPr>
+            <a:spLocks noGrp="1"/>
+          </p:cNvSpPr>
+          <p:nvPr>
+            <p:ph type="title"/>
+          </p:nvPr>
+        </p:nvSpPr>
+        <p:spPr/>
+        <p:txBody>
+          <a:bodyPr/>
+          <a:lstStyle/>
+          <a:p>
+            <a:endParaRPr lang="en-US"/>
+          </a:p>
+        </p:txBody>
+      </p:sp>
+      <p:pic>
+        <p:nvPicPr>
+          <p:cNvPr id="6" name="內容版面配置區 5"/>
+          <p:cNvPicPr>
+            <a:picLocks noGrp="1" noChangeAspect="1"/>
+          </p:cNvPicPr>
+          <p:nvPr>
+            <p:ph idx="1"/>
+          </p:nvPr>
+        </p:nvPicPr>
+        <p:blipFill>
+          <a:blip r:embed="rId2">
+            <a:extLst>
+              <a:ext uri="{28A0092B-C50C-407E-A947-70E740481C1C}">
+                <a14:useLocalDpi xmlns:a14="http://schemas.microsoft.com/office/drawing/2010/main" xmlns="" val="0"/>
+              </a:ext>
+            </a:extLst>
+          </a:blip>
+          <a:stretch>
+            <a:fillRect/>
+          </a:stretch>
+        </p:blipFill>
+        <p:spPr>
+          <a:xfrm>
+            <a:off x="3200" y="0"/>
+            <a:ext cx="12188800" cy="6858000"/>
+          </a:xfrm>
+        </p:spPr>
+      </p:pic>
+      <p:sp>
+        <p:nvSpPr>
+          <p:cNvPr id="7" name="文字方塊 6"/>
+          <p:cNvSpPr txBox="1"/>
+          <p:nvPr/>
+        </p:nvSpPr>
+        <p:spPr>
+          <a:xfrm>
+            <a:off x="485031" y="95417"/>
+            <a:ext cx="9132252" cy="6247864"/>
+          </a:xfrm>
+          <a:prstGeom prst="rect">
+            <a:avLst/>
+          </a:prstGeom>
+          <a:noFill/>
+        </p:spPr>
+        <p:txBody>
+          <a:bodyPr wrap="square" rtlCol="0">
+            <a:spAutoFit/>
+          </a:bodyPr>
+          <a:lstStyle/>
+          <a:p>
+            <a:r>
+              <a:rPr lang="zh-TW" altLang="en-US" sz="6000" b="1" dirty="0" smtClean="0">
+                <a:effectLst>
+                  <a:outerShdw blurRad="38100" dist="38100" dir="2700000" algn="tl">
+                    <a:srgbClr val="000000">
+                      <a:alpha val="43137"/>
+                    </a:srgbClr>
+                  </a:outerShdw>
+                </a:effectLst>
+              </a:rPr>
+              <a:t>凡事包容</a:t>
+            </a:r>
+            <a:endParaRPr lang="en-US" altLang="zh-TW" sz="6000" b="1" dirty="0" smtClean="0">
+              <a:effectLst>
+                <a:outerShdw blurRad="38100" dist="38100" dir="2700000" algn="tl">
+                  <a:srgbClr val="000000">
+                    <a:alpha val="43137"/>
+                  </a:srgbClr>
+                </a:outerShdw>
+              </a:effectLst>
+            </a:endParaRPr>
+          </a:p>
+          <a:p>
+            <a:r>
+              <a:rPr lang="en-US" sz="4000" dirty="0" smtClean="0"/>
+              <a:t> </a:t>
+            </a:r>
+            <a:r>
+              <a:rPr lang="en-US" sz="4000" dirty="0" err="1" smtClean="0"/>
+              <a:t>fán</a:t>
+            </a:r>
+            <a:r>
+              <a:rPr lang="en-US" sz="4000" dirty="0" smtClean="0"/>
+              <a:t>   </a:t>
+            </a:r>
+            <a:r>
+              <a:rPr lang="en-US" sz="4000" dirty="0" err="1" smtClean="0"/>
+              <a:t>shì</a:t>
+            </a:r>
+            <a:r>
+              <a:rPr lang="en-US" sz="4000" dirty="0" smtClean="0"/>
+              <a:t>  </a:t>
+            </a:r>
+            <a:r>
+              <a:rPr lang="en-US" sz="4000" dirty="0" err="1" smtClean="0"/>
+              <a:t>bāo</a:t>
+            </a:r>
+            <a:r>
+              <a:rPr lang="en-US" sz="4000" dirty="0" smtClean="0"/>
+              <a:t> </a:t>
+            </a:r>
+            <a:r>
+              <a:rPr lang="en-US" sz="4000" dirty="0" err="1" smtClean="0"/>
+              <a:t>róng</a:t>
+            </a:r>
+            <a:endParaRPr lang="zh-TW" altLang="en-US" sz="4000" b="1" dirty="0" smtClean="0">
+              <a:effectLst>
+                <a:outerShdw blurRad="38100" dist="38100" dir="2700000" algn="tl">
+                  <a:srgbClr val="000000">
+                    <a:alpha val="43137"/>
+                  </a:srgbClr>
+                </a:outerShdw>
+              </a:effectLst>
+            </a:endParaRPr>
+          </a:p>
+          <a:p>
+            <a:r>
+              <a:rPr lang="zh-TW" altLang="en-US" sz="6000" b="1" dirty="0" smtClean="0">
+                <a:effectLst>
+                  <a:outerShdw blurRad="38100" dist="38100" dir="2700000" algn="tl">
+                    <a:srgbClr val="000000">
+                      <a:alpha val="43137"/>
+                    </a:srgbClr>
+                  </a:outerShdw>
+                </a:effectLst>
+              </a:rPr>
+              <a:t>凡事相信</a:t>
+            </a:r>
+            <a:endParaRPr lang="en-US" altLang="zh-TW" sz="6000" b="1" dirty="0" smtClean="0">
+              <a:effectLst>
+                <a:outerShdw blurRad="38100" dist="38100" dir="2700000" algn="tl">
+                  <a:srgbClr val="000000">
+                    <a:alpha val="43137"/>
+                  </a:srgbClr>
+                </a:outerShdw>
+              </a:effectLst>
+            </a:endParaRPr>
+          </a:p>
+          <a:p>
+            <a:r>
+              <a:rPr lang="en-US" sz="4000" dirty="0" smtClean="0"/>
+              <a:t> </a:t>
+            </a:r>
+            <a:r>
+              <a:rPr lang="en-US" sz="4000" dirty="0" err="1" smtClean="0"/>
+              <a:t>fán</a:t>
+            </a:r>
+            <a:r>
+              <a:rPr lang="en-US" sz="4000" dirty="0" smtClean="0"/>
+              <a:t>  </a:t>
+            </a:r>
+            <a:r>
+              <a:rPr lang="en-US" sz="4000" dirty="0" err="1" smtClean="0"/>
+              <a:t>shì</a:t>
+            </a:r>
+            <a:r>
+              <a:rPr lang="en-US" sz="4000" dirty="0" smtClean="0"/>
+              <a:t>  </a:t>
+            </a:r>
+            <a:r>
+              <a:rPr lang="en-US" sz="4000" dirty="0" err="1" smtClean="0"/>
+              <a:t>xiāng</a:t>
+            </a:r>
+            <a:r>
+              <a:rPr lang="en-US" sz="4000" dirty="0" smtClean="0"/>
+              <a:t> </a:t>
+            </a:r>
+            <a:r>
+              <a:rPr lang="en-US" sz="4000" dirty="0" err="1" smtClean="0"/>
+              <a:t>xìn</a:t>
+            </a:r>
+            <a:endParaRPr lang="zh-TW" altLang="en-US" sz="4000" b="1" dirty="0" smtClean="0">
+              <a:effectLst>
+                <a:outerShdw blurRad="38100" dist="38100" dir="2700000" algn="tl">
+                  <a:srgbClr val="000000">
+                    <a:alpha val="43137"/>
+                  </a:srgbClr>
+                </a:outerShdw>
+              </a:effectLst>
+            </a:endParaRPr>
+          </a:p>
+          <a:p>
+            <a:r>
+              <a:rPr lang="zh-TW" altLang="en-US" sz="6000" b="1" dirty="0" smtClean="0">
+                <a:effectLst>
+                  <a:outerShdw blurRad="38100" dist="38100" dir="2700000" algn="tl">
+                    <a:srgbClr val="000000">
+                      <a:alpha val="43137"/>
+                    </a:srgbClr>
+                  </a:outerShdw>
+                </a:effectLst>
+              </a:rPr>
+              <a:t>凡事盼望  凡事忍耐</a:t>
+            </a:r>
+            <a:endParaRPr lang="en-US" altLang="zh-TW" sz="6000" b="1" dirty="0" smtClean="0">
+              <a:effectLst>
+                <a:outerShdw blurRad="38100" dist="38100" dir="2700000" algn="tl">
+                  <a:srgbClr val="000000">
+                    <a:alpha val="43137"/>
+                  </a:srgbClr>
+                </a:outerShdw>
+              </a:effectLst>
+            </a:endParaRPr>
+          </a:p>
+          <a:p>
+            <a:r>
+              <a:rPr lang="en-US" sz="4000" dirty="0" smtClean="0"/>
+              <a:t> </a:t>
+            </a:r>
+            <a:r>
+              <a:rPr lang="en-US" altLang="zh-CN" sz="4000" dirty="0" err="1" smtClean="0"/>
+              <a:t>f</a:t>
+            </a:r>
+            <a:r>
+              <a:rPr lang="en-US" sz="4000" dirty="0" err="1" smtClean="0"/>
+              <a:t>án</a:t>
+            </a:r>
+            <a:r>
+              <a:rPr lang="en-US" sz="4000" dirty="0" smtClean="0"/>
+              <a:t>  </a:t>
+            </a:r>
+            <a:r>
+              <a:rPr lang="en-US" sz="4000" dirty="0" err="1" smtClean="0"/>
+              <a:t>shì</a:t>
+            </a:r>
+            <a:r>
+              <a:rPr lang="en-US" sz="4000" dirty="0" smtClean="0"/>
+              <a:t>   </a:t>
+            </a:r>
+            <a:r>
+              <a:rPr lang="en-US" sz="4000" dirty="0" err="1" smtClean="0"/>
+              <a:t>pàn</a:t>
+            </a:r>
+            <a:r>
+              <a:rPr lang="en-US" sz="4000" dirty="0" smtClean="0"/>
+              <a:t> </a:t>
+            </a:r>
+            <a:r>
+              <a:rPr lang="en-US" sz="4000" dirty="0" err="1" smtClean="0"/>
+              <a:t>wàng</a:t>
+            </a:r>
+            <a:r>
+              <a:rPr lang="en-US" sz="4000" dirty="0" smtClean="0"/>
+              <a:t>  </a:t>
+            </a:r>
+            <a:r>
+              <a:rPr lang="en-US" sz="4000" dirty="0" err="1" smtClean="0"/>
+              <a:t>fán</a:t>
+            </a:r>
+            <a:r>
+              <a:rPr lang="en-US" sz="4000" dirty="0" smtClean="0"/>
+              <a:t>   </a:t>
+            </a:r>
+            <a:r>
+              <a:rPr lang="en-US" sz="4000" dirty="0" err="1" smtClean="0"/>
+              <a:t>shì</a:t>
+            </a:r>
+            <a:r>
+              <a:rPr lang="en-US" sz="4000" dirty="0" smtClean="0"/>
+              <a:t>  </a:t>
+            </a:r>
+            <a:r>
+              <a:rPr lang="en-US" sz="4000" dirty="0" err="1" smtClean="0"/>
+              <a:t>rěn</a:t>
+            </a:r>
+            <a:r>
+              <a:rPr lang="en-US" sz="4000" dirty="0" smtClean="0"/>
+              <a:t>   </a:t>
+            </a:r>
+            <a:r>
+              <a:rPr lang="en-US" sz="4000" dirty="0" err="1" smtClean="0"/>
+              <a:t>nài</a:t>
+            </a:r>
+            <a:endParaRPr lang="zh-TW" altLang="en-US" sz="4000" b="1" dirty="0" smtClean="0">
+              <a:effectLst>
+                <a:outerShdw blurRad="38100" dist="38100" dir="2700000" algn="tl">
+                  <a:srgbClr val="000000">
+                    <a:alpha val="43137"/>
+                  </a:srgbClr>
+                </a:outerShdw>
+              </a:effectLst>
+            </a:endParaRPr>
+          </a:p>
+          <a:p>
+            <a:r>
+              <a:rPr lang="zh-TW" altLang="en-US" sz="6000" b="1" dirty="0" smtClean="0">
+                <a:effectLst>
+                  <a:outerShdw blurRad="38100" dist="38100" dir="2700000" algn="tl">
+                    <a:srgbClr val="000000">
+                      <a:alpha val="43137"/>
+                    </a:srgbClr>
+                  </a:outerShdw>
+                </a:effectLst>
+              </a:rPr>
+              <a:t>愛是永不止息</a:t>
+            </a:r>
+            <a:endParaRPr lang="en-US" altLang="zh-TW" sz="6000" b="1" dirty="0" smtClean="0">
+              <a:effectLst>
+                <a:outerShdw blurRad="38100" dist="38100" dir="2700000" algn="tl">
+                  <a:srgbClr val="000000">
+                    <a:alpha val="43137"/>
+                  </a:srgbClr>
+                </a:outerShdw>
+              </a:effectLst>
+            </a:endParaRPr>
+          </a:p>
+          <a:p>
+            <a:r>
+              <a:rPr lang="en-US" sz="4000" dirty="0" smtClean="0"/>
+              <a:t> </a:t>
+            </a:r>
+            <a:r>
+              <a:rPr lang="en-US" sz="4000" dirty="0" err="1" smtClean="0"/>
+              <a:t>ài</a:t>
+            </a:r>
+            <a:r>
+              <a:rPr lang="en-US" sz="4000" dirty="0" smtClean="0"/>
+              <a:t>     </a:t>
+            </a:r>
+            <a:r>
+              <a:rPr lang="en-US" sz="4000" dirty="0" err="1" smtClean="0"/>
+              <a:t>shì</a:t>
+            </a:r>
+            <a:r>
+              <a:rPr lang="en-US" sz="4000" dirty="0" smtClean="0"/>
+              <a:t>  </a:t>
+            </a:r>
+            <a:r>
+              <a:rPr lang="en-US" sz="4000" dirty="0" err="1" smtClean="0"/>
+              <a:t>yǒng</a:t>
+            </a:r>
+            <a:r>
+              <a:rPr lang="en-US" sz="4000" dirty="0" smtClean="0"/>
+              <a:t> </a:t>
+            </a:r>
+            <a:r>
+              <a:rPr lang="en-US" sz="4000" dirty="0" err="1"/>
+              <a:t>bù</a:t>
+            </a:r>
+            <a:r>
+              <a:rPr lang="en-US" sz="4000" dirty="0"/>
+              <a:t> </a:t>
+            </a:r>
+            <a:r>
+              <a:rPr lang="en-US" sz="4000" dirty="0" smtClean="0"/>
+              <a:t>  </a:t>
+            </a:r>
+            <a:r>
+              <a:rPr lang="en-US" sz="4000" dirty="0" err="1" smtClean="0"/>
+              <a:t>zhǐ</a:t>
+            </a:r>
+            <a:r>
+              <a:rPr lang="en-US" sz="4000" dirty="0" smtClean="0"/>
+              <a:t>    </a:t>
+            </a:r>
+            <a:r>
+              <a:rPr lang="en-US" sz="4000" dirty="0" err="1" smtClean="0"/>
+              <a:t>xī</a:t>
+            </a:r>
+            <a:endParaRPr lang="en-US" sz="4000" b="1" dirty="0">
+              <a:effectLst>
+                <a:outerShdw blurRad="38100" dist="38100" dir="2700000" algn="tl">
+                  <a:srgbClr val="000000">
+                    <a:alpha val="43137"/>
+                  </a:srgbClr>
+                </a:outerShdw>
+              </a:effectLst>
+            </a:endParaRPr>
+          </a:p>
+        </p:txBody>
+      </p:sp>
+    </p:spTree>
+    <p:extLst>
+      <p:ext uri="{BB962C8B-B14F-4D97-AF65-F5344CB8AC3E}">
+        <p14:creationId xmlns:p14="http://schemas.microsoft.com/office/powerpoint/2010/main" xmlns="" val="1529789028"/>
+      </p:ext>
+    </p:extLst>
+  </p:cSld>
+  <p:clrMapOvr>
+    <a:masterClrMapping/>
+  </p:clrMapOvr>
+  <p:timing>
+    <p:tnLst>
+      <p:par>
+        <p:cTn id="1" dur="indefinite" restart="never" nodeType="tmRoot"/>
+      </p:par>
+    </p:tnLst>
+  </p:timing>
+</p:sld>
+</file>
+
+<file path=ppt/slides/slide11.xml><?xml version="1.0" encoding="utf-8"?>
+<p:sld xmlns:a="http://schemas.openxmlformats.org/drawingml/2006/main" xmlns:r="http://schemas.openxmlformats.org/officeDocument/2006/relationships" xmlns:p="http://schemas.openxmlformats.org/presentationml/2006/main">
+  <p:cSld>
+    <p:spTree>
+      <p:nvGrpSpPr>
+        <p:cNvPr id="1" name=""/>
+        <p:cNvGrpSpPr/>
+        <p:nvPr/>
+      </p:nvGrpSpPr>
+      <p:grpSpPr>
+        <a:xfrm>
+          <a:off x="0" y="0"/>
+          <a:ext cx="0" cy="0"/>
+          <a:chOff x="0" y="0"/>
+          <a:chExt cx="0" cy="0"/>
+        </a:xfrm>
+      </p:grpSpPr>
+      <p:sp>
+        <p:nvSpPr>
+          <p:cNvPr id="2" name="標題 1"/>
+          <p:cNvSpPr>
+            <a:spLocks noGrp="1"/>
+          </p:cNvSpPr>
+          <p:nvPr>
+            <p:ph type="title"/>
+          </p:nvPr>
+        </p:nvSpPr>
+        <p:spPr/>
+        <p:txBody>
+          <a:bodyPr/>
+          <a:lstStyle/>
+          <a:p>
+            <a:endParaRPr lang="en-US"/>
+          </a:p>
+        </p:txBody>
+      </p:sp>
+      <p:pic>
+        <p:nvPicPr>
+          <p:cNvPr id="6" name="內容版面配置區 5"/>
+          <p:cNvPicPr>
+            <a:picLocks noGrp="1" noChangeAspect="1"/>
+          </p:cNvPicPr>
+          <p:nvPr>
+            <p:ph idx="1"/>
+          </p:nvPr>
+        </p:nvPicPr>
+        <p:blipFill>
+          <a:blip r:embed="rId2">
+            <a:extLst>
+              <a:ext uri="{28A0092B-C50C-407E-A947-70E740481C1C}">
+                <a14:useLocalDpi xmlns:a14="http://schemas.microsoft.com/office/drawing/2010/main" xmlns="" val="0"/>
+              </a:ext>
+            </a:extLst>
+          </a:blip>
+          <a:stretch>
+            <a:fillRect/>
+          </a:stretch>
+        </p:blipFill>
+        <p:spPr>
+          <a:xfrm>
+            <a:off x="3200" y="0"/>
+            <a:ext cx="12188800" cy="6858000"/>
+          </a:xfrm>
+        </p:spPr>
+      </p:pic>
+      <p:sp>
+        <p:nvSpPr>
+          <p:cNvPr id="7" name="文字方塊 6"/>
+          <p:cNvSpPr txBox="1"/>
+          <p:nvPr/>
+        </p:nvSpPr>
+        <p:spPr>
+          <a:xfrm>
+            <a:off x="683813" y="0"/>
+            <a:ext cx="7696576" cy="6955750"/>
+          </a:xfrm>
+          <a:prstGeom prst="rect">
+            <a:avLst/>
+          </a:prstGeom>
+          <a:noFill/>
+        </p:spPr>
+        <p:txBody>
+          <a:bodyPr wrap="square" rtlCol="0">
+            <a:spAutoFit/>
+          </a:bodyPr>
+          <a:lstStyle/>
+          <a:p>
+            <a:r>
+              <a:rPr lang="zh-TW" altLang="en-US" sz="5400" b="1" dirty="0">
+                <a:effectLst>
+                  <a:outerShdw blurRad="38100" dist="38100" dir="2700000" algn="tl">
+                    <a:srgbClr val="000000">
+                      <a:alpha val="43137"/>
+                    </a:srgbClr>
+                  </a:outerShdw>
+                </a:effectLst>
+              </a:rPr>
+              <a:t>我要</a:t>
+            </a:r>
+            <a:r>
+              <a:rPr lang="zh-TW" altLang="en-US" sz="5400" b="1" dirty="0" smtClean="0">
+                <a:effectLst>
+                  <a:outerShdw blurRad="38100" dist="38100" dir="2700000" algn="tl">
+                    <a:srgbClr val="000000">
+                      <a:alpha val="43137"/>
+                    </a:srgbClr>
+                  </a:outerShdw>
+                </a:effectLst>
+              </a:rPr>
+              <a:t>包容</a:t>
+            </a:r>
+            <a:endParaRPr lang="en-US" altLang="zh-TW" sz="5400" b="1" dirty="0" smtClean="0">
+              <a:effectLst>
+                <a:outerShdw blurRad="38100" dist="38100" dir="2700000" algn="tl">
+                  <a:srgbClr val="000000">
+                    <a:alpha val="43137"/>
+                  </a:srgbClr>
+                </a:outerShdw>
+              </a:effectLst>
+            </a:endParaRPr>
+          </a:p>
+          <a:p>
+            <a:r>
+              <a:rPr lang="en-US" sz="3600" dirty="0" smtClean="0"/>
+              <a:t> </a:t>
+            </a:r>
+            <a:r>
+              <a:rPr lang="en-US" sz="3600" dirty="0" err="1" smtClean="0"/>
+              <a:t>wǒ</a:t>
+            </a:r>
+            <a:r>
+              <a:rPr lang="en-US" sz="3600" dirty="0" smtClean="0"/>
+              <a:t>  </a:t>
+            </a:r>
+            <a:r>
+              <a:rPr lang="en-US" sz="3600" dirty="0" err="1" smtClean="0"/>
+              <a:t>yào</a:t>
+            </a:r>
+            <a:r>
+              <a:rPr lang="en-US" sz="3600" dirty="0" smtClean="0"/>
+              <a:t>  </a:t>
+            </a:r>
+            <a:r>
+              <a:rPr lang="en-US" sz="3600" dirty="0" err="1" smtClean="0"/>
+              <a:t>bāo</a:t>
+            </a:r>
+            <a:r>
+              <a:rPr lang="en-US" sz="3600" dirty="0" smtClean="0"/>
+              <a:t> </a:t>
+            </a:r>
+            <a:r>
+              <a:rPr lang="en-US" sz="3600" dirty="0" err="1" smtClean="0"/>
+              <a:t>róng</a:t>
+            </a:r>
+            <a:r>
+              <a:rPr lang="zh-TW" altLang="en-US" sz="5400" b="1" dirty="0" smtClean="0">
+                <a:effectLst>
+                  <a:outerShdw blurRad="38100" dist="38100" dir="2700000" algn="tl">
+                    <a:srgbClr val="000000">
+                      <a:alpha val="43137"/>
+                    </a:srgbClr>
+                  </a:outerShdw>
+                </a:effectLst>
+              </a:rPr>
+              <a:t/>
+            </a:r>
+            <a:br>
+              <a:rPr lang="zh-TW" altLang="en-US" sz="5400" b="1" dirty="0" smtClean="0">
+                <a:effectLst>
+                  <a:outerShdw blurRad="38100" dist="38100" dir="2700000" algn="tl">
+                    <a:srgbClr val="000000">
+                      <a:alpha val="43137"/>
+                    </a:srgbClr>
+                  </a:outerShdw>
+                </a:effectLst>
+              </a:rPr>
+            </a:br>
+            <a:r>
+              <a:rPr lang="zh-TW" altLang="en-US" sz="5400" b="1" dirty="0">
+                <a:effectLst>
+                  <a:outerShdw blurRad="38100" dist="38100" dir="2700000" algn="tl">
+                    <a:srgbClr val="000000">
+                      <a:alpha val="43137"/>
+                    </a:srgbClr>
+                  </a:outerShdw>
+                </a:effectLst>
+              </a:rPr>
+              <a:t>我要</a:t>
+            </a:r>
+            <a:r>
+              <a:rPr lang="zh-TW" altLang="en-US" sz="5400" b="1" dirty="0" smtClean="0">
+                <a:effectLst>
+                  <a:outerShdw blurRad="38100" dist="38100" dir="2700000" algn="tl">
+                    <a:srgbClr val="000000">
+                      <a:alpha val="43137"/>
+                    </a:srgbClr>
+                  </a:outerShdw>
+                </a:effectLst>
+              </a:rPr>
+              <a:t>相信</a:t>
+            </a:r>
+            <a:endParaRPr lang="en-US" altLang="zh-TW" sz="5400" b="1" dirty="0" smtClean="0">
+              <a:effectLst>
+                <a:outerShdw blurRad="38100" dist="38100" dir="2700000" algn="tl">
+                  <a:srgbClr val="000000">
+                    <a:alpha val="43137"/>
+                  </a:srgbClr>
+                </a:outerShdw>
+              </a:effectLst>
+            </a:endParaRPr>
+          </a:p>
+          <a:p>
+            <a:r>
+              <a:rPr lang="en-US" sz="3600" dirty="0" smtClean="0"/>
+              <a:t> </a:t>
+            </a:r>
+            <a:r>
+              <a:rPr lang="en-US" sz="3600" dirty="0" err="1" smtClean="0"/>
+              <a:t>wǒ</a:t>
+            </a:r>
+            <a:r>
+              <a:rPr lang="en-US" sz="3600" dirty="0" smtClean="0"/>
+              <a:t>  </a:t>
+            </a:r>
+            <a:r>
+              <a:rPr lang="en-US" sz="3600" dirty="0" err="1" smtClean="0"/>
+              <a:t>yào</a:t>
+            </a:r>
+            <a:r>
+              <a:rPr lang="en-US" sz="3600" dirty="0" smtClean="0"/>
+              <a:t> </a:t>
+            </a:r>
+            <a:r>
+              <a:rPr lang="en-US" sz="3600" dirty="0" err="1" smtClean="0"/>
+              <a:t>xiāng</a:t>
+            </a:r>
+            <a:r>
+              <a:rPr lang="en-US" sz="3600" dirty="0" smtClean="0"/>
+              <a:t> </a:t>
+            </a:r>
+            <a:r>
+              <a:rPr lang="en-US" sz="3600" dirty="0" err="1" smtClean="0"/>
+              <a:t>xìn</a:t>
+            </a:r>
+            <a:r>
+              <a:rPr lang="zh-TW" altLang="en-US" sz="5400" b="1" dirty="0" smtClean="0">
+                <a:effectLst>
+                  <a:outerShdw blurRad="38100" dist="38100" dir="2700000" algn="tl">
+                    <a:srgbClr val="000000">
+                      <a:alpha val="43137"/>
+                    </a:srgbClr>
+                  </a:outerShdw>
+                </a:effectLst>
+              </a:rPr>
+              <a:t/>
+            </a:r>
+            <a:br>
+              <a:rPr lang="zh-TW" altLang="en-US" sz="5400" b="1" dirty="0" smtClean="0">
+                <a:effectLst>
+                  <a:outerShdw blurRad="38100" dist="38100" dir="2700000" algn="tl">
+                    <a:srgbClr val="000000">
+                      <a:alpha val="43137"/>
+                    </a:srgbClr>
+                  </a:outerShdw>
+                </a:effectLst>
+              </a:rPr>
+            </a:br>
+            <a:r>
+              <a:rPr lang="zh-TW" altLang="en-US" sz="5400" b="1" dirty="0">
+                <a:effectLst>
+                  <a:outerShdw blurRad="38100" dist="38100" dir="2700000" algn="tl">
+                    <a:srgbClr val="000000">
+                      <a:alpha val="43137"/>
+                    </a:srgbClr>
+                  </a:outerShdw>
+                </a:effectLst>
+              </a:rPr>
+              <a:t>我要</a:t>
+            </a:r>
+            <a:r>
+              <a:rPr lang="zh-TW" altLang="en-US" sz="5400" b="1" dirty="0" smtClean="0">
+                <a:effectLst>
+                  <a:outerShdw blurRad="38100" dist="38100" dir="2700000" algn="tl">
+                    <a:srgbClr val="000000">
+                      <a:alpha val="43137"/>
+                    </a:srgbClr>
+                  </a:outerShdw>
+                </a:effectLst>
+              </a:rPr>
+              <a:t>盼望  我</a:t>
+            </a:r>
+            <a:r>
+              <a:rPr lang="zh-TW" altLang="en-US" sz="5400" b="1" dirty="0">
+                <a:effectLst>
+                  <a:outerShdw blurRad="38100" dist="38100" dir="2700000" algn="tl">
+                    <a:srgbClr val="000000">
+                      <a:alpha val="43137"/>
+                    </a:srgbClr>
+                  </a:outerShdw>
+                </a:effectLst>
+              </a:rPr>
+              <a:t>要</a:t>
+            </a:r>
+            <a:r>
+              <a:rPr lang="zh-TW" altLang="en-US" sz="5400" b="1" dirty="0" smtClean="0">
+                <a:effectLst>
+                  <a:outerShdw blurRad="38100" dist="38100" dir="2700000" algn="tl">
+                    <a:srgbClr val="000000">
+                      <a:alpha val="43137"/>
+                    </a:srgbClr>
+                  </a:outerShdw>
+                </a:effectLst>
+              </a:rPr>
+              <a:t>忍耐</a:t>
+            </a:r>
+            <a:endParaRPr lang="en-US" altLang="zh-TW" sz="5400" b="1" dirty="0" smtClean="0">
+              <a:effectLst>
+                <a:outerShdw blurRad="38100" dist="38100" dir="2700000" algn="tl">
+                  <a:srgbClr val="000000">
+                    <a:alpha val="43137"/>
+                  </a:srgbClr>
+                </a:outerShdw>
+              </a:effectLst>
+            </a:endParaRPr>
+          </a:p>
+          <a:p>
+            <a:r>
+              <a:rPr lang="en-US" sz="3600" dirty="0" smtClean="0"/>
+              <a:t> </a:t>
+            </a:r>
+            <a:r>
+              <a:rPr lang="en-US" sz="3600" dirty="0" err="1" smtClean="0"/>
+              <a:t>wǒ</a:t>
+            </a:r>
+            <a:r>
+              <a:rPr lang="en-US" sz="3600" dirty="0" smtClean="0"/>
+              <a:t>  </a:t>
+            </a:r>
+            <a:r>
+              <a:rPr lang="en-US" sz="3600" dirty="0" err="1" smtClean="0"/>
+              <a:t>yào</a:t>
+            </a:r>
+            <a:r>
+              <a:rPr lang="en-US" sz="3600" dirty="0" smtClean="0"/>
+              <a:t> </a:t>
+            </a:r>
+            <a:r>
+              <a:rPr lang="en-US" sz="3600" dirty="0" err="1" smtClean="0"/>
+              <a:t>pàn</a:t>
+            </a:r>
+            <a:r>
+              <a:rPr lang="en-US" sz="3600" dirty="0" smtClean="0"/>
+              <a:t>  </a:t>
+            </a:r>
+            <a:r>
+              <a:rPr lang="en-US" sz="3600" dirty="0" err="1" smtClean="0"/>
+              <a:t>wàng</a:t>
+            </a:r>
+            <a:r>
+              <a:rPr lang="en-US" sz="3600" dirty="0" smtClean="0"/>
+              <a:t>  </a:t>
+            </a:r>
+            <a:r>
+              <a:rPr lang="en-US" sz="3600" dirty="0" err="1" smtClean="0"/>
+              <a:t>wǒ</a:t>
+            </a:r>
+            <a:r>
+              <a:rPr lang="en-US" sz="3600" dirty="0" smtClean="0"/>
+              <a:t>   </a:t>
+            </a:r>
+            <a:r>
+              <a:rPr lang="en-US" sz="3600" dirty="0" err="1" smtClean="0"/>
+              <a:t>yào</a:t>
+            </a:r>
+            <a:r>
+              <a:rPr lang="en-US" sz="3600" dirty="0" smtClean="0"/>
+              <a:t> </a:t>
+            </a:r>
+            <a:r>
+              <a:rPr lang="en-US" sz="3600" dirty="0" err="1" smtClean="0"/>
+              <a:t>rěn</a:t>
+            </a:r>
+            <a:r>
+              <a:rPr lang="en-US" sz="3600" dirty="0" smtClean="0"/>
+              <a:t>  </a:t>
+            </a:r>
+            <a:r>
+              <a:rPr lang="en-US" sz="3600" dirty="0" err="1" smtClean="0"/>
+              <a:t>nài</a:t>
+            </a:r>
+            <a:r>
+              <a:rPr lang="zh-TW" altLang="en-US" sz="3600" b="1" dirty="0" smtClean="0">
+                <a:effectLst>
+                  <a:outerShdw blurRad="38100" dist="38100" dir="2700000" algn="tl">
+                    <a:srgbClr val="000000">
+                      <a:alpha val="43137"/>
+                    </a:srgbClr>
+                  </a:outerShdw>
+                </a:effectLst>
+              </a:rPr>
+              <a:t/>
+            </a:r>
+            <a:br>
+              <a:rPr lang="zh-TW" altLang="en-US" sz="3600" b="1" dirty="0" smtClean="0">
+                <a:effectLst>
+                  <a:outerShdw blurRad="38100" dist="38100" dir="2700000" algn="tl">
+                    <a:srgbClr val="000000">
+                      <a:alpha val="43137"/>
+                    </a:srgbClr>
+                  </a:outerShdw>
+                </a:effectLst>
+              </a:rPr>
+            </a:br>
+            <a:r>
+              <a:rPr lang="zh-TW" altLang="en-US" sz="5400" b="1" dirty="0">
+                <a:effectLst>
+                  <a:outerShdw blurRad="38100" dist="38100" dir="2700000" algn="tl">
+                    <a:srgbClr val="000000">
+                      <a:alpha val="43137"/>
+                    </a:srgbClr>
+                  </a:outerShdw>
+                </a:effectLst>
+              </a:rPr>
+              <a:t>敞開</a:t>
+            </a:r>
+            <a:r>
+              <a:rPr lang="zh-TW" altLang="en-US" sz="5400" b="1" dirty="0" smtClean="0">
+                <a:effectLst>
+                  <a:outerShdw blurRad="38100" dist="38100" dir="2700000" algn="tl">
+                    <a:srgbClr val="000000">
+                      <a:alpha val="43137"/>
+                    </a:srgbClr>
+                  </a:outerShdw>
+                </a:effectLst>
+              </a:rPr>
+              <a:t>心  愛人如己</a:t>
+            </a:r>
+            <a:endParaRPr lang="en-US" altLang="zh-TW" sz="5400" b="1" dirty="0" smtClean="0">
+              <a:effectLst>
+                <a:outerShdw blurRad="38100" dist="38100" dir="2700000" algn="tl">
+                  <a:srgbClr val="000000">
+                    <a:alpha val="43137"/>
+                  </a:srgbClr>
+                </a:outerShdw>
+              </a:effectLst>
+            </a:endParaRPr>
+          </a:p>
+          <a:p>
+            <a:r>
+              <a:rPr lang="en-US" sz="3600" dirty="0" err="1" smtClean="0"/>
+              <a:t>chǎng</a:t>
+            </a:r>
+            <a:r>
+              <a:rPr lang="en-US" sz="3600" dirty="0" smtClean="0"/>
+              <a:t> </a:t>
+            </a:r>
+            <a:r>
+              <a:rPr lang="en-US" sz="3600" dirty="0" err="1" smtClean="0"/>
+              <a:t>kāi</a:t>
+            </a:r>
+            <a:r>
+              <a:rPr lang="en-US" sz="3600" dirty="0" smtClean="0"/>
+              <a:t> </a:t>
+            </a:r>
+            <a:r>
+              <a:rPr lang="en-US" sz="3600" dirty="0" err="1" smtClean="0"/>
+              <a:t>xīn</a:t>
+            </a:r>
+            <a:r>
+              <a:rPr lang="en-US" sz="3600" dirty="0" smtClean="0"/>
+              <a:t>      </a:t>
+            </a:r>
+            <a:r>
+              <a:rPr lang="en-US" sz="3600" dirty="0" err="1" smtClean="0"/>
+              <a:t>ài</a:t>
+            </a:r>
+            <a:r>
+              <a:rPr lang="en-US" sz="3600" dirty="0" smtClean="0"/>
+              <a:t>    </a:t>
+            </a:r>
+            <a:r>
+              <a:rPr lang="en-US" sz="3600" dirty="0" err="1" smtClean="0"/>
+              <a:t>rén</a:t>
+            </a:r>
+            <a:r>
+              <a:rPr lang="en-US" sz="3600" dirty="0" smtClean="0"/>
+              <a:t>   </a:t>
+            </a:r>
+            <a:r>
+              <a:rPr lang="en-US" sz="3600" dirty="0" err="1" smtClean="0"/>
+              <a:t>rú</a:t>
+            </a:r>
+            <a:r>
+              <a:rPr lang="en-US" sz="3600" dirty="0" smtClean="0"/>
+              <a:t>     </a:t>
+            </a:r>
+            <a:r>
+              <a:rPr lang="en-US" sz="3600" dirty="0" err="1"/>
+              <a:t>jǐ</a:t>
+            </a:r>
+            <a:r>
+              <a:rPr lang="zh-TW" altLang="en-US" sz="5400" b="1" dirty="0" smtClean="0">
+                <a:effectLst>
+                  <a:outerShdw blurRad="38100" dist="38100" dir="2700000" algn="tl">
+                    <a:srgbClr val="000000">
+                      <a:alpha val="43137"/>
+                    </a:srgbClr>
+                  </a:outerShdw>
+                </a:effectLst>
+              </a:rPr>
+              <a:t/>
+            </a:r>
+            <a:br>
+              <a:rPr lang="zh-TW" altLang="en-US" sz="5400" b="1" dirty="0" smtClean="0">
+                <a:effectLst>
+                  <a:outerShdw blurRad="38100" dist="38100" dir="2700000" algn="tl">
+                    <a:srgbClr val="000000">
+                      <a:alpha val="43137"/>
+                    </a:srgbClr>
+                  </a:outerShdw>
+                </a:effectLst>
+              </a:rPr>
+            </a:br>
+            <a:r>
+              <a:rPr lang="zh-TW" altLang="en-US" sz="5400" b="1" dirty="0">
+                <a:effectLst>
+                  <a:outerShdw blurRad="38100" dist="38100" dir="2700000" algn="tl">
+                    <a:srgbClr val="000000">
+                      <a:alpha val="43137"/>
+                    </a:srgbClr>
+                  </a:outerShdw>
+                </a:effectLst>
+              </a:rPr>
+              <a:t>我愛 </a:t>
+            </a:r>
+            <a:r>
+              <a:rPr lang="zh-TW" altLang="en-US" sz="5400" b="1" dirty="0" smtClean="0">
+                <a:effectLst>
+                  <a:outerShdw blurRad="38100" dist="38100" dir="2700000" algn="tl">
+                    <a:srgbClr val="000000">
+                      <a:alpha val="43137"/>
+                    </a:srgbClr>
+                  </a:outerShdw>
+                </a:effectLst>
+              </a:rPr>
+              <a:t> 因</a:t>
+            </a:r>
+            <a:r>
+              <a:rPr lang="zh-TW" altLang="en-US" sz="5400" b="1" dirty="0">
+                <a:effectLst>
+                  <a:outerShdw blurRad="38100" dist="38100" dir="2700000" algn="tl">
+                    <a:srgbClr val="000000">
+                      <a:alpha val="43137"/>
+                    </a:srgbClr>
+                  </a:outerShdw>
+                </a:effectLst>
+              </a:rPr>
+              <a:t>天父先愛</a:t>
+            </a:r>
+            <a:r>
+              <a:rPr lang="zh-TW" altLang="en-US" sz="5400" b="1" dirty="0" smtClean="0">
+                <a:effectLst>
+                  <a:outerShdw blurRad="38100" dist="38100" dir="2700000" algn="tl">
+                    <a:srgbClr val="000000">
+                      <a:alpha val="43137"/>
+                    </a:srgbClr>
+                  </a:outerShdw>
+                </a:effectLst>
+              </a:rPr>
+              <a:t>我</a:t>
+            </a:r>
+            <a:endParaRPr lang="en-US" altLang="zh-TW" sz="5400" b="1" dirty="0" smtClean="0">
+              <a:effectLst>
+                <a:outerShdw blurRad="38100" dist="38100" dir="2700000" algn="tl">
+                  <a:srgbClr val="000000">
+                    <a:alpha val="43137"/>
+                  </a:srgbClr>
+                </a:outerShdw>
+              </a:effectLst>
+            </a:endParaRPr>
+          </a:p>
+          <a:p>
+            <a:r>
+              <a:rPr lang="en-US" sz="3600" dirty="0" smtClean="0"/>
+              <a:t> </a:t>
+            </a:r>
+            <a:r>
+              <a:rPr lang="en-US" sz="3600" dirty="0" err="1" smtClean="0"/>
+              <a:t>wǒ</a:t>
+            </a:r>
+            <a:r>
+              <a:rPr lang="en-US" sz="3600" dirty="0" smtClean="0"/>
+              <a:t>   </a:t>
+            </a:r>
+            <a:r>
+              <a:rPr lang="en-US" sz="3600" dirty="0" err="1" smtClean="0"/>
+              <a:t>ài</a:t>
+            </a:r>
+            <a:r>
+              <a:rPr lang="en-US" sz="3600" dirty="0" smtClean="0"/>
+              <a:t>        </a:t>
+            </a:r>
+            <a:r>
+              <a:rPr lang="en-US" sz="3600" dirty="0" err="1" smtClean="0"/>
+              <a:t>yīn</a:t>
+            </a:r>
+            <a:r>
+              <a:rPr lang="en-US" sz="3600" dirty="0" smtClean="0"/>
+              <a:t>  </a:t>
+            </a:r>
+            <a:r>
+              <a:rPr lang="en-US" sz="3600" dirty="0" err="1" smtClean="0"/>
+              <a:t>tiān</a:t>
+            </a:r>
+            <a:r>
+              <a:rPr lang="en-US" sz="3600" dirty="0" smtClean="0"/>
+              <a:t>   </a:t>
+            </a:r>
+            <a:r>
+              <a:rPr lang="en-US" sz="3600" dirty="0" err="1" smtClean="0"/>
+              <a:t>fù</a:t>
+            </a:r>
+            <a:r>
+              <a:rPr lang="en-US" sz="3600" dirty="0" smtClean="0"/>
+              <a:t>  </a:t>
+            </a:r>
+            <a:r>
+              <a:rPr lang="en-US" sz="3600" dirty="0" err="1" smtClean="0"/>
+              <a:t>xiān</a:t>
+            </a:r>
+            <a:r>
+              <a:rPr lang="en-US" sz="3600" dirty="0" smtClean="0"/>
+              <a:t>   </a:t>
+            </a:r>
+            <a:r>
+              <a:rPr lang="en-US" sz="3600" dirty="0" err="1" smtClean="0"/>
+              <a:t>ài</a:t>
+            </a:r>
+            <a:r>
+              <a:rPr lang="en-US" sz="3600" dirty="0" smtClean="0"/>
+              <a:t>    </a:t>
+            </a:r>
+            <a:r>
+              <a:rPr lang="en-US" sz="3600" dirty="0" err="1"/>
+              <a:t>wǒ</a:t>
+            </a:r>
+            <a:endParaRPr lang="en-US" sz="3600" b="1" dirty="0">
+              <a:effectLst>
+                <a:outerShdw blurRad="38100" dist="38100" dir="2700000" algn="tl">
+                  <a:srgbClr val="000000">
+                    <a:alpha val="43137"/>
+                  </a:srgbClr>
+                </a:outerShdw>
+              </a:effectLst>
+            </a:endParaRPr>
+          </a:p>
+        </p:txBody>
+      </p:sp>
+    </p:spTree>
+    <p:extLst>
+      <p:ext uri="{BB962C8B-B14F-4D97-AF65-F5344CB8AC3E}">
+        <p14:creationId xmlns:p14="http://schemas.microsoft.com/office/powerpoint/2010/main" xmlns="" val="3107665998"/>
       </p:ext>
     </p:extLst>
   </p:cSld>
@@ -3297,11 +4402,7 @@
           <a:p>
             <a:r>
               <a:rPr lang="en-US" sz="2400" dirty="0" err="1" smtClean="0"/>
-              <a:t>h</a:t>
-            </a:r>
-            <a:r>
-              <a:rPr lang="en-US" sz="2400" dirty="0" err="1" smtClean="0"/>
-              <a:t>éng</a:t>
+              <a:t>héng</a:t>
             </a:r>
             <a:r>
               <a:rPr lang="en-US" sz="2400" dirty="0" smtClean="0"/>
@@ -3385,11 +4486,7 @@
           <a:p>
             <a:r>
               <a:rPr lang="en-US" sz="2400" dirty="0" err="1" smtClean="0"/>
-              <a:t>r</a:t>
-            </a:r>
-            <a:r>
-              <a:rPr lang="en-US" sz="2400" dirty="0" err="1" smtClean="0"/>
-              <a:t>ěn</a:t>
+              <a:t>rěn</a:t>
             </a:r>
             <a:r>
               <a:rPr lang="en-US" sz="2400" dirty="0" smtClean="0"/>
@@ -3653,11 +4750,7 @@
             </a:r>
             <a:r>
               <a:rPr lang="en-US" sz="2400" dirty="0" err="1" smtClean="0"/>
-              <a:t>z</a:t>
-            </a:r>
-            <a:r>
-              <a:rPr lang="en-US" sz="2400" dirty="0" err="1" smtClean="0"/>
-              <a:t>ì</a:t>
+              <a:t>zì</a:t>
             </a:r>
             <a:r>
               <a:rPr lang="en-US" sz="2400" dirty="0" smtClean="0"/>
@@ -3741,11 +4834,7 @@
           <a:p>
             <a:r>
               <a:rPr lang="en-US" sz="2400" dirty="0" err="1" smtClean="0"/>
-              <a:t>z</a:t>
-            </a:r>
-            <a:r>
-              <a:rPr lang="en-US" sz="2400" dirty="0" err="1" smtClean="0"/>
-              <a:t>hāng</a:t>
+              <a:t>zhāng</a:t>
             </a:r>
             <a:r>
               <a:rPr lang="en-US" sz="2400" dirty="0" smtClean="0"/>
@@ -3940,8 +5029,8 @@
         </p:nvSpPr>
         <p:spPr>
           <a:xfrm>
-            <a:off x="4843848" y="1816520"/>
-            <a:ext cx="1153297" cy="646331"/>
+            <a:off x="3103119" y="1744962"/>
+            <a:ext cx="1446889" cy="769441"/>
           </a:xfrm>
           <a:prstGeom prst="rect">
             <a:avLst/>
@@ -3955,18 +5044,18 @@
           <a:lstStyle/>
           <a:p>
             <a:r>
-              <a:rPr lang="zh-TW" altLang="en-US" sz="3600" b="1" dirty="0">
-                <a:effectLst>
-                  <a:outerShdw blurRad="38100" dist="38100" dir="2700000" algn="tl">
-                    <a:srgbClr val="000000">
-                      <a:alpha val="43137"/>
-                    </a:srgbClr>
-                  </a:outerShdw>
-                </a:effectLst>
-              </a:rPr>
-              <a:t>益處</a:t>
-            </a:r>
-            <a:endParaRPr lang="en-US" sz="3600" b="1" dirty="0">
+              <a:rPr lang="zh-TW" altLang="en-US" sz="4400" b="1" dirty="0">
+                <a:effectLst>
+                  <a:outerShdw blurRad="38100" dist="38100" dir="2700000" algn="tl">
+                    <a:srgbClr val="000000">
+                      <a:alpha val="43137"/>
+                    </a:srgbClr>
+                  </a:outerShdw>
+                </a:effectLst>
+              </a:rPr>
+              <a:t>恆久</a:t>
+            </a:r>
+            <a:endParaRPr lang="en-US" sz="4400" b="1" dirty="0">
               <a:effectLst>
                 <a:outerShdw blurRad="38100" dist="38100" dir="2700000" algn="tl">
                   <a:srgbClr val="000000">
@@ -3980,14 +5069,14 @@
       </p:sp>
       <p:sp>
         <p:nvSpPr>
-          <p:cNvPr id="6" name="文字方塊 5"/>
+          <p:cNvPr id="8" name="文字方塊 7"/>
           <p:cNvSpPr txBox="1"/>
           <p:nvPr/>
         </p:nvSpPr>
         <p:spPr>
           <a:xfrm>
-            <a:off x="4926226" y="2432711"/>
-            <a:ext cx="988540" cy="369332"/>
+            <a:off x="3124861" y="2795876"/>
+            <a:ext cx="1397803" cy="769441"/>
           </a:xfrm>
           <a:prstGeom prst="rect">
             <a:avLst/>
@@ -4001,60 +5090,18 @@
           <a:lstStyle/>
           <a:p>
             <a:r>
-              <a:rPr lang="en-US" dirty="0" smtClean="0"/>
-              <a:t> </a:t>
-            </a:r>
-            <a:r>
-              <a:rPr lang="en-US" dirty="0" err="1" smtClean="0"/>
-              <a:t>yì</a:t>
-            </a:r>
-            <a:r>
-              <a:rPr lang="en-US" dirty="0" smtClean="0"/>
-              <a:t>    </a:t>
-            </a:r>
-            <a:r>
-              <a:rPr lang="en-US" dirty="0" err="1" smtClean="0"/>
-              <a:t>chu</a:t>
-            </a:r>
-            <a:endParaRPr lang="en-US" dirty="0"/>
-          </a:p>
-        </p:txBody>
-      </p:sp>
-      <p:sp>
-        <p:nvSpPr>
-          <p:cNvPr id="8" name="文字方塊 7"/>
-          <p:cNvSpPr txBox="1"/>
-          <p:nvPr/>
-        </p:nvSpPr>
-        <p:spPr>
-          <a:xfrm>
-            <a:off x="4839729" y="2835633"/>
-            <a:ext cx="1114171" cy="646331"/>
-          </a:xfrm>
-          <a:prstGeom prst="rect">
-            <a:avLst/>
-          </a:prstGeom>
-          <a:noFill/>
-        </p:spPr>
-        <p:txBody>
-          <a:bodyPr wrap="square" rtlCol="0">
-            <a:spAutoFit/>
-          </a:bodyPr>
-          <a:lstStyle/>
-          <a:p>
-            <a:r>
-              <a:rPr lang="zh-TW" altLang="en-US" sz="3600" b="1" dirty="0">
-                <a:effectLst>
-                  <a:outerShdw blurRad="38100" dist="38100" dir="2700000" algn="tl">
-                    <a:srgbClr val="000000">
-                      <a:alpha val="43137"/>
-                    </a:srgbClr>
-                  </a:outerShdw>
-                </a:effectLst>
-              </a:rPr>
-              <a:t>輕易</a:t>
-            </a:r>
-            <a:endParaRPr lang="en-US" sz="3600" b="1" dirty="0">
+              <a:rPr lang="zh-TW" altLang="en-US" sz="4400" b="1" dirty="0">
+                <a:effectLst>
+                  <a:outerShdw blurRad="38100" dist="38100" dir="2700000" algn="tl">
+                    <a:srgbClr val="000000">
+                      <a:alpha val="43137"/>
+                    </a:srgbClr>
+                  </a:outerShdw>
+                </a:effectLst>
+              </a:rPr>
+              <a:t>忍耐</a:t>
+            </a:r>
+            <a:endParaRPr lang="en-US" sz="4400" b="1" dirty="0">
               <a:effectLst>
                 <a:outerShdw blurRad="38100" dist="38100" dir="2700000" algn="tl">
                   <a:srgbClr val="000000">
@@ -4068,14 +5115,14 @@
       </p:sp>
       <p:sp>
         <p:nvSpPr>
-          <p:cNvPr id="9" name="文字方塊 8"/>
+          <p:cNvPr id="10" name="文字方塊 9"/>
           <p:cNvSpPr txBox="1"/>
           <p:nvPr/>
         </p:nvSpPr>
         <p:spPr>
           <a:xfrm>
-            <a:off x="4931376" y="3403082"/>
-            <a:ext cx="930875" cy="369332"/>
+            <a:off x="3149532" y="3933241"/>
+            <a:ext cx="1448183" cy="769441"/>
           </a:xfrm>
           <a:prstGeom prst="rect">
             <a:avLst/>
@@ -4089,60 +5136,18 @@
           <a:lstStyle/>
           <a:p>
             <a:r>
-              <a:rPr lang="en-US" dirty="0" err="1" smtClean="0"/>
-              <a:t>Qīng</a:t>
-            </a:r>
-            <a:r>
-              <a:rPr lang="en-US" dirty="0"/>
-              <a:t> </a:t>
-            </a:r>
-            <a:r>
-              <a:rPr lang="en-US" dirty="0" smtClean="0"/>
-              <a:t> </a:t>
-            </a:r>
-            <a:r>
-              <a:rPr lang="en-US" dirty="0" err="1" smtClean="0"/>
-              <a:t>yì</a:t>
-            </a:r>
-            <a:endParaRPr lang="en-US" dirty="0"/>
-          </a:p>
-        </p:txBody>
-      </p:sp>
-      <p:sp>
-        <p:nvSpPr>
-          <p:cNvPr id="10" name="文字方塊 9"/>
-          <p:cNvSpPr txBox="1"/>
-          <p:nvPr/>
-        </p:nvSpPr>
-        <p:spPr>
-          <a:xfrm>
-            <a:off x="4842817" y="3726510"/>
-            <a:ext cx="1154328" cy="646331"/>
-          </a:xfrm>
-          <a:prstGeom prst="rect">
-            <a:avLst/>
-          </a:prstGeom>
-          <a:noFill/>
-        </p:spPr>
-        <p:txBody>
-          <a:bodyPr wrap="square" rtlCol="0">
-            <a:spAutoFit/>
-          </a:bodyPr>
-          <a:lstStyle/>
-          <a:p>
-            <a:r>
-              <a:rPr lang="zh-TW" altLang="en-US" sz="3600" b="1" dirty="0">
-                <a:effectLst>
-                  <a:outerShdw blurRad="38100" dist="38100" dir="2700000" algn="tl">
-                    <a:srgbClr val="000000">
-                      <a:alpha val="43137"/>
-                    </a:srgbClr>
-                  </a:outerShdw>
-                </a:effectLst>
-              </a:rPr>
-              <a:t>發怒</a:t>
-            </a:r>
-            <a:endParaRPr lang="en-US" sz="3600" b="1" dirty="0">
+              <a:rPr lang="zh-TW" altLang="en-US" sz="4400" b="1" dirty="0">
+                <a:effectLst>
+                  <a:outerShdw blurRad="38100" dist="38100" dir="2700000" algn="tl">
+                    <a:srgbClr val="000000">
+                      <a:alpha val="43137"/>
+                    </a:srgbClr>
+                  </a:outerShdw>
+                </a:effectLst>
+              </a:rPr>
+              <a:t>恩慈</a:t>
+            </a:r>
+            <a:endParaRPr lang="en-US" sz="4400" b="1" dirty="0">
               <a:effectLst>
                 <a:outerShdw blurRad="38100" dist="38100" dir="2700000" algn="tl">
                   <a:srgbClr val="000000">
@@ -4156,14 +5161,14 @@
       </p:sp>
       <p:sp>
         <p:nvSpPr>
-          <p:cNvPr id="11" name="文字方塊 10"/>
+          <p:cNvPr id="12" name="文字方塊 11"/>
           <p:cNvSpPr txBox="1"/>
           <p:nvPr/>
         </p:nvSpPr>
         <p:spPr>
           <a:xfrm>
-            <a:off x="4907175" y="4300550"/>
-            <a:ext cx="1025611" cy="369332"/>
+            <a:off x="5473722" y="1752162"/>
+            <a:ext cx="1426220" cy="769441"/>
           </a:xfrm>
           <a:prstGeom prst="rect">
             <a:avLst/>
@@ -4177,60 +5182,18 @@
           <a:lstStyle/>
           <a:p>
             <a:r>
-              <a:rPr lang="en-US" dirty="0" smtClean="0"/>
-              <a:t> </a:t>
-            </a:r>
-            <a:r>
-              <a:rPr lang="en-US" dirty="0" err="1" smtClean="0"/>
-              <a:t>Fā</a:t>
-            </a:r>
-            <a:r>
-              <a:rPr lang="en-US" dirty="0" smtClean="0"/>
-              <a:t>    </a:t>
-            </a:r>
-            <a:r>
-              <a:rPr lang="en-US" dirty="0" err="1" smtClean="0"/>
-              <a:t>nù</a:t>
-            </a:r>
-            <a:endParaRPr lang="en-US" dirty="0"/>
-          </a:p>
-        </p:txBody>
-      </p:sp>
-      <p:sp>
-        <p:nvSpPr>
-          <p:cNvPr id="12" name="文字方塊 11"/>
-          <p:cNvSpPr txBox="1"/>
-          <p:nvPr/>
-        </p:nvSpPr>
-        <p:spPr>
-          <a:xfrm>
-            <a:off x="6812692" y="1831672"/>
-            <a:ext cx="1136822" cy="646331"/>
-          </a:xfrm>
-          <a:prstGeom prst="rect">
-            <a:avLst/>
-          </a:prstGeom>
-          <a:noFill/>
-        </p:spPr>
-        <p:txBody>
-          <a:bodyPr wrap="square" rtlCol="0">
-            <a:spAutoFit/>
-          </a:bodyPr>
-          <a:lstStyle/>
-          <a:p>
-            <a:r>
-              <a:rPr lang="zh-TW" altLang="en-US" sz="3600" b="1" dirty="0">
-                <a:effectLst>
-                  <a:outerShdw blurRad="38100" dist="38100" dir="2700000" algn="tl">
-                    <a:srgbClr val="000000">
-                      <a:alpha val="43137"/>
-                    </a:srgbClr>
-                  </a:outerShdw>
-                </a:effectLst>
-              </a:rPr>
-              <a:t>計算</a:t>
-            </a:r>
-            <a:endParaRPr lang="en-US" sz="3600" b="1" dirty="0">
+              <a:rPr lang="zh-TW" altLang="en-US" sz="4400" b="1" dirty="0">
+                <a:effectLst>
+                  <a:outerShdw blurRad="38100" dist="38100" dir="2700000" algn="tl">
+                    <a:srgbClr val="000000">
+                      <a:alpha val="43137"/>
+                    </a:srgbClr>
+                  </a:outerShdw>
+                </a:effectLst>
+              </a:rPr>
+              <a:t>嫉妒</a:t>
+            </a:r>
+            <a:endParaRPr lang="en-US" sz="4400" b="1" dirty="0">
               <a:effectLst>
                 <a:outerShdw blurRad="38100" dist="38100" dir="2700000" algn="tl">
                   <a:srgbClr val="000000">
@@ -4244,14 +5207,14 @@
       </p:sp>
       <p:sp>
         <p:nvSpPr>
-          <p:cNvPr id="13" name="文字方塊 12"/>
+          <p:cNvPr id="14" name="文字方塊 13"/>
           <p:cNvSpPr txBox="1"/>
           <p:nvPr/>
         </p:nvSpPr>
         <p:spPr>
           <a:xfrm>
-            <a:off x="6890944" y="2442915"/>
-            <a:ext cx="1163598" cy="369332"/>
+            <a:off x="5439937" y="2800932"/>
+            <a:ext cx="1452057" cy="769441"/>
           </a:xfrm>
           <a:prstGeom prst="rect">
             <a:avLst/>
@@ -4265,60 +5228,18 @@
           <a:lstStyle/>
           <a:p>
             <a:r>
-              <a:rPr lang="en-US" dirty="0" smtClean="0"/>
-              <a:t> </a:t>
-            </a:r>
-            <a:r>
-              <a:rPr lang="en-US" dirty="0" err="1" smtClean="0"/>
-              <a:t>Jì</a:t>
-            </a:r>
-            <a:r>
-              <a:rPr lang="en-US" dirty="0" smtClean="0"/>
-              <a:t>    </a:t>
-            </a:r>
-            <a:r>
-              <a:rPr lang="en-US" dirty="0" err="1" smtClean="0"/>
-              <a:t>suàn</a:t>
-            </a:r>
-            <a:endParaRPr lang="en-US" dirty="0"/>
-          </a:p>
-        </p:txBody>
-      </p:sp>
-      <p:sp>
-        <p:nvSpPr>
-          <p:cNvPr id="14" name="文字方塊 13"/>
-          <p:cNvSpPr txBox="1"/>
-          <p:nvPr/>
-        </p:nvSpPr>
-        <p:spPr>
-          <a:xfrm>
-            <a:off x="6792098" y="2800932"/>
-            <a:ext cx="1157416" cy="646331"/>
-          </a:xfrm>
-          <a:prstGeom prst="rect">
-            <a:avLst/>
-          </a:prstGeom>
-          <a:noFill/>
-        </p:spPr>
-        <p:txBody>
-          <a:bodyPr wrap="square" rtlCol="0">
-            <a:spAutoFit/>
-          </a:bodyPr>
-          <a:lstStyle/>
-          <a:p>
-            <a:r>
-              <a:rPr lang="zh-TW" altLang="en-US" sz="3600" b="1" dirty="0">
-                <a:effectLst>
-                  <a:outerShdw blurRad="38100" dist="38100" dir="2700000" algn="tl">
-                    <a:srgbClr val="000000">
-                      <a:alpha val="43137"/>
-                    </a:srgbClr>
-                  </a:outerShdw>
-                </a:effectLst>
-              </a:rPr>
-              <a:t>真理</a:t>
-            </a:r>
-            <a:endParaRPr lang="en-US" sz="3600" b="1" dirty="0">
+              <a:rPr lang="zh-TW" altLang="en-US" sz="4400" b="1" dirty="0" smtClean="0">
+                <a:effectLst>
+                  <a:outerShdw blurRad="38100" dist="38100" dir="2700000" algn="tl">
+                    <a:srgbClr val="000000">
+                      <a:alpha val="43137"/>
+                    </a:srgbClr>
+                  </a:outerShdw>
+                </a:effectLst>
+              </a:rPr>
+              <a:t>自誇</a:t>
+            </a:r>
+            <a:endParaRPr lang="en-US" sz="4400" b="1" dirty="0">
               <a:effectLst>
                 <a:outerShdw blurRad="38100" dist="38100" dir="2700000" algn="tl">
                   <a:srgbClr val="000000">
@@ -4332,14 +5253,14 @@
       </p:sp>
       <p:sp>
         <p:nvSpPr>
-          <p:cNvPr id="15" name="文字方塊 14"/>
+          <p:cNvPr id="16" name="文字方塊 15"/>
           <p:cNvSpPr txBox="1"/>
           <p:nvPr/>
         </p:nvSpPr>
         <p:spPr>
           <a:xfrm>
-            <a:off x="6851822" y="3403082"/>
-            <a:ext cx="1037968" cy="369332"/>
+            <a:off x="5433356" y="3831226"/>
+            <a:ext cx="1390038" cy="769441"/>
           </a:xfrm>
           <a:prstGeom prst="rect">
             <a:avLst/>
@@ -4353,25 +5274,79 @@
           <a:lstStyle/>
           <a:p>
             <a:r>
-              <a:rPr lang="en-US" dirty="0" err="1" smtClean="0"/>
-              <a:t>Zhēn</a:t>
-            </a:r>
-            <a:r>
-              <a:rPr lang="en-US" dirty="0" smtClean="0"/>
-              <a:t>   </a:t>
-            </a:r>
-            <a:r>
-              <a:rPr lang="en-US" dirty="0" err="1" smtClean="0"/>
-              <a:t>lǐ</a:t>
-            </a:r>
-            <a:endParaRPr lang="en-US" dirty="0"/>
+              <a:rPr lang="zh-TW" altLang="en-US" sz="4400" b="1" dirty="0" smtClean="0">
+                <a:effectLst>
+                  <a:outerShdw blurRad="38100" dist="38100" dir="2700000" algn="tl">
+                    <a:srgbClr val="000000">
+                      <a:alpha val="43137"/>
+                    </a:srgbClr>
+                  </a:outerShdw>
+                </a:effectLst>
+              </a:rPr>
+              <a:t>張狂</a:t>
+            </a:r>
+            <a:endParaRPr lang="en-US" sz="4400" b="1" dirty="0">
+              <a:effectLst>
+                <a:outerShdw blurRad="38100" dist="38100" dir="2700000" algn="tl">
+                  <a:srgbClr val="000000">
+                    <a:alpha val="43137"/>
+                  </a:srgbClr>
+                </a:outerShdw>
+              </a:effectLst>
+            </a:endParaRPr>
+          </a:p>
+        </p:txBody>
+      </p:sp>
+      <p:sp>
+        <p:nvSpPr>
+          <p:cNvPr id="18" name="文字方塊 17"/>
+          <p:cNvSpPr txBox="1"/>
+          <p:nvPr/>
+        </p:nvSpPr>
+        <p:spPr>
+          <a:xfrm>
+            <a:off x="7598046" y="2651984"/>
+            <a:ext cx="1426220" cy="769441"/>
+          </a:xfrm>
+          <a:prstGeom prst="rect">
+            <a:avLst/>
+          </a:prstGeom>
+          <a:noFill/>
+        </p:spPr>
+        <p:txBody>
+          <a:bodyPr wrap="square" rtlCol="0">
+            <a:spAutoFit/>
+          </a:bodyPr>
+          <a:lstStyle/>
+          <a:p>
+            <a:r>
+              <a:rPr lang="zh-CN" altLang="en-US" sz="4400" b="1" dirty="0" smtClean="0">
+                <a:effectLst>
+                  <a:outerShdw blurRad="38100" dist="38100" dir="2700000" algn="tl">
+                    <a:srgbClr val="000000">
+                      <a:alpha val="43137"/>
+                    </a:srgbClr>
+                  </a:outerShdw>
+                </a:effectLst>
+              </a:rPr>
+              <a:t>害羞</a:t>
+            </a:r>
+            <a:endParaRPr lang="en-US" sz="4400" b="1" dirty="0">
+              <a:effectLst>
+                <a:outerShdw blurRad="38100" dist="38100" dir="2700000" algn="tl">
+                  <a:srgbClr val="000000">
+                    <a:alpha val="43137"/>
+                  </a:srgbClr>
+                </a:outerShdw>
+              </a:effectLst>
+            </a:endParaRPr>
           </a:p>
         </p:txBody>
       </p:sp>
     </p:spTree>
     <p:extLst>
       <p:ext uri="{BB962C8B-B14F-4D97-AF65-F5344CB8AC3E}">
-        <p14:creationId xmlns:p14="http://schemas.microsoft.com/office/powerpoint/2010/main" xmlns="" val="1530191124"/>
+        <p14:creationId xmlns:p14="http://schemas.microsoft.com/office/powerpoint/2010/main" xmlns="" val="899809492"/>
       </p:ext>
     </p:extLst>
   </p:cSld>
@@ -4448,7 +5423,7 @@
         </p:blipFill>
         <p:spPr>
           <a:xfrm>
-            <a:off x="0" y="0"/>
+            <a:off x="0" y="6213"/>
             <a:ext cx="12192000" cy="6858000"/>
           </a:xfrm>
         </p:spPr>
@@ -4461,8 +5436,8 @@
         </p:nvSpPr>
         <p:spPr>
           <a:xfrm>
-            <a:off x="4843846" y="2038152"/>
-            <a:ext cx="1153297" cy="646331"/>
+            <a:off x="4023336" y="1816520"/>
+            <a:ext cx="2609889" cy="769441"/>
           </a:xfrm>
           <a:prstGeom prst="rect">
             <a:avLst/>
@@ -4476,18 +5451,18 @@
           <a:lstStyle/>
           <a:p>
             <a:r>
-              <a:rPr lang="zh-TW" altLang="en-US" sz="3600" b="1" dirty="0">
-                <a:effectLst>
-                  <a:outerShdw blurRad="38100" dist="38100" dir="2700000" algn="tl">
-                    <a:srgbClr val="000000">
-                      <a:alpha val="43137"/>
-                    </a:srgbClr>
-                  </a:outerShdw>
-                </a:effectLst>
-              </a:rPr>
-              <a:t>包容</a:t>
-            </a:r>
-            <a:endParaRPr lang="en-US" sz="3600" b="1" dirty="0">
+              <a:rPr lang="zh-TW" altLang="en-US" sz="4400" b="1" dirty="0">
+                <a:effectLst>
+                  <a:outerShdw blurRad="38100" dist="38100" dir="2700000" algn="tl">
+                    <a:srgbClr val="000000">
+                      <a:alpha val="43137"/>
+                    </a:srgbClr>
+                  </a:outerShdw>
+                </a:effectLst>
+              </a:rPr>
+              <a:t>益處</a:t>
+            </a:r>
+            <a:endParaRPr lang="en-US" sz="4400" b="1" dirty="0">
               <a:effectLst>
                 <a:outerShdw blurRad="38100" dist="38100" dir="2700000" algn="tl">
                   <a:srgbClr val="000000">
@@ -4507,8 +5482,8 @@
         </p:nvSpPr>
         <p:spPr>
           <a:xfrm>
-            <a:off x="4902543" y="2809652"/>
-            <a:ext cx="1075038" cy="369332"/>
+            <a:off x="4166444" y="2424760"/>
+            <a:ext cx="2781952" cy="461665"/>
           </a:xfrm>
           <a:prstGeom prst="rect">
             <a:avLst/>
@@ -4522,18 +5497,22 @@
           <a:lstStyle/>
           <a:p>
             <a:r>
-              <a:rPr lang="en-US" dirty="0" err="1" smtClean="0"/>
-              <a:t>Bāo</a:t>
-            </a:r>
-            <a:r>
-              <a:rPr lang="en-US" dirty="0" smtClean="0"/>
-              <a:t>  </a:t>
-            </a:r>
-            <a:r>
-              <a:rPr lang="en-US" dirty="0" err="1" smtClean="0"/>
-              <a:t>róng</a:t>
-            </a:r>
-            <a:endParaRPr lang="en-US" dirty="0"/>
+              <a:rPr lang="en-US" sz="2400" dirty="0" smtClean="0"/>
+              <a:t> </a:t>
+            </a:r>
+            <a:r>
+              <a:rPr lang="en-US" sz="2400" dirty="0" err="1" smtClean="0"/>
+              <a:t>yì</a:t>
+            </a:r>
+            <a:r>
+              <a:rPr lang="en-US" sz="2400" dirty="0" smtClean="0"/>
+              <a:t>    </a:t>
+            </a:r>
+            <a:r>
+              <a:rPr lang="en-US" sz="2400" dirty="0" err="1" smtClean="0"/>
+              <a:t>chu</a:t>
+            </a:r>
+            <a:endParaRPr lang="en-US" sz="2400" dirty="0"/>
           </a:p>
         </p:txBody>
       </p:sp>
@@ -4545,8 +5524,8 @@
         </p:nvSpPr>
         <p:spPr>
           <a:xfrm>
-            <a:off x="4863410" y="3298669"/>
-            <a:ext cx="1114171" cy="646331"/>
+            <a:off x="4068633" y="2970800"/>
+            <a:ext cx="2521348" cy="769441"/>
           </a:xfrm>
           <a:prstGeom prst="rect">
             <a:avLst/>
@@ -4560,18 +5539,18 @@
           <a:lstStyle/>
           <a:p>
             <a:r>
-              <a:rPr lang="zh-TW" altLang="en-US" sz="3600" b="1" dirty="0">
-                <a:effectLst>
-                  <a:outerShdw blurRad="38100" dist="38100" dir="2700000" algn="tl">
-                    <a:srgbClr val="000000">
-                      <a:alpha val="43137"/>
-                    </a:srgbClr>
-                  </a:outerShdw>
-                </a:effectLst>
-              </a:rPr>
-              <a:t>盼望</a:t>
-            </a:r>
-            <a:endParaRPr lang="en-US" sz="3600" b="1" dirty="0">
+              <a:rPr lang="zh-TW" altLang="en-US" sz="4400" b="1" dirty="0">
+                <a:effectLst>
+                  <a:outerShdw blurRad="38100" dist="38100" dir="2700000" algn="tl">
+                    <a:srgbClr val="000000">
+                      <a:alpha val="43137"/>
+                    </a:srgbClr>
+                  </a:outerShdw>
+                </a:effectLst>
+              </a:rPr>
+              <a:t>輕易</a:t>
+            </a:r>
+            <a:endParaRPr lang="en-US" sz="4400" b="1" dirty="0">
               <a:effectLst>
                 <a:outerShdw blurRad="38100" dist="38100" dir="2700000" algn="tl">
                   <a:srgbClr val="000000">
@@ -4591,8 +5570,8 @@
         </p:nvSpPr>
         <p:spPr>
           <a:xfrm>
-            <a:off x="4902543" y="4089678"/>
-            <a:ext cx="1140944" cy="369332"/>
+            <a:off x="4172847" y="3585955"/>
+            <a:ext cx="2619671" cy="461665"/>
           </a:xfrm>
           <a:prstGeom prst="rect">
             <a:avLst/>
@@ -4606,18 +5585,18 @@
           <a:lstStyle/>
           <a:p>
             <a:r>
-              <a:rPr lang="en-US" dirty="0" err="1" smtClean="0"/>
-              <a:t>Pàn</a:t>
-            </a:r>
-            <a:r>
-              <a:rPr lang="en-US" dirty="0" smtClean="0"/>
-              <a:t> </a:t>
-            </a:r>
-            <a:r>
-              <a:rPr lang="en-US" dirty="0" err="1" smtClean="0"/>
-              <a:t>wàng</a:t>
-            </a:r>
-            <a:endParaRPr lang="en-US" dirty="0"/>
+              <a:rPr lang="en-US" sz="2400" dirty="0" err="1" smtClean="0"/>
+              <a:t>qīng</a:t>
+            </a:r>
+            <a:r>
+              <a:rPr lang="en-US" sz="2400" dirty="0" smtClean="0"/>
+              <a:t>  </a:t>
+            </a:r>
+            <a:r>
+              <a:rPr lang="en-US" sz="2400" dirty="0" err="1" smtClean="0"/>
+              <a:t>yì</a:t>
+            </a:r>
+            <a:endParaRPr lang="en-US" sz="2400" dirty="0"/>
           </a:p>
         </p:txBody>
       </p:sp>
@@ -4629,8 +5608,8 @@
         </p:nvSpPr>
         <p:spPr>
           <a:xfrm>
-            <a:off x="6790550" y="2044795"/>
-            <a:ext cx="1154328" cy="646331"/>
+            <a:off x="4021003" y="4036599"/>
+            <a:ext cx="2612222" cy="769441"/>
           </a:xfrm>
           <a:prstGeom prst="rect">
             <a:avLst/>
@@ -4644,18 +5623,18 @@
           <a:lstStyle/>
           <a:p>
             <a:r>
-              <a:rPr lang="zh-TW" altLang="en-US" sz="3600" b="1" dirty="0">
-                <a:effectLst>
-                  <a:outerShdw blurRad="38100" dist="38100" dir="2700000" algn="tl">
-                    <a:srgbClr val="000000">
-                      <a:alpha val="43137"/>
-                    </a:srgbClr>
-                  </a:outerShdw>
-                </a:effectLst>
-              </a:rPr>
-              <a:t>止息</a:t>
-            </a:r>
-            <a:endParaRPr lang="en-US" sz="3600" b="1" dirty="0">
+              <a:rPr lang="zh-TW" altLang="en-US" sz="4400" b="1" dirty="0">
+                <a:effectLst>
+                  <a:outerShdw blurRad="38100" dist="38100" dir="2700000" algn="tl">
+                    <a:srgbClr val="000000">
+                      <a:alpha val="43137"/>
+                    </a:srgbClr>
+                  </a:outerShdw>
+                </a:effectLst>
+              </a:rPr>
+              <a:t>發怒</a:t>
+            </a:r>
+            <a:endParaRPr lang="en-US" sz="4400" b="1" dirty="0">
               <a:effectLst>
                 <a:outerShdw blurRad="38100" dist="38100" dir="2700000" algn="tl">
                   <a:srgbClr val="000000">
@@ -4675,8 +5654,8 @@
         </p:nvSpPr>
         <p:spPr>
           <a:xfrm>
-            <a:off x="6790550" y="4071265"/>
-            <a:ext cx="1154328" cy="369332"/>
+            <a:off x="4080139" y="4706051"/>
+            <a:ext cx="2886277" cy="461665"/>
           </a:xfrm>
           <a:prstGeom prst="rect">
             <a:avLst/>
@@ -4690,18 +5669,22 @@
           <a:lstStyle/>
           <a:p>
             <a:r>
-              <a:rPr lang="en-US" dirty="0" err="1" smtClean="0"/>
-              <a:t>Chǎng</a:t>
-            </a:r>
-            <a:r>
-              <a:rPr lang="en-US" dirty="0" smtClean="0"/>
+              <a:rPr lang="en-US" sz="2400" dirty="0" smtClean="0"/>
               <a:t> </a:t>
             </a:r>
             <a:r>
-              <a:rPr lang="en-US" dirty="0" err="1" smtClean="0"/>
-              <a:t>kāi</a:t>
-            </a:r>
-            <a:endParaRPr lang="en-US" dirty="0"/>
+              <a:rPr lang="en-US" sz="2400" dirty="0" err="1" smtClean="0"/>
+              <a:t>fā</a:t>
+            </a:r>
+            <a:r>
+              <a:rPr lang="en-US" sz="2400" dirty="0" smtClean="0"/>
+              <a:t>    </a:t>
+            </a:r>
+            <a:r>
+              <a:rPr lang="en-US" sz="2400" dirty="0" err="1" smtClean="0"/>
+              <a:t>nù</a:t>
+            </a:r>
+            <a:endParaRPr lang="en-US" sz="2400" dirty="0"/>
           </a:p>
         </p:txBody>
       </p:sp>
@@ -4713,8 +5696,8 @@
         </p:nvSpPr>
         <p:spPr>
           <a:xfrm>
-            <a:off x="6854909" y="3304847"/>
-            <a:ext cx="1235668" cy="646331"/>
+            <a:off x="6012988" y="1831672"/>
+            <a:ext cx="2572606" cy="769441"/>
           </a:xfrm>
           <a:prstGeom prst="rect">
             <a:avLst/>
@@ -4728,18 +5711,18 @@
           <a:lstStyle/>
           <a:p>
             <a:r>
-              <a:rPr lang="zh-TW" altLang="en-US" sz="3600" b="1" dirty="0" smtClean="0">
-                <a:effectLst>
-                  <a:outerShdw blurRad="38100" dist="38100" dir="2700000" algn="tl">
-                    <a:srgbClr val="000000">
-                      <a:alpha val="43137"/>
-                    </a:srgbClr>
-                  </a:outerShdw>
-                </a:effectLst>
-              </a:rPr>
-              <a:t>敞開</a:t>
-            </a:r>
-            <a:endParaRPr lang="zh-TW" altLang="en-US" sz="3600" b="1" dirty="0">
+              <a:rPr lang="zh-TW" altLang="en-US" sz="4400" b="1" dirty="0">
+                <a:effectLst>
+                  <a:outerShdw blurRad="38100" dist="38100" dir="2700000" algn="tl">
+                    <a:srgbClr val="000000">
+                      <a:alpha val="43137"/>
+                    </a:srgbClr>
+                  </a:outerShdw>
+                </a:effectLst>
+              </a:rPr>
+              <a:t>計算</a:t>
+            </a:r>
+            <a:endParaRPr lang="en-US" sz="4400" b="1" dirty="0">
               <a:effectLst>
                 <a:outerShdw blurRad="38100" dist="38100" dir="2700000" algn="tl">
                   <a:srgbClr val="000000">
@@ -4759,8 +5742,8 @@
         </p:nvSpPr>
         <p:spPr>
           <a:xfrm>
-            <a:off x="6890944" y="2815428"/>
-            <a:ext cx="1163598" cy="369332"/>
+            <a:off x="6068003" y="2434964"/>
+            <a:ext cx="3274601" cy="461665"/>
           </a:xfrm>
           <a:prstGeom prst="rect">
             <a:avLst/>
@@ -4774,25 +5757,113 @@
           <a:lstStyle/>
           <a:p>
             <a:r>
-              <a:rPr lang="en-US" dirty="0" err="1" smtClean="0"/>
-              <a:t>Zhǐ</a:t>
-            </a:r>
-            <a:r>
-              <a:rPr lang="en-US" dirty="0" smtClean="0"/>
-              <a:t>     </a:t>
-            </a:r>
-            <a:r>
-              <a:rPr lang="en-US" dirty="0" err="1" smtClean="0"/>
-              <a:t>xī</a:t>
-            </a:r>
-            <a:endParaRPr lang="en-US" dirty="0"/>
+              <a:rPr lang="en-US" sz="2400" dirty="0" smtClean="0"/>
+              <a:t> </a:t>
+            </a:r>
+            <a:r>
+              <a:rPr lang="en-US" sz="2400" dirty="0" err="1" smtClean="0"/>
+              <a:t>jì</a:t>
+            </a:r>
+            <a:r>
+              <a:rPr lang="en-US" sz="2400" dirty="0" smtClean="0"/>
+              <a:t>    </a:t>
+            </a:r>
+            <a:r>
+              <a:rPr lang="en-US" sz="2400" dirty="0" err="1" smtClean="0"/>
+              <a:t>suàn</a:t>
+            </a:r>
+            <a:endParaRPr lang="en-US" sz="2400" dirty="0"/>
+          </a:p>
+        </p:txBody>
+      </p:sp>
+      <p:sp>
+        <p:nvSpPr>
+          <p:cNvPr id="14" name="文字方塊 13"/>
+          <p:cNvSpPr txBox="1"/>
+          <p:nvPr/>
+        </p:nvSpPr>
+        <p:spPr>
+          <a:xfrm>
+            <a:off x="5966384" y="2936099"/>
+            <a:ext cx="2619210" cy="769441"/>
+          </a:xfrm>
+          <a:prstGeom prst="rect">
+            <a:avLst/>
+          </a:prstGeom>
+          <a:noFill/>
+        </p:spPr>
+        <p:txBody>
+          <a:bodyPr wrap="square" rtlCol="0">
+            <a:spAutoFit/>
+          </a:bodyPr>
+          <a:lstStyle/>
+          <a:p>
+            <a:r>
+              <a:rPr lang="zh-TW" altLang="en-US" sz="4400" b="1" dirty="0">
+                <a:effectLst>
+                  <a:outerShdw blurRad="38100" dist="38100" dir="2700000" algn="tl">
+                    <a:srgbClr val="000000">
+                      <a:alpha val="43137"/>
+                    </a:srgbClr>
+                  </a:outerShdw>
+                </a:effectLst>
+              </a:rPr>
+              <a:t>真理</a:t>
+            </a:r>
+            <a:endParaRPr lang="en-US" sz="4400" b="1" dirty="0">
+              <a:effectLst>
+                <a:outerShdw blurRad="38100" dist="38100" dir="2700000" algn="tl">
+                  <a:srgbClr val="000000">
+                    <a:alpha val="43137"/>
+                  </a:srgbClr>
+                </a:outerShdw>
+              </a:effectLst>
+            </a:endParaRPr>
+          </a:p>
+        </p:txBody>
+      </p:sp>
+      <p:sp>
+        <p:nvSpPr>
+          <p:cNvPr id="15" name="文字方塊 14"/>
+          <p:cNvSpPr txBox="1"/>
+          <p:nvPr/>
+        </p:nvSpPr>
+        <p:spPr>
+          <a:xfrm>
+            <a:off x="6081878" y="3585955"/>
+            <a:ext cx="2921052" cy="461665"/>
+          </a:xfrm>
+          <a:prstGeom prst="rect">
+            <a:avLst/>
+          </a:prstGeom>
+          <a:noFill/>
+        </p:spPr>
+        <p:txBody>
+          <a:bodyPr wrap="square" rtlCol="0">
+            <a:spAutoFit/>
+          </a:bodyPr>
+          <a:lstStyle/>
+          <a:p>
+            <a:r>
+              <a:rPr lang="en-US" sz="2400" dirty="0" err="1" smtClean="0"/>
+              <a:t>zhēn</a:t>
+            </a:r>
+            <a:r>
+              <a:rPr lang="en-US" sz="2400" dirty="0" smtClean="0"/>
+              <a:t>   </a:t>
+            </a:r>
+            <a:r>
+              <a:rPr lang="en-US" sz="2400" dirty="0" err="1" smtClean="0"/>
+              <a:t>lǐ</a:t>
+            </a:r>
+            <a:endParaRPr lang="en-US" sz="2400" dirty="0"/>
           </a:p>
         </p:txBody>
       </p:sp>
     </p:spTree>
     <p:extLst>
       <p:ext uri="{BB962C8B-B14F-4D97-AF65-F5344CB8AC3E}">
-        <p14:creationId xmlns:p14="http://schemas.microsoft.com/office/powerpoint/2010/main" xmlns="" val="2250282485"/>
+        <p14:creationId xmlns:p14="http://schemas.microsoft.com/office/powerpoint/2010/main" xmlns="" val="1530191124"/>
       </p:ext>
     </p:extLst>
   </p:cSld>
@@ -4847,7 +5918,7 @@
       </p:sp>
       <p:pic>
         <p:nvPicPr>
-          <p:cNvPr id="6" name="內容版面配置區 5"/>
+          <p:cNvPr id="4" name="內容版面配置區 3"/>
           <p:cNvPicPr>
             <a:picLocks noGrp="1" noChangeAspect="1"/>
           </p:cNvPicPr>
@@ -4869,21 +5940,21 @@
         </p:blipFill>
         <p:spPr>
           <a:xfrm>
-            <a:off x="3200" y="0"/>
-            <a:ext cx="12188800" cy="6858000"/>
+            <a:off x="0" y="6213"/>
+            <a:ext cx="12192000" cy="6858000"/>
           </a:xfrm>
         </p:spPr>
       </p:pic>
       <p:sp>
         <p:nvSpPr>
-          <p:cNvPr id="7" name="文字方塊 6"/>
+          <p:cNvPr id="5" name="文字方塊 4"/>
           <p:cNvSpPr txBox="1"/>
           <p:nvPr/>
         </p:nvSpPr>
         <p:spPr>
           <a:xfrm>
-            <a:off x="4316628" y="1628507"/>
-            <a:ext cx="6318421" cy="3662541"/>
+            <a:off x="4023336" y="1816520"/>
+            <a:ext cx="2609889" cy="769441"/>
           </a:xfrm>
           <a:prstGeom prst="rect">
             <a:avLst/>
@@ -4897,30 +5968,18 @@
           <a:lstStyle/>
           <a:p>
             <a:r>
-              <a:rPr lang="zh-TW" altLang="en-US" sz="3600" b="1" dirty="0">
-                <a:effectLst>
-                  <a:outerShdw blurRad="38100" dist="38100" dir="2700000" algn="tl">
-                    <a:srgbClr val="000000">
-                      <a:alpha val="43137"/>
-                    </a:srgbClr>
-                  </a:outerShdw>
-                </a:effectLst>
-              </a:rPr>
-              <a:t>愛是恆久</a:t>
-            </a:r>
-            <a:r>
-              <a:rPr lang="zh-TW" altLang="en-US" sz="3600" b="1" dirty="0" smtClean="0">
-                <a:effectLst>
-                  <a:outerShdw blurRad="38100" dist="38100" dir="2700000" algn="tl">
-                    <a:srgbClr val="000000">
-                      <a:alpha val="43137"/>
-                    </a:srgbClr>
-                  </a:outerShdw>
-                </a:effectLst>
-              </a:rPr>
-              <a:t>忍耐</a:t>
-            </a:r>
-            <a:endParaRPr lang="en-US" altLang="zh-TW" sz="3600" b="1" dirty="0" smtClean="0">
+              <a:rPr lang="zh-TW" altLang="en-US" sz="4400" b="1" dirty="0">
+                <a:effectLst>
+                  <a:outerShdw blurRad="38100" dist="38100" dir="2700000" algn="tl">
+                    <a:srgbClr val="000000">
+                      <a:alpha val="43137"/>
+                    </a:srgbClr>
+                  </a:outerShdw>
+                </a:effectLst>
+              </a:rPr>
+              <a:t>益處</a:t>
+            </a:r>
+            <a:endParaRPr lang="en-US" sz="4400" b="1" dirty="0">
               <a:effectLst>
                 <a:outerShdw blurRad="38100" dist="38100" dir="2700000" algn="tl">
                   <a:srgbClr val="000000">
@@ -4930,103 +5989,43 @@
               </a:effectLst>
             </a:endParaRPr>
           </a:p>
-          <a:p>
-            <a:r>
-              <a:rPr lang="en-US" sz="2000" dirty="0" smtClean="0"/>
-              <a:t>  </a:t>
-            </a:r>
-            <a:r>
-              <a:rPr lang="en-US" sz="2000" dirty="0" err="1" smtClean="0"/>
-              <a:t>Ài</a:t>
-            </a:r>
-            <a:r>
-              <a:rPr lang="en-US" sz="2000" dirty="0" smtClean="0"/>
-              <a:t>   </a:t>
-            </a:r>
-            <a:r>
-              <a:rPr lang="en-US" sz="2000" dirty="0" err="1" smtClean="0"/>
-              <a:t>shì</a:t>
-            </a:r>
-            <a:r>
-              <a:rPr lang="en-US" sz="2000" dirty="0" smtClean="0"/>
-              <a:t>  </a:t>
-            </a:r>
-            <a:r>
-              <a:rPr lang="en-US" sz="2000" dirty="0" err="1" smtClean="0"/>
-              <a:t>héng</a:t>
-            </a:r>
-            <a:r>
-              <a:rPr lang="en-US" sz="2000" dirty="0" smtClean="0"/>
-              <a:t> </a:t>
-            </a:r>
-            <a:r>
-              <a:rPr lang="en-US" sz="2000" dirty="0" err="1" smtClean="0"/>
-              <a:t>jiǔ</a:t>
-            </a:r>
-            <a:r>
-              <a:rPr lang="en-US" sz="2000" dirty="0" smtClean="0"/>
-              <a:t>   </a:t>
-            </a:r>
-            <a:r>
-              <a:rPr lang="en-US" sz="2000" dirty="0" err="1" smtClean="0"/>
-              <a:t>rěn</a:t>
-            </a:r>
-            <a:r>
-              <a:rPr lang="en-US" sz="2000" dirty="0" smtClean="0"/>
-              <a:t> </a:t>
-            </a:r>
-            <a:r>
-              <a:rPr lang="en-US" sz="2000" dirty="0" err="1" smtClean="0"/>
-              <a:t>nài</a:t>
-            </a:r>
-            <a:r>
-              <a:rPr lang="zh-TW" altLang="en-US" sz="3600" b="1" dirty="0" smtClean="0">
-                <a:effectLst>
-                  <a:outerShdw blurRad="38100" dist="38100" dir="2700000" algn="tl">
-                    <a:srgbClr val="000000">
-                      <a:alpha val="43137"/>
-                    </a:srgbClr>
-                  </a:outerShdw>
-                </a:effectLst>
-              </a:rPr>
-              <a:t/>
-            </a:r>
-            <a:br>
-              <a:rPr lang="zh-TW" altLang="en-US" sz="3600" b="1" dirty="0" smtClean="0">
-                <a:effectLst>
-                  <a:outerShdw blurRad="38100" dist="38100" dir="2700000" algn="tl">
-                    <a:srgbClr val="000000">
-                      <a:alpha val="43137"/>
-                    </a:srgbClr>
-                  </a:outerShdw>
-                </a:effectLst>
-              </a:rPr>
-            </a:br>
-            <a:r>
-              <a:rPr lang="zh-TW" altLang="en-US" sz="3600" b="1" dirty="0">
-                <a:effectLst>
-                  <a:outerShdw blurRad="38100" dist="38100" dir="2700000" algn="tl">
-                    <a:srgbClr val="000000">
-                      <a:alpha val="43137"/>
-                    </a:srgbClr>
-                  </a:outerShdw>
-                </a:effectLst>
-              </a:rPr>
-              <a:t>愛是又有恩</a:t>
-            </a:r>
-            <a:r>
-              <a:rPr lang="zh-TW" altLang="en-US" sz="3600" b="1" dirty="0" smtClean="0">
-                <a:effectLst>
-                  <a:outerShdw blurRad="38100" dist="38100" dir="2700000" algn="tl">
-                    <a:srgbClr val="000000">
-                      <a:alpha val="43137"/>
-                    </a:srgbClr>
-                  </a:outerShdw>
-                </a:effectLst>
-              </a:rPr>
-              <a:t>慈</a:t>
-            </a:r>
-            <a:endParaRPr lang="en-US" altLang="zh-TW" sz="3600" b="1" dirty="0" smtClean="0">
+        </p:txBody>
+      </p:sp>
+      <p:sp>
+        <p:nvSpPr>
+          <p:cNvPr id="8" name="文字方塊 7"/>
+          <p:cNvSpPr txBox="1"/>
+          <p:nvPr/>
+        </p:nvSpPr>
+        <p:spPr>
+          <a:xfrm>
+            <a:off x="4068633" y="2970800"/>
+            <a:ext cx="2521348" cy="769441"/>
+          </a:xfrm>
+          <a:prstGeom prst="rect">
+            <a:avLst/>
+          </a:prstGeom>
+          <a:noFill/>
+        </p:spPr>
+        <p:txBody>
+          <a:bodyPr wrap="square" rtlCol="0">
+            <a:spAutoFit/>
+          </a:bodyPr>
+          <a:lstStyle/>
+          <a:p>
+            <a:r>
+              <a:rPr lang="zh-TW" altLang="en-US" sz="4400" b="1" dirty="0">
+                <a:effectLst>
+                  <a:outerShdw blurRad="38100" dist="38100" dir="2700000" algn="tl">
+                    <a:srgbClr val="000000">
+                      <a:alpha val="43137"/>
+                    </a:srgbClr>
+                  </a:outerShdw>
+                </a:effectLst>
+              </a:rPr>
+              <a:t>輕易</a:t>
+            </a:r>
+            <a:endParaRPr lang="en-US" sz="4400" b="1" dirty="0">
               <a:effectLst>
                 <a:outerShdw blurRad="38100" dist="38100" dir="2700000" algn="tl">
                   <a:srgbClr val="000000">
@@ -5036,107 +6035,43 @@
               </a:effectLst>
             </a:endParaRPr>
           </a:p>
-          <a:p>
-            <a:r>
-              <a:rPr lang="en-US" sz="2000" dirty="0" smtClean="0"/>
-              <a:t>  </a:t>
-            </a:r>
-            <a:r>
-              <a:rPr lang="en-US" sz="2000" dirty="0" err="1" smtClean="0"/>
-              <a:t>ài</a:t>
-            </a:r>
-            <a:r>
-              <a:rPr lang="en-US" sz="2000" dirty="0" smtClean="0"/>
-              <a:t>    </a:t>
-            </a:r>
-            <a:r>
-              <a:rPr lang="en-US" sz="2000" dirty="0" err="1"/>
-              <a:t>shì</a:t>
-            </a:r>
-            <a:r>
-              <a:rPr lang="en-US" sz="2000" dirty="0"/>
-              <a:t> </a:t>
-            </a:r>
-            <a:r>
-              <a:rPr lang="en-US" sz="2000" dirty="0" smtClean="0"/>
-              <a:t> </a:t>
-            </a:r>
-            <a:r>
-              <a:rPr lang="en-US" sz="2000" dirty="0" err="1" smtClean="0"/>
-              <a:t>yòu</a:t>
-            </a:r>
-            <a:r>
-              <a:rPr lang="en-US" sz="2000" dirty="0" smtClean="0"/>
-              <a:t>  </a:t>
-            </a:r>
-            <a:r>
-              <a:rPr lang="en-US" sz="2000" dirty="0" err="1" smtClean="0"/>
-              <a:t>yǒu</a:t>
-            </a:r>
-            <a:r>
-              <a:rPr lang="en-US" sz="2000" dirty="0" smtClean="0"/>
-              <a:t>  </a:t>
-            </a:r>
-            <a:r>
-              <a:rPr lang="en-US" sz="2000" dirty="0" err="1" smtClean="0"/>
-              <a:t>ēn</a:t>
-            </a:r>
-            <a:r>
-              <a:rPr lang="en-US" sz="2000" dirty="0" smtClean="0"/>
-              <a:t>    </a:t>
-            </a:r>
-            <a:r>
-              <a:rPr lang="en-US" sz="2000" dirty="0" err="1"/>
-              <a:t>cí</a:t>
-            </a:r>
-            <a:r>
-              <a:rPr lang="zh-TW" altLang="en-US" sz="3600" b="1" dirty="0" smtClean="0">
-                <a:effectLst>
-                  <a:outerShdw blurRad="38100" dist="38100" dir="2700000" algn="tl">
-                    <a:srgbClr val="000000">
-                      <a:alpha val="43137"/>
-                    </a:srgbClr>
-                  </a:outerShdw>
-                </a:effectLst>
-              </a:rPr>
-              <a:t/>
-            </a:r>
-            <a:br>
-              <a:rPr lang="zh-TW" altLang="en-US" sz="3600" b="1" dirty="0" smtClean="0">
-                <a:effectLst>
-                  <a:outerShdw blurRad="38100" dist="38100" dir="2700000" algn="tl">
-                    <a:srgbClr val="000000">
-                      <a:alpha val="43137"/>
-                    </a:srgbClr>
-                  </a:outerShdw>
-                </a:effectLst>
-              </a:rPr>
-            </a:br>
-            <a:r>
-              <a:rPr lang="zh-TW" altLang="en-US" sz="3600" b="1" dirty="0">
-                <a:effectLst>
-                  <a:outerShdw blurRad="38100" dist="38100" dir="2700000" algn="tl">
-                    <a:srgbClr val="000000">
-                      <a:alpha val="43137"/>
-                    </a:srgbClr>
-                  </a:outerShdw>
-                </a:effectLst>
-              </a:rPr>
-              <a:t>愛是不</a:t>
-            </a:r>
-            <a:r>
-              <a:rPr lang="zh-TW" altLang="en-US" sz="3600" b="1" dirty="0" smtClean="0">
-                <a:effectLst>
-                  <a:outerShdw blurRad="38100" dist="38100" dir="2700000" algn="tl">
-                    <a:srgbClr val="000000">
-                      <a:alpha val="43137"/>
-                    </a:srgbClr>
-                  </a:outerShdw>
-                </a:effectLst>
-              </a:rPr>
-              <a:t>嫉妒  不自誇  不張狂</a:t>
-            </a:r>
-            <a:endParaRPr lang="en-US" altLang="zh-TW" sz="3600" b="1" dirty="0" smtClean="0">
+        </p:txBody>
+      </p:sp>
+      <p:sp>
+        <p:nvSpPr>
+          <p:cNvPr id="10" name="文字方塊 9"/>
+          <p:cNvSpPr txBox="1"/>
+          <p:nvPr/>
+        </p:nvSpPr>
+        <p:spPr>
+          <a:xfrm>
+            <a:off x="4021003" y="4036599"/>
+            <a:ext cx="2612222" cy="769441"/>
+          </a:xfrm>
+          <a:prstGeom prst="rect">
+            <a:avLst/>
+          </a:prstGeom>
+          <a:noFill/>
+        </p:spPr>
+        <p:txBody>
+          <a:bodyPr wrap="square" rtlCol="0">
+            <a:spAutoFit/>
+          </a:bodyPr>
+          <a:lstStyle/>
+          <a:p>
+            <a:r>
+              <a:rPr lang="zh-TW" altLang="en-US" sz="4400" b="1" dirty="0">
+                <a:effectLst>
+                  <a:outerShdw blurRad="38100" dist="38100" dir="2700000" algn="tl">
+                    <a:srgbClr val="000000">
+                      <a:alpha val="43137"/>
+                    </a:srgbClr>
+                  </a:outerShdw>
+                </a:effectLst>
+              </a:rPr>
+              <a:t>發怒</a:t>
+            </a:r>
+            <a:endParaRPr lang="en-US" sz="4400" b="1" dirty="0">
               <a:effectLst>
                 <a:outerShdw blurRad="38100" dist="38100" dir="2700000" algn="tl">
                   <a:srgbClr val="000000">
@@ -5146,143 +6081,43 @@
               </a:effectLst>
             </a:endParaRPr>
           </a:p>
-          <a:p>
-            <a:r>
-              <a:rPr lang="en-US" sz="2000" dirty="0" smtClean="0"/>
-              <a:t>  </a:t>
-            </a:r>
-            <a:r>
-              <a:rPr lang="en-US" sz="2000" dirty="0" err="1" smtClean="0"/>
-              <a:t>ài</a:t>
-            </a:r>
-            <a:r>
-              <a:rPr lang="en-US" sz="2000" dirty="0" smtClean="0"/>
-              <a:t>    </a:t>
-            </a:r>
-            <a:r>
-              <a:rPr lang="en-US" sz="2000" dirty="0" err="1" smtClean="0"/>
-              <a:t>shì</a:t>
-            </a:r>
-            <a:r>
-              <a:rPr lang="en-US" sz="2000" dirty="0" smtClean="0"/>
-              <a:t>   </a:t>
-            </a:r>
-            <a:r>
-              <a:rPr lang="en-US" sz="2000" dirty="0" err="1" smtClean="0"/>
-              <a:t>bù</a:t>
-            </a:r>
-            <a:r>
-              <a:rPr lang="en-US" sz="2000" dirty="0" smtClean="0"/>
-              <a:t>     </a:t>
-            </a:r>
-            <a:r>
-              <a:rPr lang="en-US" sz="2000" dirty="0" err="1" smtClean="0"/>
-              <a:t>jí</a:t>
-            </a:r>
-            <a:r>
-              <a:rPr lang="en-US" sz="2000" dirty="0" smtClean="0"/>
-              <a:t>     </a:t>
-            </a:r>
-            <a:r>
-              <a:rPr lang="en-US" sz="2000" dirty="0" err="1" smtClean="0"/>
-              <a:t>dù</a:t>
-            </a:r>
-            <a:r>
-              <a:rPr lang="en-US" sz="2000" dirty="0" smtClean="0"/>
-              <a:t>       </a:t>
-            </a:r>
-            <a:r>
-              <a:rPr lang="en-US" sz="2000" dirty="0" err="1" smtClean="0"/>
-              <a:t>bú</a:t>
-            </a:r>
-            <a:r>
-              <a:rPr lang="en-US" sz="2000" dirty="0" smtClean="0"/>
-              <a:t>     </a:t>
-            </a:r>
-            <a:r>
-              <a:rPr lang="en-US" sz="2000" dirty="0" err="1" smtClean="0"/>
-              <a:t>zì</a:t>
-            </a:r>
-            <a:r>
-              <a:rPr lang="en-US" sz="2000" dirty="0" smtClean="0"/>
-              <a:t>   </a:t>
-            </a:r>
-            <a:r>
-              <a:rPr lang="en-US" sz="2000" dirty="0" err="1" smtClean="0"/>
-              <a:t>kuā</a:t>
-            </a:r>
-            <a:r>
-              <a:rPr lang="en-US" sz="2000" dirty="0" smtClean="0"/>
-              <a:t>     </a:t>
-            </a:r>
-            <a:r>
-              <a:rPr lang="en-US" sz="2000" dirty="0" err="1" smtClean="0"/>
-              <a:t>bù</a:t>
-            </a:r>
-            <a:r>
-              <a:rPr lang="en-US" sz="2000" dirty="0" smtClean="0"/>
-              <a:t>  </a:t>
-            </a:r>
-            <a:r>
-              <a:rPr lang="en-US" sz="2000" dirty="0" err="1" smtClean="0"/>
-              <a:t>zhāng</a:t>
-            </a:r>
-            <a:r>
-              <a:rPr lang="en-US" sz="2000" dirty="0" smtClean="0"/>
-              <a:t> </a:t>
-            </a:r>
-            <a:r>
-              <a:rPr lang="en-US" sz="2000" dirty="0" err="1" smtClean="0"/>
-              <a:t>kuáng</a:t>
-            </a:r>
-            <a:r>
-              <a:rPr lang="zh-TW" altLang="en-US" sz="3600" b="1" dirty="0" smtClean="0">
-                <a:effectLst>
-                  <a:outerShdw blurRad="38100" dist="38100" dir="2700000" algn="tl">
-                    <a:srgbClr val="000000">
-                      <a:alpha val="43137"/>
-                    </a:srgbClr>
-                  </a:outerShdw>
-                </a:effectLst>
-              </a:rPr>
-              <a:t/>
-            </a:r>
-            <a:br>
-              <a:rPr lang="zh-TW" altLang="en-US" sz="3600" b="1" dirty="0" smtClean="0">
-                <a:effectLst>
-                  <a:outerShdw blurRad="38100" dist="38100" dir="2700000" algn="tl">
-                    <a:srgbClr val="000000">
-                      <a:alpha val="43137"/>
-                    </a:srgbClr>
-                  </a:outerShdw>
-                </a:effectLst>
-              </a:rPr>
-            </a:br>
-            <a:r>
-              <a:rPr lang="zh-TW" altLang="en-US" sz="3600" b="1" dirty="0">
-                <a:effectLst>
-                  <a:outerShdw blurRad="38100" dist="38100" dir="2700000" algn="tl">
-                    <a:srgbClr val="000000">
-                      <a:alpha val="43137"/>
-                    </a:srgbClr>
-                  </a:outerShdw>
-                </a:effectLst>
-              </a:rPr>
-              <a:t>不做害羞的</a:t>
-            </a:r>
-            <a:r>
-              <a:rPr lang="zh-TW" altLang="en-US" sz="3600" b="1" dirty="0" smtClean="0">
-                <a:effectLst>
-                  <a:outerShdw blurRad="38100" dist="38100" dir="2700000" algn="tl">
-                    <a:srgbClr val="000000">
-                      <a:alpha val="43137"/>
-                    </a:srgbClr>
-                  </a:outerShdw>
-                </a:effectLst>
-              </a:rPr>
-              <a:t>事</a:t>
-            </a:r>
-            <a:endParaRPr lang="en-US" altLang="zh-TW" sz="3600" b="1" dirty="0" smtClean="0">
+        </p:txBody>
+      </p:sp>
+      <p:sp>
+        <p:nvSpPr>
+          <p:cNvPr id="12" name="文字方塊 11"/>
+          <p:cNvSpPr txBox="1"/>
+          <p:nvPr/>
+        </p:nvSpPr>
+        <p:spPr>
+          <a:xfrm>
+            <a:off x="6012988" y="1831672"/>
+            <a:ext cx="2572606" cy="769441"/>
+          </a:xfrm>
+          <a:prstGeom prst="rect">
+            <a:avLst/>
+          </a:prstGeom>
+          <a:noFill/>
+        </p:spPr>
+        <p:txBody>
+          <a:bodyPr wrap="square" rtlCol="0">
+            <a:spAutoFit/>
+          </a:bodyPr>
+          <a:lstStyle/>
+          <a:p>
+            <a:r>
+              <a:rPr lang="zh-TW" altLang="en-US" sz="4400" b="1" dirty="0">
+                <a:effectLst>
+                  <a:outerShdw blurRad="38100" dist="38100" dir="2700000" algn="tl">
+                    <a:srgbClr val="000000">
+                      <a:alpha val="43137"/>
+                    </a:srgbClr>
+                  </a:outerShdw>
+                </a:effectLst>
+              </a:rPr>
+              <a:t>計算</a:t>
+            </a:r>
+            <a:endParaRPr lang="en-US" sz="4400" b="1" dirty="0">
               <a:effectLst>
                 <a:outerShdw blurRad="38100" dist="38100" dir="2700000" algn="tl">
                   <a:srgbClr val="000000">
@@ -5292,60 +6127,43 @@
               </a:effectLst>
             </a:endParaRPr>
           </a:p>
-          <a:p>
-            <a:r>
-              <a:rPr lang="en-US" sz="2000" dirty="0" smtClean="0"/>
-              <a:t> </a:t>
-            </a:r>
-            <a:r>
-              <a:rPr lang="en-US" sz="2000" dirty="0" err="1"/>
-              <a:t>bú</a:t>
-            </a:r>
-            <a:r>
-              <a:rPr lang="en-US" sz="2000" dirty="0" smtClean="0"/>
-              <a:t>   </a:t>
-            </a:r>
-            <a:r>
-              <a:rPr lang="en-US" sz="2000" dirty="0" err="1" smtClean="0"/>
-              <a:t>zuò</a:t>
-            </a:r>
-            <a:r>
-              <a:rPr lang="en-US" sz="2000" dirty="0" smtClean="0"/>
-              <a:t>  </a:t>
-            </a:r>
-            <a:r>
-              <a:rPr lang="en-US" sz="2000" dirty="0" err="1" smtClean="0"/>
-              <a:t>hài</a:t>
-            </a:r>
-            <a:r>
-              <a:rPr lang="en-US" sz="2000" dirty="0" smtClean="0"/>
-              <a:t>   </a:t>
-            </a:r>
-            <a:r>
-              <a:rPr lang="en-US" sz="2000" dirty="0" err="1" smtClean="0"/>
-              <a:t>xiū</a:t>
-            </a:r>
-            <a:r>
-              <a:rPr lang="en-US" sz="2000" dirty="0" smtClean="0"/>
-              <a:t>  </a:t>
-            </a:r>
-            <a:r>
-              <a:rPr lang="en-US" sz="2000" dirty="0"/>
-              <a:t>de </a:t>
-            </a:r>
-            <a:r>
-              <a:rPr lang="en-US" sz="2000" dirty="0" smtClean="0"/>
-              <a:t>   </a:t>
-            </a:r>
-            <a:r>
-              <a:rPr lang="en-US" sz="2000" dirty="0" err="1" smtClean="0"/>
-              <a:t>shì</a:t>
-            </a:r>
-            <a:r>
-              <a:rPr lang="en-US" sz="2000" dirty="0" smtClean="0"/>
-              <a:t> </a:t>
-            </a:r>
-            <a:endParaRPr lang="en-US" sz="2000" b="1" dirty="0">
+        </p:txBody>
+      </p:sp>
+      <p:sp>
+        <p:nvSpPr>
+          <p:cNvPr id="14" name="文字方塊 13"/>
+          <p:cNvSpPr txBox="1"/>
+          <p:nvPr/>
+        </p:nvSpPr>
+        <p:spPr>
+          <a:xfrm>
+            <a:off x="5966384" y="2936099"/>
+            <a:ext cx="2619210" cy="769441"/>
+          </a:xfrm>
+          <a:prstGeom prst="rect">
+            <a:avLst/>
+          </a:prstGeom>
+          <a:noFill/>
+        </p:spPr>
+        <p:txBody>
+          <a:bodyPr wrap="square" rtlCol="0">
+            <a:spAutoFit/>
+          </a:bodyPr>
+          <a:lstStyle/>
+          <a:p>
+            <a:r>
+              <a:rPr lang="zh-TW" altLang="en-US" sz="4400" b="1" dirty="0">
+                <a:effectLst>
+                  <a:outerShdw blurRad="38100" dist="38100" dir="2700000" algn="tl">
+                    <a:srgbClr val="000000">
+                      <a:alpha val="43137"/>
+                    </a:srgbClr>
+                  </a:outerShdw>
+                </a:effectLst>
+              </a:rPr>
+              <a:t>真理</a:t>
+            </a:r>
+            <a:endParaRPr lang="en-US" sz="4400" b="1" dirty="0">
               <a:effectLst>
                 <a:outerShdw blurRad="38100" dist="38100" dir="2700000" algn="tl">
                   <a:srgbClr val="000000">
@@ -5360,7 +6178,7 @@
     </p:spTree>
     <p:extLst>
       <p:ext uri="{BB962C8B-B14F-4D97-AF65-F5344CB8AC3E}">
-        <p14:creationId xmlns:p14="http://schemas.microsoft.com/office/powerpoint/2010/main" xmlns="" val="3617780563"/>
+        <p14:creationId xmlns:p14="http://schemas.microsoft.com/office/powerpoint/2010/main" xmlns="" val="1530191124"/>
       </p:ext>
     </p:extLst>
   </p:cSld>
@@ -5415,7 +6233,7 @@
       </p:sp>
       <p:pic>
         <p:nvPicPr>
-          <p:cNvPr id="6" name="內容版面配置區 5"/>
+          <p:cNvPr id="4" name="內容版面配置區 3"/>
           <p:cNvPicPr>
             <a:picLocks noGrp="1" noChangeAspect="1"/>
           </p:cNvPicPr>
@@ -5437,21 +6255,21 @@
         </p:blipFill>
         <p:spPr>
           <a:xfrm>
-            <a:off x="3200" y="0"/>
-            <a:ext cx="12188800" cy="6858000"/>
+            <a:off x="3928" y="0"/>
+            <a:ext cx="12188072" cy="6858000"/>
           </a:xfrm>
         </p:spPr>
       </p:pic>
       <p:sp>
         <p:nvSpPr>
-          <p:cNvPr id="7" name="文字方塊 6"/>
+          <p:cNvPr id="5" name="文字方塊 4"/>
           <p:cNvSpPr txBox="1"/>
           <p:nvPr/>
         </p:nvSpPr>
         <p:spPr>
           <a:xfrm>
-            <a:off x="4316628" y="1628507"/>
-            <a:ext cx="6318421" cy="3539430"/>
+            <a:off x="4138908" y="2038152"/>
+            <a:ext cx="1858236" cy="769441"/>
           </a:xfrm>
           <a:prstGeom prst="rect">
             <a:avLst/>
@@ -5465,30 +6283,18 @@
           <a:lstStyle/>
           <a:p>
             <a:r>
-              <a:rPr lang="zh-TW" altLang="en-US" sz="3600" b="1" dirty="0">
-                <a:effectLst>
-                  <a:outerShdw blurRad="38100" dist="38100" dir="2700000" algn="tl">
-                    <a:srgbClr val="000000">
-                      <a:alpha val="43137"/>
-                    </a:srgbClr>
-                  </a:outerShdw>
-                </a:effectLst>
-              </a:rPr>
-              <a:t>不求自己</a:t>
-            </a:r>
-            <a:r>
-              <a:rPr lang="zh-TW" altLang="en-US" sz="3600" b="1" dirty="0" smtClean="0">
-                <a:effectLst>
-                  <a:outerShdw blurRad="38100" dist="38100" dir="2700000" algn="tl">
-                    <a:srgbClr val="000000">
-                      <a:alpha val="43137"/>
-                    </a:srgbClr>
-                  </a:outerShdw>
-                </a:effectLst>
-              </a:rPr>
-              <a:t>益處</a:t>
-            </a:r>
-            <a:endParaRPr lang="en-US" altLang="zh-TW" sz="3600" b="1" dirty="0" smtClean="0">
+              <a:rPr lang="zh-TW" altLang="en-US" sz="4400" b="1" dirty="0">
+                <a:effectLst>
+                  <a:outerShdw blurRad="38100" dist="38100" dir="2700000" algn="tl">
+                    <a:srgbClr val="000000">
+                      <a:alpha val="43137"/>
+                    </a:srgbClr>
+                  </a:outerShdw>
+                </a:effectLst>
+              </a:rPr>
+              <a:t>包容</a:t>
+            </a:r>
+            <a:endParaRPr lang="en-US" sz="4400" b="1" dirty="0">
               <a:effectLst>
                 <a:outerShdw blurRad="38100" dist="38100" dir="2700000" algn="tl">
                   <a:srgbClr val="000000">
@@ -5498,103 +6304,81 @@
               </a:effectLst>
             </a:endParaRPr>
           </a:p>
-          <a:p>
-            <a:r>
-              <a:rPr lang="en-US" sz="2000" dirty="0" smtClean="0"/>
-              <a:t> </a:t>
-            </a:r>
-            <a:r>
-              <a:rPr lang="en-US" sz="2000" dirty="0" err="1" smtClean="0"/>
-              <a:t>bù</a:t>
-            </a:r>
-            <a:r>
-              <a:rPr lang="en-US" sz="2000" dirty="0" smtClean="0"/>
-              <a:t>   </a:t>
-            </a:r>
-            <a:r>
-              <a:rPr lang="en-US" sz="2000" dirty="0" err="1" smtClean="0"/>
-              <a:t>qiú</a:t>
-            </a:r>
-            <a:r>
-              <a:rPr lang="en-US" sz="2000" dirty="0" smtClean="0"/>
-              <a:t>    </a:t>
-            </a:r>
-            <a:r>
-              <a:rPr lang="en-US" sz="2000" dirty="0" err="1" smtClean="0"/>
-              <a:t>zì</a:t>
-            </a:r>
-            <a:r>
-              <a:rPr lang="en-US" sz="2000" dirty="0" smtClean="0"/>
-              <a:t>      </a:t>
-            </a:r>
-            <a:r>
-              <a:rPr lang="en-US" sz="2000" dirty="0" err="1" smtClean="0"/>
-              <a:t>jǐ</a:t>
-            </a:r>
-            <a:r>
-              <a:rPr lang="en-US" sz="2000" dirty="0" smtClean="0"/>
-              <a:t>     </a:t>
-            </a:r>
-            <a:r>
-              <a:rPr lang="en-US" sz="2000" dirty="0" err="1" smtClean="0"/>
-              <a:t>yì</a:t>
-            </a:r>
-            <a:r>
-              <a:rPr lang="en-US" sz="2000" dirty="0" smtClean="0"/>
-              <a:t>    </a:t>
-            </a:r>
-            <a:r>
-              <a:rPr lang="en-US" sz="2000" dirty="0" err="1" smtClean="0"/>
-              <a:t>chu</a:t>
-            </a:r>
-            <a:r>
-              <a:rPr lang="zh-TW" altLang="en-US" sz="3600" b="1" dirty="0" smtClean="0">
-                <a:effectLst>
-                  <a:outerShdw blurRad="38100" dist="38100" dir="2700000" algn="tl">
-                    <a:srgbClr val="000000">
-                      <a:alpha val="43137"/>
-                    </a:srgbClr>
-                  </a:outerShdw>
-                </a:effectLst>
-              </a:rPr>
-              <a:t/>
-            </a:r>
-            <a:br>
-              <a:rPr lang="zh-TW" altLang="en-US" sz="3600" b="1" dirty="0" smtClean="0">
-                <a:effectLst>
-                  <a:outerShdw blurRad="38100" dist="38100" dir="2700000" algn="tl">
-                    <a:srgbClr val="000000">
-                      <a:alpha val="43137"/>
-                    </a:srgbClr>
-                  </a:outerShdw>
-                </a:effectLst>
-              </a:rPr>
-            </a:br>
-            <a:r>
-              <a:rPr lang="zh-TW" altLang="en-US" sz="3600" b="1" dirty="0">
-                <a:effectLst>
-                  <a:outerShdw blurRad="38100" dist="38100" dir="2700000" algn="tl">
-                    <a:srgbClr val="000000">
-                      <a:alpha val="43137"/>
-                    </a:srgbClr>
-                  </a:outerShdw>
-                </a:effectLst>
-              </a:rPr>
-              <a:t>不輕易地</a:t>
-            </a:r>
-            <a:r>
-              <a:rPr lang="zh-TW" altLang="en-US" sz="3600" b="1" dirty="0" smtClean="0">
-                <a:effectLst>
-                  <a:outerShdw blurRad="38100" dist="38100" dir="2700000" algn="tl">
-                    <a:srgbClr val="000000">
-                      <a:alpha val="43137"/>
-                    </a:srgbClr>
-                  </a:outerShdw>
-                </a:effectLst>
-              </a:rPr>
-              <a:t>發怒</a:t>
-            </a:r>
-            <a:endParaRPr lang="en-US" altLang="zh-TW" sz="3600" b="1" dirty="0" smtClean="0">
+        </p:txBody>
+      </p:sp>
+      <p:sp>
+        <p:nvSpPr>
+          <p:cNvPr id="6" name="文字方塊 5"/>
+          <p:cNvSpPr txBox="1"/>
+          <p:nvPr/>
+        </p:nvSpPr>
+        <p:spPr>
+          <a:xfrm>
+            <a:off x="4245997" y="2809652"/>
+            <a:ext cx="1731584" cy="461665"/>
+          </a:xfrm>
+          <a:prstGeom prst="rect">
+            <a:avLst/>
+          </a:prstGeom>
+          <a:noFill/>
+        </p:spPr>
+        <p:txBody>
+          <a:bodyPr wrap="square" rtlCol="0">
+            <a:spAutoFit/>
+          </a:bodyPr>
+          <a:lstStyle/>
+          <a:p>
+            <a:r>
+              <a:rPr lang="en-US" sz="2400" dirty="0" err="1" smtClean="0"/>
+              <a:t>bāo</a:t>
+            </a:r>
+            <a:r>
+              <a:rPr lang="en-US" sz="2400" dirty="0" smtClean="0"/>
+              <a:t>  </a:t>
+            </a:r>
+            <a:r>
+              <a:rPr lang="en-US" sz="2400" dirty="0" err="1" smtClean="0"/>
+              <a:t>róng</a:t>
+            </a:r>
+            <a:endParaRPr lang="en-US" sz="2400" dirty="0"/>
+          </a:p>
+        </p:txBody>
+      </p:sp>
+      <p:sp>
+        <p:nvSpPr>
+          <p:cNvPr id="8" name="文字方塊 7"/>
+          <p:cNvSpPr txBox="1"/>
+          <p:nvPr/>
+        </p:nvSpPr>
+        <p:spPr>
+          <a:xfrm>
+            <a:off x="4182386" y="3425885"/>
+            <a:ext cx="1795195" cy="769441"/>
+          </a:xfrm>
+          <a:prstGeom prst="rect">
+            <a:avLst/>
+          </a:prstGeom>
+          <a:noFill/>
+        </p:spPr>
+        <p:txBody>
+          <a:bodyPr wrap="square" rtlCol="0">
+            <a:spAutoFit/>
+          </a:bodyPr>
+          <a:lstStyle/>
+          <a:p>
+            <a:r>
+              <a:rPr lang="zh-TW" altLang="en-US" sz="4400" b="1" dirty="0">
+                <a:effectLst>
+                  <a:outerShdw blurRad="38100" dist="38100" dir="2700000" algn="tl">
+                    <a:srgbClr val="000000">
+                      <a:alpha val="43137"/>
+                    </a:srgbClr>
+                  </a:outerShdw>
+                </a:effectLst>
+              </a:rPr>
+              <a:t>盼望</a:t>
+            </a:r>
+            <a:endParaRPr lang="en-US" sz="4400" b="1" dirty="0">
               <a:effectLst>
                 <a:outerShdw blurRad="38100" dist="38100" dir="2700000" algn="tl">
                   <a:srgbClr val="000000">
@@ -5604,119 +6388,81 @@
               </a:effectLst>
             </a:endParaRPr>
           </a:p>
-          <a:p>
-            <a:r>
-              <a:rPr lang="en-US" sz="2000" dirty="0" smtClean="0"/>
+        </p:txBody>
+      </p:sp>
+      <p:sp>
+        <p:nvSpPr>
+          <p:cNvPr id="9" name="文字方塊 8"/>
+          <p:cNvSpPr txBox="1"/>
+          <p:nvPr/>
+        </p:nvSpPr>
+        <p:spPr>
+          <a:xfrm>
+            <a:off x="4222147" y="4193041"/>
+            <a:ext cx="1710026" cy="461665"/>
+          </a:xfrm>
+          <a:prstGeom prst="rect">
+            <a:avLst/>
+          </a:prstGeom>
+          <a:noFill/>
+        </p:spPr>
+        <p:txBody>
+          <a:bodyPr wrap="square" rtlCol="0">
+            <a:spAutoFit/>
+          </a:bodyPr>
+          <a:lstStyle/>
+          <a:p>
+            <a:r>
+              <a:rPr lang="en-US" sz="2400" dirty="0" err="1" smtClean="0"/>
+              <a:t>pàn</a:t>
+            </a:r>
+            <a:r>
+              <a:rPr lang="en-US" sz="2400" dirty="0" smtClean="0"/>
               <a:t> </a:t>
             </a:r>
             <a:r>
-              <a:rPr lang="en-US" sz="2000" dirty="0" err="1" smtClean="0"/>
-              <a:t>bù</a:t>
-            </a:r>
-            <a:r>
-              <a:rPr lang="en-US" sz="2000" dirty="0" smtClean="0"/>
-              <a:t>  </a:t>
-            </a:r>
-            <a:r>
-              <a:rPr lang="en-US" sz="2000" dirty="0" err="1" smtClean="0"/>
-              <a:t>qīng</a:t>
-            </a:r>
-            <a:r>
-              <a:rPr lang="en-US" sz="2000" dirty="0" smtClean="0"/>
-              <a:t>   </a:t>
-            </a:r>
-            <a:r>
-              <a:rPr lang="en-US" sz="2000" dirty="0" err="1" smtClean="0"/>
-              <a:t>yì</a:t>
-            </a:r>
-            <a:r>
-              <a:rPr lang="en-US" sz="2000" dirty="0" smtClean="0"/>
-              <a:t>    </a:t>
-            </a:r>
-            <a:r>
-              <a:rPr lang="en-US" altLang="zh-CN" sz="2000" dirty="0" smtClean="0"/>
-              <a:t>de</a:t>
-            </a:r>
-            <a:r>
-              <a:rPr lang="en-US" sz="2000" dirty="0" smtClean="0"/>
-              <a:t>     </a:t>
-            </a:r>
-            <a:r>
-              <a:rPr lang="en-US" sz="2000" dirty="0" err="1" smtClean="0"/>
-              <a:t>fā</a:t>
-            </a:r>
-            <a:r>
-              <a:rPr lang="en-US" sz="2000" dirty="0" smtClean="0"/>
-              <a:t>    </a:t>
-            </a:r>
-            <a:r>
-              <a:rPr lang="en-US" sz="2000" dirty="0" err="1" smtClean="0"/>
-              <a:t>nù</a:t>
-            </a:r>
-            <a:endParaRPr lang="en-US" sz="2000" dirty="0" smtClean="0"/>
-          </a:p>
-          <a:p>
-            <a:r>
-              <a:rPr lang="zh-TW" altLang="en-US" sz="3600" b="1" dirty="0" smtClean="0">
-                <a:effectLst>
-                  <a:outerShdw blurRad="38100" dist="38100" dir="2700000" algn="tl">
-                    <a:srgbClr val="000000">
-                      <a:alpha val="43137"/>
-                    </a:srgbClr>
-                  </a:outerShdw>
-                </a:effectLst>
-              </a:rPr>
-              <a:t>不</a:t>
-            </a:r>
-            <a:r>
-              <a:rPr lang="zh-TW" altLang="en-US" sz="3600" b="1" dirty="0">
-                <a:effectLst>
-                  <a:outerShdw blurRad="38100" dist="38100" dir="2700000" algn="tl">
-                    <a:srgbClr val="000000">
-                      <a:alpha val="43137"/>
-                    </a:srgbClr>
-                  </a:outerShdw>
-                </a:effectLst>
-              </a:rPr>
-              <a:t>計算人的</a:t>
-            </a:r>
-            <a:r>
-              <a:rPr lang="zh-TW" altLang="en-US" sz="3600" b="1" dirty="0" smtClean="0">
-                <a:effectLst>
-                  <a:outerShdw blurRad="38100" dist="38100" dir="2700000" algn="tl">
-                    <a:srgbClr val="000000">
-                      <a:alpha val="43137"/>
-                    </a:srgbClr>
-                  </a:outerShdw>
-                </a:effectLst>
-              </a:rPr>
-              <a:t>惡  不</a:t>
-            </a:r>
-            <a:r>
-              <a:rPr lang="zh-TW" altLang="en-US" sz="3600" b="1" dirty="0">
-                <a:effectLst>
-                  <a:outerShdw blurRad="38100" dist="38100" dir="2700000" algn="tl">
-                    <a:srgbClr val="000000">
-                      <a:alpha val="43137"/>
-                    </a:srgbClr>
-                  </a:outerShdw>
-                </a:effectLst>
-              </a:rPr>
-              <a:t>喜歡不</a:t>
-            </a:r>
-            <a:r>
-              <a:rPr lang="zh-TW" altLang="en-US" sz="3600" b="1" dirty="0" smtClean="0">
-                <a:effectLst>
-                  <a:outerShdw blurRad="38100" dist="38100" dir="2700000" algn="tl">
-                    <a:srgbClr val="000000">
-                      <a:alpha val="43137"/>
-                    </a:srgbClr>
-                  </a:outerShdw>
-                </a:effectLst>
-              </a:rPr>
-              <a:t>義</a:t>
-            </a:r>
-            <a:endParaRPr lang="en-US" altLang="zh-TW" sz="3600" b="1" dirty="0" smtClean="0">
+              <a:rPr lang="en-US" sz="2400" dirty="0" err="1" smtClean="0"/>
+              <a:t>wàng</a:t>
+            </a:r>
+            <a:endParaRPr lang="en-US" sz="2400" dirty="0"/>
+          </a:p>
+        </p:txBody>
+      </p:sp>
+      <p:sp>
+        <p:nvSpPr>
+          <p:cNvPr id="10" name="文字方塊 9"/>
+          <p:cNvSpPr txBox="1"/>
+          <p:nvPr/>
+        </p:nvSpPr>
+        <p:spPr>
+          <a:xfrm>
+            <a:off x="6084981" y="2044795"/>
+            <a:ext cx="1859897" cy="769441"/>
+          </a:xfrm>
+          <a:prstGeom prst="rect">
+            <a:avLst/>
+          </a:prstGeom>
+          <a:noFill/>
+        </p:spPr>
+        <p:txBody>
+          <a:bodyPr wrap="square" rtlCol="0">
+            <a:spAutoFit/>
+          </a:bodyPr>
+          <a:lstStyle/>
+          <a:p>
+            <a:r>
+              <a:rPr lang="zh-TW" altLang="en-US" sz="4400" b="1" dirty="0">
+                <a:effectLst>
+                  <a:outerShdw blurRad="38100" dist="38100" dir="2700000" algn="tl">
+                    <a:srgbClr val="000000">
+                      <a:alpha val="43137"/>
+                    </a:srgbClr>
+                  </a:outerShdw>
+                </a:effectLst>
+              </a:rPr>
+              <a:t>止息</a:t>
+            </a:r>
+            <a:endParaRPr lang="en-US" sz="4400" b="1" dirty="0">
               <a:effectLst>
                 <a:outerShdw blurRad="38100" dist="38100" dir="2700000" algn="tl">
                   <a:srgbClr val="000000">
@@ -5726,123 +6472,81 @@
               </a:effectLst>
             </a:endParaRPr>
           </a:p>
-          <a:p>
-            <a:r>
-              <a:rPr lang="en-US" sz="2000" dirty="0" smtClean="0"/>
+        </p:txBody>
+      </p:sp>
+      <p:sp>
+        <p:nvSpPr>
+          <p:cNvPr id="11" name="文字方塊 10"/>
+          <p:cNvSpPr txBox="1"/>
+          <p:nvPr/>
+        </p:nvSpPr>
+        <p:spPr>
+          <a:xfrm>
+            <a:off x="6146359" y="4198481"/>
+            <a:ext cx="1774666" cy="461665"/>
+          </a:xfrm>
+          <a:prstGeom prst="rect">
+            <a:avLst/>
+          </a:prstGeom>
+          <a:noFill/>
+        </p:spPr>
+        <p:txBody>
+          <a:bodyPr wrap="square" rtlCol="0">
+            <a:spAutoFit/>
+          </a:bodyPr>
+          <a:lstStyle/>
+          <a:p>
+            <a:r>
+              <a:rPr lang="en-US" sz="2400" dirty="0" err="1" smtClean="0"/>
+              <a:t>chǎng</a:t>
+            </a:r>
+            <a:r>
+              <a:rPr lang="en-US" sz="2400" dirty="0" smtClean="0"/>
               <a:t> </a:t>
             </a:r>
             <a:r>
-              <a:rPr lang="en-US" sz="2000" dirty="0" err="1" smtClean="0"/>
-              <a:t>bú</a:t>
-            </a:r>
-            <a:r>
-              <a:rPr lang="en-US" sz="2000" dirty="0" smtClean="0"/>
-              <a:t>    </a:t>
-            </a:r>
-            <a:r>
-              <a:rPr lang="en-US" sz="2000" dirty="0" err="1" smtClean="0"/>
-              <a:t>jì</a:t>
-            </a:r>
-            <a:r>
-              <a:rPr lang="en-US" sz="2000" dirty="0" smtClean="0"/>
-              <a:t>    </a:t>
-            </a:r>
-            <a:r>
-              <a:rPr lang="en-US" sz="2000" dirty="0" err="1" smtClean="0"/>
-              <a:t>suàn</a:t>
-            </a:r>
-            <a:r>
-              <a:rPr lang="en-US" sz="2000" dirty="0" smtClean="0"/>
-              <a:t> </a:t>
-            </a:r>
-            <a:r>
-              <a:rPr lang="en-US" sz="2000" dirty="0" err="1"/>
-              <a:t>rén</a:t>
-            </a:r>
-            <a:r>
-              <a:rPr lang="en-US" sz="2000" dirty="0"/>
-              <a:t> </a:t>
-            </a:r>
-            <a:r>
-              <a:rPr lang="en-US" sz="2000" dirty="0" smtClean="0"/>
-              <a:t> de    è         </a:t>
-            </a:r>
-            <a:r>
-              <a:rPr lang="en-US" sz="2000" dirty="0" err="1" smtClean="0"/>
-              <a:t>bù</a:t>
-            </a:r>
-            <a:r>
-              <a:rPr lang="en-US" sz="2000" dirty="0" smtClean="0"/>
-              <a:t>   </a:t>
-            </a:r>
-            <a:r>
-              <a:rPr lang="en-US" sz="2000" dirty="0" err="1" smtClean="0"/>
-              <a:t>xǐ</a:t>
-            </a:r>
-            <a:r>
-              <a:rPr lang="en-US" sz="2000" dirty="0" smtClean="0"/>
-              <a:t>    </a:t>
-            </a:r>
-            <a:r>
-              <a:rPr lang="en-US" sz="2000" dirty="0" err="1" smtClean="0"/>
-              <a:t>huān</a:t>
-            </a:r>
-            <a:r>
-              <a:rPr lang="en-US" sz="2000" dirty="0" smtClean="0"/>
-              <a:t> </a:t>
-            </a:r>
-            <a:r>
-              <a:rPr lang="en-US" sz="2000" dirty="0" err="1"/>
-              <a:t>bú</a:t>
-            </a:r>
-            <a:r>
-              <a:rPr lang="en-US" sz="2000" dirty="0" smtClean="0"/>
-              <a:t>   </a:t>
-            </a:r>
-            <a:r>
-              <a:rPr lang="en-US" sz="2000" dirty="0" err="1" smtClean="0"/>
-              <a:t>yì</a:t>
-            </a:r>
-            <a:endParaRPr lang="en-US" sz="2000" dirty="0" smtClean="0"/>
-          </a:p>
-          <a:p>
-            <a:r>
-              <a:rPr lang="zh-TW" altLang="en-US" sz="3600" b="1" dirty="0" smtClean="0">
-                <a:effectLst>
-                  <a:outerShdw blurRad="38100" dist="38100" dir="2700000" algn="tl">
-                    <a:srgbClr val="000000">
-                      <a:alpha val="43137"/>
-                    </a:srgbClr>
-                  </a:outerShdw>
-                </a:effectLst>
-              </a:rPr>
-              <a:t>愛</a:t>
-            </a:r>
-            <a:r>
-              <a:rPr lang="zh-TW" altLang="en-US" sz="3600" b="1" dirty="0">
-                <a:effectLst>
-                  <a:outerShdw blurRad="38100" dist="38100" dir="2700000" algn="tl">
-                    <a:srgbClr val="000000">
-                      <a:alpha val="43137"/>
-                    </a:srgbClr>
-                  </a:outerShdw>
-                </a:effectLst>
-              </a:rPr>
-              <a:t>只喜歡</a:t>
-            </a:r>
-            <a:r>
-              <a:rPr lang="zh-TW" altLang="en-US" sz="3600" b="1" dirty="0" smtClean="0">
-                <a:effectLst>
-                  <a:outerShdw blurRad="38100" dist="38100" dir="2700000" algn="tl">
-                    <a:srgbClr val="000000">
-                      <a:alpha val="43137"/>
-                    </a:srgbClr>
-                  </a:outerShdw>
-                </a:effectLst>
-              </a:rPr>
-              <a:t>真理</a:t>
-            </a:r>
-            <a:endParaRPr lang="en-US" altLang="zh-TW" sz="3600" b="1" dirty="0" smtClean="0">
+              <a:rPr lang="en-US" sz="2400" dirty="0" err="1" smtClean="0"/>
+              <a:t>kāi</a:t>
+            </a:r>
+            <a:endParaRPr lang="en-US" sz="2400" dirty="0"/>
+          </a:p>
+        </p:txBody>
+      </p:sp>
+      <p:sp>
+        <p:nvSpPr>
+          <p:cNvPr id="12" name="文字方塊 11"/>
+          <p:cNvSpPr txBox="1"/>
+          <p:nvPr/>
+        </p:nvSpPr>
+        <p:spPr>
+          <a:xfrm>
+            <a:off x="6099621" y="3432063"/>
+            <a:ext cx="1990956" cy="769441"/>
+          </a:xfrm>
+          <a:prstGeom prst="rect">
+            <a:avLst/>
+          </a:prstGeom>
+          <a:noFill/>
+        </p:spPr>
+        <p:txBody>
+          <a:bodyPr wrap="square" rtlCol="0">
+            <a:spAutoFit/>
+          </a:bodyPr>
+          <a:lstStyle/>
+          <a:p>
+            <a:r>
+              <a:rPr lang="zh-TW" altLang="en-US" sz="4400" b="1" dirty="0" smtClean="0">
+                <a:effectLst>
+                  <a:outerShdw blurRad="38100" dist="38100" dir="2700000" algn="tl">
+                    <a:srgbClr val="000000">
+                      <a:alpha val="43137"/>
+                    </a:srgbClr>
+                  </a:outerShdw>
+                </a:effectLst>
+              </a:rPr>
+              <a:t>敞開</a:t>
+            </a:r>
+            <a:endParaRPr lang="zh-TW" altLang="en-US" sz="4400" b="1" dirty="0">
               <a:effectLst>
                 <a:outerShdw blurRad="38100" dist="38100" dir="2700000" algn="tl">
                   <a:srgbClr val="000000">
@@ -5852,71 +6556,50 @@
               </a:effectLst>
             </a:endParaRPr>
           </a:p>
-          <a:p>
-            <a:r>
-              <a:rPr lang="en-US" sz="2000" dirty="0" smtClean="0"/>
-              <a:t>  </a:t>
-            </a:r>
-            <a:r>
-              <a:rPr lang="en-US" sz="2000" dirty="0" err="1" smtClean="0"/>
-              <a:t>ài</a:t>
-            </a:r>
-            <a:r>
-              <a:rPr lang="en-US" sz="2000" dirty="0" smtClean="0"/>
-              <a:t>    </a:t>
-            </a:r>
-            <a:r>
-              <a:rPr lang="en-US" sz="2000" dirty="0" err="1" smtClean="0"/>
+        </p:txBody>
+      </p:sp>
+      <p:sp>
+        <p:nvSpPr>
+          <p:cNvPr id="13" name="文字方塊 12"/>
+          <p:cNvSpPr txBox="1"/>
+          <p:nvPr/>
+        </p:nvSpPr>
+        <p:spPr>
+          <a:xfrm>
+            <a:off x="6191603" y="2823379"/>
+            <a:ext cx="1163223" cy="461665"/>
+          </a:xfrm>
+          <a:prstGeom prst="rect">
+            <a:avLst/>
+          </a:prstGeom>
+          <a:noFill/>
+        </p:spPr>
+        <p:txBody>
+          <a:bodyPr wrap="square" rtlCol="0">
+            <a:spAutoFit/>
+          </a:bodyPr>
+          <a:lstStyle/>
+          <a:p>
+            <a:r>
+              <a:rPr lang="en-US" sz="2400" dirty="0" err="1" smtClean="0"/>
               <a:t>zhǐ</a:t>
             </a:r>
             <a:r>
-              <a:rPr lang="en-US" sz="2000" dirty="0" smtClean="0"/>
-              <a:t>    </a:t>
-            </a:r>
-            <a:r>
-              <a:rPr lang="en-US" sz="2000" dirty="0" err="1" smtClean="0"/>
-              <a:t>xǐ</a:t>
-            </a:r>
-            <a:r>
-              <a:rPr lang="en-US" sz="2000" dirty="0" smtClean="0"/>
-              <a:t>  </a:t>
-            </a:r>
-            <a:r>
-              <a:rPr lang="en-US" sz="2000" dirty="0" err="1" smtClean="0"/>
-              <a:t>huān</a:t>
-            </a:r>
-            <a:r>
-              <a:rPr lang="en-US" sz="2000" dirty="0" smtClean="0"/>
-              <a:t> </a:t>
-            </a:r>
-            <a:r>
-              <a:rPr lang="en-US" sz="2000" dirty="0" err="1" smtClean="0"/>
-              <a:t>zhēn</a:t>
-            </a:r>
-            <a:r>
-              <a:rPr lang="en-US" sz="2000" dirty="0" smtClean="0"/>
-              <a:t>  </a:t>
-            </a:r>
-            <a:r>
-              <a:rPr lang="en-US" sz="2000" dirty="0" err="1" smtClean="0"/>
-              <a:t>lǐ</a:t>
-            </a:r>
-            <a:endParaRPr lang="en-US" sz="2000" b="1" dirty="0">
-              <a:effectLst>
-                <a:outerShdw blurRad="38100" dist="38100" dir="2700000" algn="tl">
-                  <a:srgbClr val="000000">
-                    <a:alpha val="43137"/>
-                  </a:srgbClr>
-                </a:outerShdw>
-              </a:effectLst>
-            </a:endParaRPr>
+              <a:rPr lang="en-US" sz="2400" dirty="0" smtClean="0"/>
+              <a:t>     </a:t>
+            </a:r>
+            <a:r>
+              <a:rPr lang="en-US" sz="2400" dirty="0" err="1" smtClean="0"/>
+              <a:t>xī</a:t>
+            </a:r>
+            <a:endParaRPr lang="en-US" sz="2400" dirty="0"/>
           </a:p>
         </p:txBody>
       </p:sp>
     </p:spTree>
     <p:extLst>
       <p:ext uri="{BB962C8B-B14F-4D97-AF65-F5344CB8AC3E}">
-        <p14:creationId xmlns:p14="http://schemas.microsoft.com/office/powerpoint/2010/main" xmlns="" val="292572419"/>
+        <p14:creationId xmlns:p14="http://schemas.microsoft.com/office/powerpoint/2010/main" xmlns="" val="2250282485"/>
       </p:ext>
     </p:extLst>
   </p:cSld>
@@ -5971,7 +6654,7 @@
       </p:sp>
       <p:pic>
         <p:nvPicPr>
-          <p:cNvPr id="6" name="內容版面配置區 5"/>
+          <p:cNvPr id="4" name="內容版面配置區 3"/>
           <p:cNvPicPr>
             <a:picLocks noGrp="1" noChangeAspect="1"/>
           </p:cNvPicPr>
@@ -5993,21 +6676,21 @@
         </p:blipFill>
         <p:spPr>
           <a:xfrm>
-            <a:off x="3200" y="0"/>
-            <a:ext cx="12188800" cy="6858000"/>
+            <a:off x="3928" y="0"/>
+            <a:ext cx="12188072" cy="6858000"/>
           </a:xfrm>
         </p:spPr>
       </p:pic>
       <p:sp>
         <p:nvSpPr>
-          <p:cNvPr id="7" name="文字方塊 6"/>
+          <p:cNvPr id="5" name="文字方塊 4"/>
           <p:cNvSpPr txBox="1"/>
           <p:nvPr/>
         </p:nvSpPr>
         <p:spPr>
           <a:xfrm>
-            <a:off x="4316628" y="1628507"/>
-            <a:ext cx="6318421" cy="3539430"/>
+            <a:off x="4138908" y="2038152"/>
+            <a:ext cx="1858236" cy="769441"/>
           </a:xfrm>
           <a:prstGeom prst="rect">
             <a:avLst/>
@@ -6021,18 +6704,18 @@
           <a:lstStyle/>
           <a:p>
             <a:r>
-              <a:rPr lang="zh-TW" altLang="en-US" sz="3600" b="1" dirty="0" smtClean="0">
-                <a:effectLst>
-                  <a:outerShdw blurRad="38100" dist="38100" dir="2700000" algn="tl">
-                    <a:srgbClr val="000000">
-                      <a:alpha val="43137"/>
-                    </a:srgbClr>
-                  </a:outerShdw>
-                </a:effectLst>
-              </a:rPr>
-              <a:t>凡事包容</a:t>
-            </a:r>
-            <a:endParaRPr lang="en-US" altLang="zh-TW" sz="3600" b="1" dirty="0" smtClean="0">
+              <a:rPr lang="zh-TW" altLang="en-US" sz="4400" b="1" dirty="0">
+                <a:effectLst>
+                  <a:outerShdw blurRad="38100" dist="38100" dir="2700000" algn="tl">
+                    <a:srgbClr val="000000">
+                      <a:alpha val="43137"/>
+                    </a:srgbClr>
+                  </a:outerShdw>
+                </a:effectLst>
+              </a:rPr>
+              <a:t>包容</a:t>
+            </a:r>
+            <a:endParaRPr lang="en-US" sz="4400" b="1" dirty="0">
               <a:effectLst>
                 <a:outerShdw blurRad="38100" dist="38100" dir="2700000" algn="tl">
                   <a:srgbClr val="000000">
@@ -6042,40 +6725,43 @@
               </a:effectLst>
             </a:endParaRPr>
           </a:p>
-          <a:p>
-            <a:r>
-              <a:rPr lang="en-US" sz="2000" dirty="0" smtClean="0"/>
-              <a:t> </a:t>
-            </a:r>
-            <a:r>
-              <a:rPr lang="en-US" sz="2000" dirty="0" err="1" smtClean="0"/>
-              <a:t>fán</a:t>
-            </a:r>
-            <a:r>
-              <a:rPr lang="en-US" sz="2000" dirty="0" smtClean="0"/>
-              <a:t>   </a:t>
-            </a:r>
-            <a:r>
-              <a:rPr lang="en-US" sz="2000" dirty="0" err="1" smtClean="0"/>
-              <a:t>shì</a:t>
-            </a:r>
-            <a:r>
-              <a:rPr lang="en-US" sz="2000" dirty="0" smtClean="0"/>
-              <a:t>  </a:t>
-            </a:r>
-            <a:r>
-              <a:rPr lang="en-US" sz="2000" dirty="0" err="1" smtClean="0"/>
-              <a:t>bāo</a:t>
-            </a:r>
-            <a:r>
-              <a:rPr lang="en-US" sz="2000" dirty="0" smtClean="0"/>
-              <a:t> </a:t>
-            </a:r>
-            <a:r>
-              <a:rPr lang="en-US" sz="2000" dirty="0" err="1" smtClean="0"/>
-              <a:t>róng</a:t>
-            </a:r>
-            <a:endParaRPr lang="zh-TW" altLang="en-US" sz="2000" b="1" dirty="0" smtClean="0">
+        </p:txBody>
+      </p:sp>
+      <p:sp>
+        <p:nvSpPr>
+          <p:cNvPr id="8" name="文字方塊 7"/>
+          <p:cNvSpPr txBox="1"/>
+          <p:nvPr/>
+        </p:nvSpPr>
+        <p:spPr>
+          <a:xfrm>
+            <a:off x="4182386" y="3441787"/>
+            <a:ext cx="1795195" cy="769441"/>
+          </a:xfrm>
+          <a:prstGeom prst="rect">
+            <a:avLst/>
+          </a:prstGeom>
+          <a:noFill/>
+        </p:spPr>
+        <p:txBody>
+          <a:bodyPr wrap="square" rtlCol="0">
+            <a:spAutoFit/>
+          </a:bodyPr>
+          <a:lstStyle/>
+          <a:p>
+            <a:r>
+              <a:rPr lang="zh-TW" altLang="en-US" sz="4400" b="1" dirty="0">
+                <a:effectLst>
+                  <a:outerShdw blurRad="38100" dist="38100" dir="2700000" algn="tl">
+                    <a:srgbClr val="000000">
+                      <a:alpha val="43137"/>
+                    </a:srgbClr>
+                  </a:outerShdw>
+                </a:effectLst>
+              </a:rPr>
+              <a:t>盼望</a:t>
+            </a:r>
+            <a:endParaRPr lang="en-US" sz="4400" b="1" dirty="0">
               <a:effectLst>
                 <a:outerShdw blurRad="38100" dist="38100" dir="2700000" algn="tl">
                   <a:srgbClr val="000000">
@@ -6085,20 +6771,43 @@
               </a:effectLst>
             </a:endParaRPr>
           </a:p>
-          <a:p>
-            <a:r>
-              <a:rPr lang="zh-TW" altLang="en-US" sz="3600" b="1" dirty="0" smtClean="0">
-                <a:effectLst>
-                  <a:outerShdw blurRad="38100" dist="38100" dir="2700000" algn="tl">
-                    <a:srgbClr val="000000">
-                      <a:alpha val="43137"/>
-                    </a:srgbClr>
-                  </a:outerShdw>
-                </a:effectLst>
-              </a:rPr>
-              <a:t>凡事相信</a:t>
-            </a:r>
-            <a:endParaRPr lang="en-US" altLang="zh-TW" sz="3600" b="1" dirty="0" smtClean="0">
+        </p:txBody>
+      </p:sp>
+      <p:sp>
+        <p:nvSpPr>
+          <p:cNvPr id="10" name="文字方塊 9"/>
+          <p:cNvSpPr txBox="1"/>
+          <p:nvPr/>
+        </p:nvSpPr>
+        <p:spPr>
+          <a:xfrm>
+            <a:off x="6084981" y="2044795"/>
+            <a:ext cx="1859897" cy="769441"/>
+          </a:xfrm>
+          <a:prstGeom prst="rect">
+            <a:avLst/>
+          </a:prstGeom>
+          <a:noFill/>
+        </p:spPr>
+        <p:txBody>
+          <a:bodyPr wrap="square" rtlCol="0">
+            <a:spAutoFit/>
+          </a:bodyPr>
+          <a:lstStyle/>
+          <a:p>
+            <a:r>
+              <a:rPr lang="zh-TW" altLang="en-US" sz="4400" b="1" dirty="0">
+                <a:effectLst>
+                  <a:outerShdw blurRad="38100" dist="38100" dir="2700000" algn="tl">
+                    <a:srgbClr val="000000">
+                      <a:alpha val="43137"/>
+                    </a:srgbClr>
+                  </a:outerShdw>
+                </a:effectLst>
+              </a:rPr>
+              <a:t>止息</a:t>
+            </a:r>
+            <a:endParaRPr lang="en-US" sz="4400" b="1" dirty="0">
               <a:effectLst>
                 <a:outerShdw blurRad="38100" dist="38100" dir="2700000" algn="tl">
                   <a:srgbClr val="000000">
@@ -6108,40 +6817,43 @@
               </a:effectLst>
             </a:endParaRPr>
           </a:p>
-          <a:p>
-            <a:r>
-              <a:rPr lang="en-US" sz="2000" dirty="0" smtClean="0"/>
-              <a:t> </a:t>
-            </a:r>
-            <a:r>
-              <a:rPr lang="en-US" sz="2000" dirty="0" err="1" smtClean="0"/>
-              <a:t>fán</a:t>
-            </a:r>
-            <a:r>
-              <a:rPr lang="en-US" sz="2000" dirty="0" smtClean="0"/>
-              <a:t>  </a:t>
-            </a:r>
-            <a:r>
-              <a:rPr lang="en-US" sz="2000" dirty="0" err="1" smtClean="0"/>
-              <a:t>shì</a:t>
-            </a:r>
-            <a:r>
-              <a:rPr lang="en-US" sz="2000" dirty="0" smtClean="0"/>
-              <a:t>  </a:t>
-            </a:r>
-            <a:r>
-              <a:rPr lang="en-US" sz="2000" dirty="0" err="1" smtClean="0"/>
-              <a:t>xiāng</a:t>
-            </a:r>
-            <a:r>
-              <a:rPr lang="en-US" sz="2000" dirty="0" smtClean="0"/>
-              <a:t> </a:t>
-            </a:r>
-            <a:r>
-              <a:rPr lang="en-US" sz="2000" dirty="0" err="1" smtClean="0"/>
-              <a:t>xìn</a:t>
-            </a:r>
-            <a:endParaRPr lang="zh-TW" altLang="en-US" sz="2000" b="1" dirty="0" smtClean="0">
+        </p:txBody>
+      </p:sp>
+      <p:sp>
+        <p:nvSpPr>
+          <p:cNvPr id="12" name="文字方塊 11"/>
+          <p:cNvSpPr txBox="1"/>
+          <p:nvPr/>
+        </p:nvSpPr>
+        <p:spPr>
+          <a:xfrm>
+            <a:off x="6099621" y="3447965"/>
+            <a:ext cx="1990956" cy="769441"/>
+          </a:xfrm>
+          <a:prstGeom prst="rect">
+            <a:avLst/>
+          </a:prstGeom>
+          <a:noFill/>
+        </p:spPr>
+        <p:txBody>
+          <a:bodyPr wrap="square" rtlCol="0">
+            <a:spAutoFit/>
+          </a:bodyPr>
+          <a:lstStyle/>
+          <a:p>
+            <a:r>
+              <a:rPr lang="zh-TW" altLang="en-US" sz="4400" b="1" dirty="0" smtClean="0">
+                <a:effectLst>
+                  <a:outerShdw blurRad="38100" dist="38100" dir="2700000" algn="tl">
+                    <a:srgbClr val="000000">
+                      <a:alpha val="43137"/>
+                    </a:srgbClr>
+                  </a:outerShdw>
+                </a:effectLst>
+              </a:rPr>
+              <a:t>敞開</a:t>
+            </a:r>
+            <a:endParaRPr lang="zh-TW" altLang="en-US" sz="4400" b="1" dirty="0">
               <a:effectLst>
                 <a:outerShdw blurRad="38100" dist="38100" dir="2700000" algn="tl">
                   <a:srgbClr val="000000">
@@ -6151,200 +6863,12 @@
               </a:effectLst>
             </a:endParaRPr>
           </a:p>
-          <a:p>
-            <a:r>
-              <a:rPr lang="zh-TW" altLang="en-US" sz="3600" b="1" dirty="0" smtClean="0">
-                <a:effectLst>
-                  <a:outerShdw blurRad="38100" dist="38100" dir="2700000" algn="tl">
-                    <a:srgbClr val="000000">
-                      <a:alpha val="43137"/>
-                    </a:srgbClr>
-                  </a:outerShdw>
-                </a:effectLst>
-              </a:rPr>
-              <a:t>凡事盼望  凡事忍耐</a:t>
-            </a:r>
-            <a:endParaRPr lang="en-US" altLang="zh-TW" sz="3600" b="1" dirty="0" smtClean="0">
-              <a:effectLst>
-                <a:outerShdw blurRad="38100" dist="38100" dir="2700000" algn="tl">
-                  <a:srgbClr val="000000">
-                    <a:alpha val="43137"/>
-                  </a:srgbClr>
-                </a:outerShdw>
-              </a:effectLst>
-            </a:endParaRPr>
-          </a:p>
-          <a:p>
-            <a:r>
-              <a:rPr lang="en-US" sz="2000" dirty="0" smtClean="0"/>
-              <a:t> </a:t>
-            </a:r>
-            <a:r>
-              <a:rPr lang="en-US" altLang="zh-CN" sz="2000" dirty="0" err="1" smtClean="0"/>
-              <a:t>f</a:t>
-            </a:r>
-            <a:r>
-              <a:rPr lang="en-US" sz="2000" dirty="0" err="1" smtClean="0"/>
-              <a:t>án</a:t>
-            </a:r>
-            <a:r>
-              <a:rPr lang="en-US" sz="2000" dirty="0" smtClean="0"/>
-              <a:t>  </a:t>
-            </a:r>
-            <a:r>
-              <a:rPr lang="en-US" sz="2000" dirty="0" err="1" smtClean="0"/>
-              <a:t>shì</a:t>
-            </a:r>
-            <a:r>
-              <a:rPr lang="en-US" sz="2000" dirty="0" smtClean="0"/>
-              <a:t>   </a:t>
-            </a:r>
-            <a:r>
-              <a:rPr lang="en-US" sz="2000" dirty="0" err="1" smtClean="0"/>
-              <a:t>pàn</a:t>
-            </a:r>
-            <a:r>
-              <a:rPr lang="en-US" sz="2000" dirty="0" smtClean="0"/>
-              <a:t> </a:t>
-            </a:r>
-            <a:r>
-              <a:rPr lang="en-US" sz="2000" dirty="0" err="1" smtClean="0"/>
-              <a:t>wàng</a:t>
-            </a:r>
-            <a:r>
-              <a:rPr lang="en-US" sz="2000" dirty="0" smtClean="0"/>
-              <a:t>  </a:t>
-            </a:r>
-            <a:r>
-              <a:rPr lang="en-US" sz="2000" dirty="0" err="1" smtClean="0"/>
-              <a:t>fán</a:t>
-            </a:r>
-            <a:r>
-              <a:rPr lang="en-US" sz="2000" dirty="0" smtClean="0"/>
-              <a:t>   </a:t>
-            </a:r>
-            <a:r>
-              <a:rPr lang="en-US" sz="2000" dirty="0" err="1" smtClean="0"/>
-              <a:t>shì</a:t>
-            </a:r>
-            <a:r>
-              <a:rPr lang="en-US" sz="2000" dirty="0" smtClean="0"/>
-              <a:t>  </a:t>
-            </a:r>
-            <a:r>
-              <a:rPr lang="en-US" sz="2000" dirty="0" err="1" smtClean="0"/>
-              <a:t>rěn</a:t>
-            </a:r>
-            <a:r>
-              <a:rPr lang="en-US" sz="2000" dirty="0" smtClean="0"/>
-              <a:t>   </a:t>
-            </a:r>
-            <a:r>
-              <a:rPr lang="en-US" sz="2000" dirty="0" err="1" smtClean="0"/>
-              <a:t>nài</a:t>
-            </a:r>
-            <a:endParaRPr lang="zh-TW" altLang="en-US" sz="2000" b="1" dirty="0" smtClean="0">
-              <a:effectLst>
-                <a:outerShdw blurRad="38100" dist="38100" dir="2700000" algn="tl">
-                  <a:srgbClr val="000000">
-                    <a:alpha val="43137"/>
-                  </a:srgbClr>
-                </a:outerShdw>
-              </a:effectLst>
-            </a:endParaRPr>
-          </a:p>
-          <a:p>
-            <a:r>
-              <a:rPr lang="zh-TW" altLang="en-US" sz="3600" b="1" dirty="0" smtClean="0">
-                <a:effectLst>
-                  <a:outerShdw blurRad="38100" dist="38100" dir="2700000" algn="tl">
-                    <a:srgbClr val="000000">
-                      <a:alpha val="43137"/>
-                    </a:srgbClr>
-                  </a:outerShdw>
-                </a:effectLst>
-              </a:rPr>
-              <a:t>愛是永不止息</a:t>
-            </a:r>
-            <a:endParaRPr lang="en-US" altLang="zh-TW" sz="3600" b="1" dirty="0" smtClean="0">
-              <a:effectLst>
-                <a:outerShdw blurRad="38100" dist="38100" dir="2700000" algn="tl">
-                  <a:srgbClr val="000000">
-                    <a:alpha val="43137"/>
-                  </a:srgbClr>
-                </a:outerShdw>
-              </a:effectLst>
-            </a:endParaRPr>
-          </a:p>
-          <a:p>
-            <a:r>
-              <a:rPr lang="en-US" sz="2000" dirty="0" smtClean="0"/>
-              <a:t> </a:t>
-            </a:r>
-            <a:r>
-              <a:rPr lang="en-US" sz="2000" dirty="0" err="1" smtClean="0"/>
-              <a:t>ài</a:t>
-            </a:r>
-            <a:r>
-              <a:rPr lang="en-US" sz="2000" dirty="0" smtClean="0"/>
-              <a:t>     </a:t>
-            </a:r>
-            <a:r>
-              <a:rPr lang="en-US" sz="2000" dirty="0" err="1" smtClean="0"/>
-              <a:t>shì</a:t>
-            </a:r>
-            <a:r>
-              <a:rPr lang="en-US" sz="2000" dirty="0" smtClean="0"/>
-              <a:t>  </a:t>
-            </a:r>
-            <a:r>
-              <a:rPr lang="en-US" sz="2000" dirty="0" err="1" smtClean="0"/>
-              <a:t>yǒng</a:t>
-            </a:r>
-            <a:r>
-              <a:rPr lang="en-US" sz="2000" dirty="0" smtClean="0"/>
-              <a:t> </a:t>
-            </a:r>
-            <a:r>
-              <a:rPr lang="en-US" sz="2000" dirty="0" err="1"/>
-              <a:t>bù</a:t>
-            </a:r>
-            <a:r>
-              <a:rPr lang="en-US" sz="2000" dirty="0"/>
-              <a:t> </a:t>
-            </a:r>
-            <a:r>
-              <a:rPr lang="en-US" sz="2000" dirty="0" smtClean="0"/>
-              <a:t>  </a:t>
-            </a:r>
-            <a:r>
-              <a:rPr lang="en-US" sz="2000" dirty="0" err="1" smtClean="0"/>
-              <a:t>zhǐ</a:t>
-            </a:r>
-            <a:r>
-              <a:rPr lang="en-US" sz="2000" dirty="0" smtClean="0"/>
-              <a:t>    </a:t>
-            </a:r>
-            <a:r>
-              <a:rPr lang="en-US" sz="2000" dirty="0" err="1" smtClean="0"/>
-              <a:t>xī</a:t>
-            </a:r>
-            <a:endParaRPr lang="en-US" sz="2000" b="1" dirty="0">
-              <a:effectLst>
-                <a:outerShdw blurRad="38100" dist="38100" dir="2700000" algn="tl">
-                  <a:srgbClr val="000000">
-                    <a:alpha val="43137"/>
-                  </a:srgbClr>
-                </a:outerShdw>
-              </a:effectLst>
-            </a:endParaRPr>
-          </a:p>
         </p:txBody>
       </p:sp>
     </p:spTree>
     <p:extLst>
       <p:ext uri="{BB962C8B-B14F-4D97-AF65-F5344CB8AC3E}">
-        <p14:creationId xmlns:p14="http://schemas.microsoft.com/office/powerpoint/2010/main" xmlns="" val="1529789028"/>
+        <p14:creationId xmlns:p14="http://schemas.microsoft.com/office/powerpoint/2010/main" xmlns="" val="2250282485"/>
       </p:ext>
     </p:extLst>
   </p:cSld>
@@ -6434,8 +6958,8 @@
         </p:nvSpPr>
         <p:spPr>
           <a:xfrm>
-            <a:off x="4646141" y="1228397"/>
-            <a:ext cx="6318421" cy="4401205"/>
+            <a:off x="523854" y="133662"/>
+            <a:ext cx="10727241" cy="6617196"/>
           </a:xfrm>
           <a:prstGeom prst="rect">
             <a:avLst/>
@@ -6449,30 +6973,30 @@
           <a:lstStyle/>
           <a:p>
             <a:r>
-              <a:rPr lang="zh-TW" altLang="en-US" sz="3600" b="1" dirty="0">
-                <a:effectLst>
-                  <a:outerShdw blurRad="38100" dist="38100" dir="2700000" algn="tl">
-                    <a:srgbClr val="000000">
-                      <a:alpha val="43137"/>
-                    </a:srgbClr>
-                  </a:outerShdw>
-                </a:effectLst>
-              </a:rPr>
-              <a:t>我要</a:t>
-            </a:r>
-            <a:r>
-              <a:rPr lang="zh-TW" altLang="en-US" sz="3600" b="1" dirty="0" smtClean="0">
-                <a:effectLst>
-                  <a:outerShdw blurRad="38100" dist="38100" dir="2700000" algn="tl">
-                    <a:srgbClr val="000000">
-                      <a:alpha val="43137"/>
-                    </a:srgbClr>
-                  </a:outerShdw>
-                </a:effectLst>
-              </a:rPr>
-              <a:t>包容</a:t>
-            </a:r>
-            <a:endParaRPr lang="en-US" altLang="zh-TW" sz="3600" b="1" dirty="0" smtClean="0">
+              <a:rPr lang="zh-TW" altLang="en-US" sz="6000" b="1" dirty="0">
+                <a:effectLst>
+                  <a:outerShdw blurRad="38100" dist="38100" dir="2700000" algn="tl">
+                    <a:srgbClr val="000000">
+                      <a:alpha val="43137"/>
+                    </a:srgbClr>
+                  </a:outerShdw>
+                </a:effectLst>
+              </a:rPr>
+              <a:t>愛是恆久</a:t>
+            </a:r>
+            <a:r>
+              <a:rPr lang="zh-TW" altLang="en-US" sz="6000" b="1" dirty="0" smtClean="0">
+                <a:effectLst>
+                  <a:outerShdw blurRad="38100" dist="38100" dir="2700000" algn="tl">
+                    <a:srgbClr val="000000">
+                      <a:alpha val="43137"/>
+                    </a:srgbClr>
+                  </a:outerShdw>
+                </a:effectLst>
+              </a:rPr>
+              <a:t>忍耐</a:t>
+            </a:r>
+            <a:endParaRPr lang="en-US" altLang="zh-TW" sz="6000" b="1" dirty="0" smtClean="0">
               <a:effectLst>
                 <a:outerShdw blurRad="38100" dist="38100" dir="2700000" algn="tl">
                   <a:srgbClr val="000000">
@@ -6484,39 +7008,55 @@
           </a:p>
           <a:p>
             <a:r>
-              <a:rPr lang="en-US" sz="2000" dirty="0" smtClean="0"/>
+              <a:rPr lang="en-US" sz="4000" dirty="0" smtClean="0"/>
               <a:t> </a:t>
             </a:r>
             <a:r>
-              <a:rPr lang="en-US" sz="2000" dirty="0" err="1" smtClean="0"/>
-              <a:t>wǒ</a:t>
-            </a:r>
-            <a:r>
-              <a:rPr lang="en-US" sz="2000" dirty="0" smtClean="0"/>
+              <a:rPr lang="en-US" sz="4000" dirty="0" err="1" smtClean="0"/>
+              <a:t>ài</a:t>
+            </a:r>
+            <a:r>
+              <a:rPr lang="en-US" sz="4000" dirty="0" smtClean="0"/>
+              <a:t>   </a:t>
+            </a:r>
+            <a:r>
+              <a:rPr lang="en-US" sz="4000" dirty="0" err="1" smtClean="0"/>
+              <a:t>shì</a:t>
+            </a:r>
+            <a:r>
+              <a:rPr lang="en-US" sz="4000" dirty="0" smtClean="0"/>
               <a:t>  </a:t>
             </a:r>
             <a:r>
-              <a:rPr lang="en-US" sz="2000" dirty="0" err="1" smtClean="0"/>
-              <a:t>yào</a:t>
-            </a:r>
-            <a:r>
-              <a:rPr lang="en-US" sz="2000" dirty="0" smtClean="0"/>
-              <a:t>  </a:t>
-            </a:r>
-            <a:r>
-              <a:rPr lang="en-US" sz="2000" dirty="0" err="1" smtClean="0"/>
-              <a:t>bāo</a:t>
-            </a:r>
-            <a:r>
-              <a:rPr lang="en-US" sz="2000" dirty="0" smtClean="0"/>
+              <a:rPr lang="en-US" sz="4000" dirty="0" err="1" smtClean="0"/>
+              <a:t>héng</a:t>
+            </a:r>
+            <a:r>
+              <a:rPr lang="en-US" sz="4000" dirty="0" smtClean="0"/>
               <a:t> </a:t>
             </a:r>
             <a:r>
-              <a:rPr lang="en-US" sz="2000" dirty="0" err="1" smtClean="0"/>
-              <a:t>róng</a:t>
-            </a:r>
-            <a:r>
-              <a:rPr lang="zh-TW" altLang="en-US" sz="3600" b="1" dirty="0" smtClean="0">
+              <a:rPr lang="en-US" sz="4000" dirty="0" err="1" smtClean="0"/>
+              <a:t>jiǔ</a:t>
+            </a:r>
+            <a:r>
+              <a:rPr lang="en-US" sz="4000" dirty="0" smtClean="0"/>
+              <a:t>   </a:t>
+            </a:r>
+            <a:r>
+              <a:rPr lang="en-US" sz="4000" dirty="0" err="1" smtClean="0"/>
+              <a:t>rěn</a:t>
+            </a:r>
+            <a:r>
+              <a:rPr lang="en-US" sz="4000" dirty="0" smtClean="0"/>
+              <a:t> </a:t>
+            </a:r>
+            <a:r>
+              <a:rPr lang="en-US" sz="4000" dirty="0" err="1" smtClean="0"/>
+              <a:t>nài</a:t>
+            </a:r>
+            <a:r>
+              <a:rPr lang="zh-TW" altLang="en-US" sz="6000" b="1" dirty="0" smtClean="0">
                 <a:effectLst>
                   <a:outerShdw blurRad="38100" dist="38100" dir="2700000" algn="tl">
                     <a:srgbClr val="000000">
@@ -6528,7 +7068,7 @@
               <a:t/>
             </a:r>
             <a:br>
-              <a:rPr lang="zh-TW" altLang="en-US" sz="3600" b="1" dirty="0" smtClean="0">
+              <a:rPr lang="zh-TW" altLang="en-US" sz="6000" b="1" dirty="0" smtClean="0">
                 <a:effectLst>
                   <a:outerShdw blurRad="38100" dist="38100" dir="2700000" algn="tl">
                     <a:srgbClr val="000000">
@@ -6539,30 +7079,30 @@
               </a:rPr>
             </a:br>
             <a:r>
-              <a:rPr lang="zh-TW" altLang="en-US" sz="3600" b="1" dirty="0">
-                <a:effectLst>
-                  <a:outerShdw blurRad="38100" dist="38100" dir="2700000" algn="tl">
-                    <a:srgbClr val="000000">
-                      <a:alpha val="43137"/>
-                    </a:srgbClr>
-                  </a:outerShdw>
-                </a:effectLst>
-              </a:rPr>
-              <a:t>我要</a:t>
-            </a:r>
-            <a:r>
-              <a:rPr lang="zh-TW" altLang="en-US" sz="3600" b="1" dirty="0" smtClean="0">
-                <a:effectLst>
-                  <a:outerShdw blurRad="38100" dist="38100" dir="2700000" algn="tl">
-                    <a:srgbClr val="000000">
-                      <a:alpha val="43137"/>
-                    </a:srgbClr>
-                  </a:outerShdw>
-                </a:effectLst>
-              </a:rPr>
-              <a:t>相信</a:t>
-            </a:r>
-            <a:endParaRPr lang="en-US" altLang="zh-TW" sz="3600" b="1" dirty="0" smtClean="0">
+              <a:rPr lang="zh-TW" altLang="en-US" sz="6000" b="1" dirty="0">
+                <a:effectLst>
+                  <a:outerShdw blurRad="38100" dist="38100" dir="2700000" algn="tl">
+                    <a:srgbClr val="000000">
+                      <a:alpha val="43137"/>
+                    </a:srgbClr>
+                  </a:outerShdw>
+                </a:effectLst>
+              </a:rPr>
+              <a:t>愛是又有恩</a:t>
+            </a:r>
+            <a:r>
+              <a:rPr lang="zh-TW" altLang="en-US" sz="6000" b="1" dirty="0" smtClean="0">
+                <a:effectLst>
+                  <a:outerShdw blurRad="38100" dist="38100" dir="2700000" algn="tl">
+                    <a:srgbClr val="000000">
+                      <a:alpha val="43137"/>
+                    </a:srgbClr>
+                  </a:outerShdw>
+                </a:effectLst>
+              </a:rPr>
+              <a:t>慈</a:t>
+            </a:r>
+            <a:endParaRPr lang="en-US" altLang="zh-TW" sz="6000" b="1" dirty="0" smtClean="0">
               <a:effectLst>
                 <a:outerShdw blurRad="38100" dist="38100" dir="2700000" algn="tl">
                   <a:srgbClr val="000000">
@@ -6574,39 +7114,59 @@
           </a:p>
           <a:p>
             <a:r>
-              <a:rPr lang="en-US" sz="2000" dirty="0" smtClean="0"/>
+              <a:rPr lang="en-US" sz="4000" dirty="0" smtClean="0"/>
+              <a:t>  </a:t>
+            </a:r>
+            <a:r>
+              <a:rPr lang="en-US" sz="4000" dirty="0" err="1" smtClean="0"/>
+              <a:t>ài</a:t>
+            </a:r>
+            <a:r>
+              <a:rPr lang="en-US" sz="4000" dirty="0" smtClean="0"/>
+              <a:t>    </a:t>
+            </a:r>
+            <a:r>
+              <a:rPr lang="en-US" sz="4000" dirty="0" err="1"/>
+              <a:t>shì</a:t>
+            </a:r>
+            <a:r>
+              <a:rPr lang="en-US" sz="4000" dirty="0"/>
               <a:t> </a:t>
             </a:r>
             <a:r>
-              <a:rPr lang="en-US" sz="2000" dirty="0" err="1" smtClean="0"/>
-              <a:t>wǒ</a:t>
-            </a:r>
-            <a:r>
-              <a:rPr lang="en-US" sz="2000" dirty="0" smtClean="0"/>
+              <a:rPr lang="en-US" sz="4000" dirty="0" smtClean="0"/>
+              <a:t> </a:t>
+            </a:r>
+            <a:r>
+              <a:rPr lang="en-US" sz="4000" dirty="0" err="1" smtClean="0"/>
+              <a:t>yòu</a:t>
+            </a:r>
+            <a:r>
+              <a:rPr lang="en-US" sz="4000" dirty="0" smtClean="0"/>
               <a:t>  </a:t>
             </a:r>
             <a:r>
-              <a:rPr lang="en-US" sz="2000" dirty="0" err="1" smtClean="0"/>
-              <a:t>yào</a:t>
-            </a:r>
-            <a:r>
-              <a:rPr lang="en-US" sz="2000" dirty="0" smtClean="0"/>
-              <a:t> </a:t>
-            </a:r>
-            <a:r>
-              <a:rPr lang="en-US" sz="2000" dirty="0" err="1" smtClean="0"/>
-              <a:t>xiāng</a:t>
-            </a:r>
-            <a:r>
-              <a:rPr lang="en-US" sz="2000" dirty="0" smtClean="0"/>
-              <a:t> </a:t>
-            </a:r>
-            <a:r>
-              <a:rPr lang="en-US" sz="2000" dirty="0" err="1" smtClean="0"/>
-              <a:t>xìn</a:t>
-            </a:r>
-            <a:r>
-              <a:rPr lang="zh-TW" altLang="en-US" sz="3600" b="1" dirty="0" smtClean="0">
+              <a:rPr lang="en-US" sz="4000" dirty="0" err="1" smtClean="0"/>
+              <a:t>yǒu</a:t>
+            </a:r>
+            <a:r>
+              <a:rPr lang="en-US" sz="4000" dirty="0" smtClean="0"/>
+              <a:t>  </a:t>
+            </a:r>
+            <a:r>
+              <a:rPr lang="en-US" sz="4000" dirty="0" err="1" smtClean="0"/>
+              <a:t>ēn</a:t>
+            </a:r>
+            <a:r>
+              <a:rPr lang="en-US" sz="4000" dirty="0" smtClean="0"/>
+              <a:t>    </a:t>
+            </a:r>
+            <a:r>
+              <a:rPr lang="en-US" sz="4000" dirty="0" err="1"/>
+              <a:t>cí</a:t>
+            </a:r>
+            <a:r>
+              <a:rPr lang="zh-TW" altLang="en-US" sz="6000" b="1" dirty="0" smtClean="0">
                 <a:effectLst>
                   <a:outerShdw blurRad="38100" dist="38100" dir="2700000" algn="tl">
                     <a:srgbClr val="000000">
@@ -6618,7 +7178,7 @@
               <a:t/>
             </a:r>
             <a:br>
-              <a:rPr lang="zh-TW" altLang="en-US" sz="3600" b="1" dirty="0" smtClean="0">
+              <a:rPr lang="zh-TW" altLang="en-US" sz="6000" b="1" dirty="0" smtClean="0">
                 <a:effectLst>
                   <a:outerShdw blurRad="38100" dist="38100" dir="2700000" algn="tl">
                     <a:srgbClr val="000000">
@@ -6629,54 +7189,30 @@
               </a:rPr>
             </a:br>
             <a:r>
-              <a:rPr lang="zh-TW" altLang="en-US" sz="3600" b="1" dirty="0">
-                <a:effectLst>
-                  <a:outerShdw blurRad="38100" dist="38100" dir="2700000" algn="tl">
-                    <a:srgbClr val="000000">
-                      <a:alpha val="43137"/>
-                    </a:srgbClr>
-                  </a:outerShdw>
-                </a:effectLst>
-              </a:rPr>
-              <a:t>我要</a:t>
-            </a:r>
-            <a:r>
-              <a:rPr lang="zh-TW" altLang="en-US" sz="3600" b="1" dirty="0" smtClean="0">
-                <a:effectLst>
-                  <a:outerShdw blurRad="38100" dist="38100" dir="2700000" algn="tl">
-                    <a:srgbClr val="000000">
-                      <a:alpha val="43137"/>
-                    </a:srgbClr>
-                  </a:outerShdw>
-                </a:effectLst>
-              </a:rPr>
-              <a:t>盼望  我</a:t>
-            </a:r>
-            <a:r>
-              <a:rPr lang="zh-TW" altLang="en-US" sz="3600" b="1" dirty="0">
-                <a:effectLst>
-                  <a:outerShdw blurRad="38100" dist="38100" dir="2700000" algn="tl">
-                    <a:srgbClr val="000000">
-                      <a:alpha val="43137"/>
-                    </a:srgbClr>
-                  </a:outerShdw>
-                </a:effectLst>
-              </a:rPr>
-              <a:t>要</a:t>
-            </a:r>
-            <a:r>
-              <a:rPr lang="zh-TW" altLang="en-US" sz="3600" b="1" dirty="0" smtClean="0">
-                <a:effectLst>
-                  <a:outerShdw blurRad="38100" dist="38100" dir="2700000" algn="tl">
-                    <a:srgbClr val="000000">
-                      <a:alpha val="43137"/>
-                    </a:srgbClr>
-                  </a:outerShdw>
-                </a:effectLst>
-              </a:rPr>
-              <a:t>忍耐</a:t>
-            </a:r>
-            <a:endParaRPr lang="en-US" altLang="zh-TW" sz="3600" b="1" dirty="0" smtClean="0">
+              <a:rPr lang="zh-TW" altLang="en-US" sz="6000" b="1" dirty="0">
+                <a:effectLst>
+                  <a:outerShdw blurRad="38100" dist="38100" dir="2700000" algn="tl">
+                    <a:srgbClr val="000000">
+                      <a:alpha val="43137"/>
+                    </a:srgbClr>
+                  </a:outerShdw>
+                </a:effectLst>
+              </a:rPr>
+              <a:t>愛是不</a:t>
+            </a:r>
+            <a:r>
+              <a:rPr lang="zh-TW" altLang="en-US" sz="6000" b="1" dirty="0" smtClean="0">
+                <a:effectLst>
+                  <a:outerShdw blurRad="38100" dist="38100" dir="2700000" algn="tl">
+                    <a:srgbClr val="000000">
+                      <a:alpha val="43137"/>
+                    </a:srgbClr>
+                  </a:outerShdw>
+                </a:effectLst>
+              </a:rPr>
+              <a:t>嫉妒  不自誇  不張狂</a:t>
+            </a:r>
+            <a:endParaRPr lang="en-US" altLang="zh-TW" sz="6000" b="1" dirty="0" smtClean="0">
               <a:effectLst>
                 <a:outerShdw blurRad="38100" dist="38100" dir="2700000" algn="tl">
                   <a:srgbClr val="000000">
@@ -6688,71 +7224,95 @@
           </a:p>
           <a:p>
             <a:r>
-              <a:rPr lang="en-US" sz="2000" dirty="0" smtClean="0"/>
+              <a:rPr lang="en-US" sz="4000" dirty="0" smtClean="0"/>
+              <a:t>  </a:t>
+            </a:r>
+            <a:r>
+              <a:rPr lang="en-US" sz="4000" dirty="0" err="1" smtClean="0"/>
+              <a:t>ài</a:t>
+            </a:r>
+            <a:r>
+              <a:rPr lang="en-US" sz="4000" dirty="0" smtClean="0"/>
+              <a:t>    </a:t>
+            </a:r>
+            <a:r>
+              <a:rPr lang="en-US" sz="4000" dirty="0" err="1" smtClean="0"/>
+              <a:t>shì</a:t>
+            </a:r>
+            <a:r>
+              <a:rPr lang="en-US" sz="4000" dirty="0" smtClean="0"/>
+              <a:t>   </a:t>
+            </a:r>
+            <a:r>
+              <a:rPr lang="en-US" sz="4000" dirty="0" err="1" smtClean="0"/>
+              <a:t>bù</a:t>
+            </a:r>
+            <a:r>
+              <a:rPr lang="en-US" sz="4000" dirty="0" smtClean="0"/>
+              <a:t>     </a:t>
+            </a:r>
+            <a:r>
+              <a:rPr lang="en-US" sz="4000" dirty="0" err="1" smtClean="0"/>
+              <a:t>jí</a:t>
+            </a:r>
+            <a:r>
+              <a:rPr lang="en-US" sz="4000" dirty="0" smtClean="0"/>
+              <a:t>     </a:t>
+            </a:r>
+            <a:r>
+              <a:rPr lang="en-US" sz="4000" dirty="0" err="1" smtClean="0"/>
+              <a:t>dù</a:t>
+            </a:r>
+            <a:r>
+              <a:rPr lang="en-US" sz="4000" dirty="0" smtClean="0"/>
+              <a:t>       </a:t>
+            </a:r>
+            <a:r>
+              <a:rPr lang="en-US" sz="4000" dirty="0" err="1" smtClean="0"/>
+              <a:t>bú</a:t>
+            </a:r>
+            <a:r>
+              <a:rPr lang="en-US" sz="4000" dirty="0" smtClean="0"/>
+              <a:t>     </a:t>
+            </a:r>
+            <a:r>
+              <a:rPr lang="en-US" sz="4000" dirty="0" err="1" smtClean="0"/>
+              <a:t>zì</a:t>
+            </a:r>
+            <a:r>
+              <a:rPr lang="en-US" sz="4000" dirty="0" smtClean="0"/>
+              <a:t>   </a:t>
+            </a:r>
+            <a:r>
+              <a:rPr lang="en-US" sz="4000" dirty="0" err="1" smtClean="0"/>
+              <a:t>kuā</a:t>
+            </a:r>
+            <a:r>
+              <a:rPr lang="en-US" sz="4000" dirty="0" smtClean="0"/>
+              <a:t>     </a:t>
+            </a:r>
+            <a:r>
+              <a:rPr lang="en-US" sz="4000" dirty="0" err="1" smtClean="0"/>
+              <a:t>bù</a:t>
+            </a:r>
+            <a:r>
+              <a:rPr lang="en-US" sz="4000" dirty="0" smtClean="0"/>
+              <a:t>  </a:t>
+            </a:r>
+            <a:r>
+              <a:rPr lang="en-US" sz="4000" dirty="0" err="1" smtClean="0"/>
+              <a:t>zhāng</a:t>
+            </a:r>
+            <a:r>
+              <a:rPr lang="en-US" sz="4000" dirty="0" smtClean="0"/>
               <a:t> </a:t>
             </a:r>
             <a:r>
-              <a:rPr lang="en-US" sz="2000" dirty="0" err="1" smtClean="0"/>
-              <a:t>wǒ</a:t>
-            </a:r>
-            <a:r>
-              <a:rPr lang="en-US" sz="2000" dirty="0" smtClean="0"/>
-              <a:t>  </a:t>
-            </a:r>
-            <a:r>
-              <a:rPr lang="en-US" sz="2000" dirty="0" err="1" smtClean="0"/>
-              <a:t>yào</a:t>
-            </a:r>
-            <a:r>
-              <a:rPr lang="en-US" sz="2000" dirty="0" smtClean="0"/>
-              <a:t> </a:t>
-            </a:r>
-            <a:r>
-              <a:rPr lang="en-US" sz="2000" dirty="0" err="1" smtClean="0"/>
-              <a:t>pàn</a:t>
-            </a:r>
-            <a:r>
-              <a:rPr lang="en-US" sz="2000" dirty="0" smtClean="0"/>
-              <a:t>  </a:t>
-            </a:r>
-            <a:r>
-              <a:rPr lang="en-US" sz="2000" dirty="0" err="1" smtClean="0"/>
-              <a:t>wàng</a:t>
-            </a:r>
-            <a:r>
-              <a:rPr lang="en-US" sz="2000" dirty="0" smtClean="0"/>
-              <a:t>  </a:t>
-            </a:r>
-            <a:r>
-              <a:rPr lang="en-US" sz="2000" dirty="0" err="1" smtClean="0"/>
-              <a:t>wǒ</a:t>
-            </a:r>
-            <a:r>
-              <a:rPr lang="en-US" sz="2000" dirty="0" smtClean="0"/>
-              <a:t>   </a:t>
-            </a:r>
-            <a:r>
-              <a:rPr lang="en-US" sz="2000" dirty="0" err="1" smtClean="0"/>
-              <a:t>yào</a:t>
-            </a:r>
-            <a:r>
-              <a:rPr lang="en-US" sz="2000" dirty="0" smtClean="0"/>
-              <a:t> </a:t>
-            </a:r>
-            <a:r>
-              <a:rPr lang="en-US" sz="2000" dirty="0" err="1" smtClean="0"/>
-              <a:t>rěn</a:t>
-            </a:r>
-            <a:r>
-              <a:rPr lang="en-US" sz="2000" dirty="0" smtClean="0"/>
-              <a:t>  </a:t>
-            </a:r>
-            <a:r>
-              <a:rPr lang="en-US" sz="2000" dirty="0" err="1" smtClean="0"/>
-              <a:t>nài</a:t>
-            </a:r>
-            <a:r>
-              <a:rPr lang="zh-TW" altLang="en-US" sz="2000" b="1" dirty="0" smtClean="0">
+              <a:rPr lang="en-US" sz="4000" dirty="0" err="1" smtClean="0"/>
+              <a:t>kuáng</a:t>
+            </a:r>
+            <a:r>
+              <a:rPr lang="zh-TW" altLang="en-US" sz="6000" b="1" dirty="0" smtClean="0">
                 <a:effectLst>
                   <a:outerShdw blurRad="38100" dist="38100" dir="2700000" algn="tl">
                     <a:srgbClr val="000000">
@@ -6764,7 +7324,7 @@
               <a:t/>
             </a:r>
             <a:br>
-              <a:rPr lang="zh-TW" altLang="en-US" sz="2000" b="1" dirty="0" smtClean="0">
+              <a:rPr lang="zh-TW" altLang="en-US" sz="6000" b="1" dirty="0" smtClean="0">
                 <a:effectLst>
                   <a:outerShdw blurRad="38100" dist="38100" dir="2700000" algn="tl">
                     <a:srgbClr val="000000">
@@ -6775,30 +7335,30 @@
               </a:rPr>
             </a:br>
             <a:r>
-              <a:rPr lang="zh-TW" altLang="en-US" sz="3600" b="1" dirty="0">
-                <a:effectLst>
-                  <a:outerShdw blurRad="38100" dist="38100" dir="2700000" algn="tl">
-                    <a:srgbClr val="000000">
-                      <a:alpha val="43137"/>
-                    </a:srgbClr>
-                  </a:outerShdw>
-                </a:effectLst>
-              </a:rPr>
-              <a:t>敞開</a:t>
-            </a:r>
-            <a:r>
-              <a:rPr lang="zh-TW" altLang="en-US" sz="3600" b="1" dirty="0" smtClean="0">
-                <a:effectLst>
-                  <a:outerShdw blurRad="38100" dist="38100" dir="2700000" algn="tl">
-                    <a:srgbClr val="000000">
-                      <a:alpha val="43137"/>
-                    </a:srgbClr>
-                  </a:outerShdw>
-                </a:effectLst>
-              </a:rPr>
-              <a:t>心  愛人如己</a:t>
-            </a:r>
-            <a:endParaRPr lang="en-US" altLang="zh-TW" sz="3600" b="1" dirty="0" smtClean="0">
+              <a:rPr lang="zh-TW" altLang="en-US" sz="6000" b="1" dirty="0">
+                <a:effectLst>
+                  <a:outerShdw blurRad="38100" dist="38100" dir="2700000" algn="tl">
+                    <a:srgbClr val="000000">
+                      <a:alpha val="43137"/>
+                    </a:srgbClr>
+                  </a:outerShdw>
+                </a:effectLst>
+              </a:rPr>
+              <a:t>不做害羞的</a:t>
+            </a:r>
+            <a:r>
+              <a:rPr lang="zh-TW" altLang="en-US" sz="6000" b="1" dirty="0" smtClean="0">
+                <a:effectLst>
+                  <a:outerShdw blurRad="38100" dist="38100" dir="2700000" algn="tl">
+                    <a:srgbClr val="000000">
+                      <a:alpha val="43137"/>
+                    </a:srgbClr>
+                  </a:outerShdw>
+                </a:effectLst>
+              </a:rPr>
+              <a:t>事</a:t>
+            </a:r>
+            <a:endParaRPr lang="en-US" altLang="zh-TW" sz="6000" b="1" dirty="0" smtClean="0">
               <a:effectLst>
                 <a:outerShdw blurRad="38100" dist="38100" dir="2700000" algn="tl">
                   <a:srgbClr val="000000">
@@ -6810,129 +7370,58 @@
           </a:p>
           <a:p>
             <a:r>
-              <a:rPr lang="en-US" sz="2000" dirty="0" err="1" smtClean="0"/>
-              <a:t>Chǎng</a:t>
-            </a:r>
-            <a:r>
-              <a:rPr lang="en-US" sz="2000" dirty="0" smtClean="0"/>
+              <a:rPr lang="en-US" sz="2800" dirty="0" smtClean="0"/>
               <a:t> </a:t>
             </a:r>
             <a:r>
-              <a:rPr lang="en-US" sz="2000" dirty="0" err="1" smtClean="0"/>
-              <a:t>kāi</a:t>
-            </a:r>
-            <a:r>
-              <a:rPr lang="en-US" sz="2000" dirty="0" smtClean="0"/>
+              <a:rPr lang="en-US" sz="2800" dirty="0" err="1"/>
+              <a:t>bú</a:t>
+            </a:r>
+            <a:r>
+              <a:rPr lang="en-US" sz="2800" dirty="0" smtClean="0"/>
+              <a:t>   </a:t>
+            </a:r>
+            <a:r>
+              <a:rPr lang="en-US" sz="2800" dirty="0" err="1" smtClean="0"/>
+              <a:t>zuò</a:t>
+            </a:r>
+            <a:r>
+              <a:rPr lang="en-US" sz="2800" dirty="0" smtClean="0"/>
+              <a:t>  </a:t>
+            </a:r>
+            <a:r>
+              <a:rPr lang="en-US" sz="2800" dirty="0" err="1" smtClean="0"/>
+              <a:t>hài</a:t>
+            </a:r>
+            <a:r>
+              <a:rPr lang="en-US" sz="2800" dirty="0" smtClean="0"/>
+              <a:t>   </a:t>
+            </a:r>
+            <a:r>
+              <a:rPr lang="en-US" sz="2800" dirty="0" err="1" smtClean="0"/>
+              <a:t>xiū</a:t>
+            </a:r>
+            <a:r>
+              <a:rPr lang="en-US" sz="2800" dirty="0" smtClean="0"/>
+              <a:t>  </a:t>
+            </a:r>
+            <a:r>
+              <a:rPr lang="en-US" sz="2800" dirty="0"/>
+              <a:t>de </a:t>
+            </a:r>
+            <a:r>
+              <a:rPr lang="en-US" sz="2800" dirty="0" smtClean="0"/>
+              <a:t>   </a:t>
+            </a:r>
+            <a:r>
+              <a:rPr lang="en-US" sz="2800" dirty="0" err="1" smtClean="0"/>
+              <a:t>shì</a:t>
+            </a:r>
+            <a:r>
+              <a:rPr lang="en-US" sz="2800" dirty="0" smtClean="0"/>
               <a:t> </a:t>
             </a:r>
-            <a:r>
-              <a:rPr lang="en-US" sz="2000" dirty="0" err="1" smtClean="0"/>
-              <a:t>xīn</a:t>
-            </a:r>
-            <a:r>
-              <a:rPr lang="en-US" sz="2000" dirty="0" smtClean="0"/>
-              <a:t>      </a:t>
-            </a:r>
-            <a:r>
-              <a:rPr lang="en-US" sz="2000" dirty="0" err="1" smtClean="0"/>
-              <a:t>ài</a:t>
-            </a:r>
-            <a:r>
-              <a:rPr lang="en-US" sz="2000" dirty="0" smtClean="0"/>
-              <a:t>    </a:t>
-            </a:r>
-            <a:r>
-              <a:rPr lang="en-US" sz="2000" dirty="0" err="1" smtClean="0"/>
-              <a:t>rén</a:t>
-            </a:r>
-            <a:r>
-              <a:rPr lang="en-US" sz="2000" dirty="0" smtClean="0"/>
-              <a:t>   </a:t>
-            </a:r>
-            <a:r>
-              <a:rPr lang="en-US" sz="2000" dirty="0" err="1" smtClean="0"/>
-              <a:t>rú</a:t>
-            </a:r>
-            <a:r>
-              <a:rPr lang="en-US" sz="2000" dirty="0" smtClean="0"/>
-              <a:t>     </a:t>
-            </a:r>
-            <a:r>
-              <a:rPr lang="en-US" sz="2000" dirty="0" err="1"/>
-              <a:t>jǐ</a:t>
-            </a:r>
-            <a:r>
-              <a:rPr lang="zh-TW" altLang="en-US" sz="3600" b="1" dirty="0" smtClean="0">
-                <a:effectLst>
-                  <a:outerShdw blurRad="38100" dist="38100" dir="2700000" algn="tl">
-                    <a:srgbClr val="000000">
-                      <a:alpha val="43137"/>
-                    </a:srgbClr>
-                  </a:outerShdw>
-                </a:effectLst>
-              </a:rPr>
-              <a:t/>
-            </a:r>
-            <a:br>
-              <a:rPr lang="zh-TW" altLang="en-US" sz="3600" b="1" dirty="0" smtClean="0">
-                <a:effectLst>
-                  <a:outerShdw blurRad="38100" dist="38100" dir="2700000" algn="tl">
-                    <a:srgbClr val="000000">
-                      <a:alpha val="43137"/>
-                    </a:srgbClr>
-                  </a:outerShdw>
-                </a:effectLst>
-              </a:rPr>
-            </a:br>
-            <a:r>
-              <a:rPr lang="zh-TW" altLang="en-US" sz="3600" b="1" dirty="0">
-                <a:effectLst>
-                  <a:outerShdw blurRad="38100" dist="38100" dir="2700000" algn="tl">
-                    <a:srgbClr val="000000">
-                      <a:alpha val="43137"/>
-                    </a:srgbClr>
-                  </a:outerShdw>
-                </a:effectLst>
-              </a:rPr>
-              <a:t>我愛 </a:t>
-            </a:r>
-            <a:r>
-              <a:rPr lang="zh-TW" altLang="en-US" sz="3600" b="1" dirty="0" smtClean="0">
-                <a:effectLst>
-                  <a:outerShdw blurRad="38100" dist="38100" dir="2700000" algn="tl">
-                    <a:srgbClr val="000000">
-                      <a:alpha val="43137"/>
-                    </a:srgbClr>
-                  </a:outerShdw>
-                </a:effectLst>
-              </a:rPr>
-              <a:t> 因</a:t>
-            </a:r>
-            <a:r>
-              <a:rPr lang="zh-TW" altLang="en-US" sz="3600" b="1" dirty="0">
-                <a:effectLst>
-                  <a:outerShdw blurRad="38100" dist="38100" dir="2700000" algn="tl">
-                    <a:srgbClr val="000000">
-                      <a:alpha val="43137"/>
-                    </a:srgbClr>
-                  </a:outerShdw>
-                </a:effectLst>
-              </a:rPr>
-              <a:t>天父先愛</a:t>
-            </a:r>
-            <a:r>
-              <a:rPr lang="zh-TW" altLang="en-US" sz="3600" b="1" dirty="0" smtClean="0">
-                <a:effectLst>
-                  <a:outerShdw blurRad="38100" dist="38100" dir="2700000" algn="tl">
-                    <a:srgbClr val="000000">
-                      <a:alpha val="43137"/>
-                    </a:srgbClr>
-                  </a:outerShdw>
-                </a:effectLst>
-              </a:rPr>
-              <a:t>我</a:t>
-            </a:r>
-            <a:endParaRPr lang="en-US" altLang="zh-TW" sz="3600" b="1" dirty="0" smtClean="0">
+            <a:endParaRPr lang="en-US" sz="2800" b="1" dirty="0">
               <a:effectLst>
                 <a:outerShdw blurRad="38100" dist="38100" dir="2700000" algn="tl">
                   <a:srgbClr val="000000">
@@ -6942,72 +7431,140 @@
               </a:effectLst>
             </a:endParaRPr>
           </a:p>
-          <a:p>
-            <a:r>
-              <a:rPr lang="en-US" sz="2000" dirty="0" smtClean="0"/>
-              <a:t> </a:t>
-            </a:r>
-            <a:r>
-              <a:rPr lang="en-US" sz="2000" dirty="0" err="1" smtClean="0"/>
-              <a:t>wǒ</a:t>
-            </a:r>
-            <a:r>
-              <a:rPr lang="en-US" sz="2000" dirty="0" smtClean="0"/>
-              <a:t>   </a:t>
-            </a:r>
-            <a:r>
-              <a:rPr lang="en-US" sz="2000" dirty="0" err="1" smtClean="0"/>
-              <a:t>ài</a:t>
-            </a:r>
-            <a:r>
-              <a:rPr lang="en-US" sz="2000" dirty="0" smtClean="0"/>
-              <a:t>        </a:t>
-            </a:r>
-            <a:r>
-              <a:rPr lang="en-US" sz="2000" dirty="0" err="1" smtClean="0"/>
-              <a:t>yīn</a:t>
-            </a:r>
-            <a:r>
-              <a:rPr lang="en-US" sz="2000" dirty="0" smtClean="0"/>
-              <a:t>  </a:t>
-            </a:r>
-            <a:r>
-              <a:rPr lang="en-US" sz="2000" dirty="0" err="1" smtClean="0"/>
-              <a:t>tiān</a:t>
-            </a:r>
-            <a:r>
-              <a:rPr lang="en-US" sz="2000" dirty="0" smtClean="0"/>
-              <a:t>   </a:t>
-            </a:r>
-            <a:r>
-              <a:rPr lang="en-US" sz="2000" dirty="0" err="1" smtClean="0"/>
-              <a:t>fù</a:t>
-            </a:r>
-            <a:r>
-              <a:rPr lang="en-US" sz="2000" dirty="0" smtClean="0"/>
-              <a:t>  </a:t>
-            </a:r>
-            <a:r>
-              <a:rPr lang="en-US" sz="2000" dirty="0" err="1" smtClean="0"/>
-              <a:t>xiān</a:t>
-            </a:r>
-            <a:r>
-              <a:rPr lang="en-US" sz="2000" dirty="0" smtClean="0"/>
-              <a:t>   </a:t>
-            </a:r>
-            <a:r>
-              <a:rPr lang="en-US" sz="2000" dirty="0" err="1" smtClean="0"/>
-              <a:t>ài</a:t>
-            </a:r>
-            <a:r>
-              <a:rPr lang="en-US" sz="2000" dirty="0" smtClean="0"/>
-              <a:t>    </a:t>
-            </a:r>
-            <a:r>
-              <a:rPr lang="en-US" sz="2000" dirty="0" err="1"/>
-              <a:t>wǒ</a:t>
-            </a:r>
-            <a:endParaRPr lang="en-US" sz="2000" b="1" dirty="0">
+        </p:txBody>
+      </p:sp>
+    </p:spTree>
+    <p:extLst>
+      <p:ext uri="{BB962C8B-B14F-4D97-AF65-F5344CB8AC3E}">
+        <p14:creationId xmlns:p14="http://schemas.microsoft.com/office/powerpoint/2010/main" xmlns="" val="3617780563"/>
+      </p:ext>
+    </p:extLst>
+  </p:cSld>
+  <p:clrMapOvr>
+    <a:masterClrMapping/>
+  </p:clrMapOvr>
+  <p:timing>
+    <p:tnLst>
+      <p:par>
+        <p:cTn id="1" dur="indefinite" restart="never" nodeType="tmRoot"/>
+      </p:par>
+    </p:tnLst>
+  </p:timing>
+</p:sld>
+</file>
+
+<file path=ppt/slides/slide9.xml><?xml version="1.0" encoding="utf-8"?>
+<p:sld xmlns:a="http://schemas.openxmlformats.org/drawingml/2006/main" xmlns:r="http://schemas.openxmlformats.org/officeDocument/2006/relationships" xmlns:p="http://schemas.openxmlformats.org/presentationml/2006/main">
+  <p:cSld>
+    <p:spTree>
+      <p:nvGrpSpPr>
+        <p:cNvPr id="1" name=""/>
+        <p:cNvGrpSpPr/>
+        <p:nvPr/>
+      </p:nvGrpSpPr>
+      <p:grpSpPr>
+        <a:xfrm>
+          <a:off x="0" y="0"/>
+          <a:ext cx="0" cy="0"/>
+          <a:chOff x="0" y="0"/>
+          <a:chExt cx="0" cy="0"/>
+        </a:xfrm>
+      </p:grpSpPr>
+      <p:sp>
+        <p:nvSpPr>
+          <p:cNvPr id="2" name="標題 1"/>
+          <p:cNvSpPr>
+            <a:spLocks noGrp="1"/>
+          </p:cNvSpPr>
+          <p:nvPr>
+            <p:ph type="title"/>
+          </p:nvPr>
+        </p:nvSpPr>
+        <p:spPr/>
+        <p:txBody>
+          <a:bodyPr/>
+          <a:lstStyle/>
+          <a:p>
+            <a:endParaRPr lang="en-US"/>
+          </a:p>
+        </p:txBody>
+      </p:sp>
+      <p:pic>
+        <p:nvPicPr>
+          <p:cNvPr id="6" name="內容版面配置區 5"/>
+          <p:cNvPicPr>
+            <a:picLocks noGrp="1" noChangeAspect="1"/>
+          </p:cNvPicPr>
+          <p:nvPr>
+            <p:ph idx="1"/>
+          </p:nvPr>
+        </p:nvPicPr>
+        <p:blipFill>
+          <a:blip r:embed="rId2">
+            <a:extLst>
+              <a:ext uri="{28A0092B-C50C-407E-A947-70E740481C1C}">
+                <a14:useLocalDpi xmlns:a14="http://schemas.microsoft.com/office/drawing/2010/main" xmlns="" val="0"/>
+              </a:ext>
+            </a:extLst>
+          </a:blip>
+          <a:stretch>
+            <a:fillRect/>
+          </a:stretch>
+        </p:blipFill>
+        <p:spPr>
+          <a:xfrm>
+            <a:off x="3200" y="0"/>
+            <a:ext cx="12188800" cy="6858000"/>
+          </a:xfrm>
+        </p:spPr>
+      </p:pic>
+      <p:sp>
+        <p:nvSpPr>
+          <p:cNvPr id="7" name="文字方塊 6"/>
+          <p:cNvSpPr txBox="1"/>
+          <p:nvPr/>
+        </p:nvSpPr>
+        <p:spPr>
+          <a:xfrm>
+            <a:off x="389615" y="119748"/>
+            <a:ext cx="11171582" cy="6247864"/>
+          </a:xfrm>
+          <a:prstGeom prst="rect">
+            <a:avLst/>
+          </a:prstGeom>
+          <a:noFill/>
+        </p:spPr>
+        <p:txBody>
+          <a:bodyPr wrap="square" rtlCol="0">
+            <a:spAutoFit/>
+          </a:bodyPr>
+          <a:lstStyle/>
+          <a:p>
+            <a:r>
+              <a:rPr lang="zh-TW" altLang="en-US" sz="6000" b="1" dirty="0">
+                <a:effectLst>
+                  <a:outerShdw blurRad="38100" dist="38100" dir="2700000" algn="tl">
+                    <a:srgbClr val="000000">
+                      <a:alpha val="43137"/>
+                    </a:srgbClr>
+                  </a:outerShdw>
+                </a:effectLst>
+              </a:rPr>
+              <a:t>不求自己</a:t>
+            </a:r>
+            <a:r>
+              <a:rPr lang="zh-TW" altLang="en-US" sz="6000" b="1" dirty="0" smtClean="0">
+                <a:effectLst>
+                  <a:outerShdw blurRad="38100" dist="38100" dir="2700000" algn="tl">
+                    <a:srgbClr val="000000">
+                      <a:alpha val="43137"/>
+                    </a:srgbClr>
+                  </a:outerShdw>
+                </a:effectLst>
+              </a:rPr>
+              <a:t>益處</a:t>
+            </a:r>
+            <a:endParaRPr lang="en-US" altLang="zh-TW" sz="6000" b="1" dirty="0" smtClean="0">
               <a:effectLst>
                 <a:outerShdw blurRad="38100" dist="38100" dir="2700000" algn="tl">
                   <a:srgbClr val="000000">
@@ -7017,12 +7574,437 @@
               </a:effectLst>
             </a:endParaRPr>
           </a:p>
+          <a:p>
+            <a:r>
+              <a:rPr lang="en-US" sz="4000" dirty="0" smtClean="0"/>
+              <a:t> </a:t>
+            </a:r>
+            <a:r>
+              <a:rPr lang="en-US" sz="4000" dirty="0" err="1" smtClean="0"/>
+              <a:t>bù</a:t>
+            </a:r>
+            <a:r>
+              <a:rPr lang="en-US" sz="4000" dirty="0" smtClean="0"/>
+              <a:t>   </a:t>
+            </a:r>
+            <a:r>
+              <a:rPr lang="en-US" sz="4000" dirty="0" err="1" smtClean="0"/>
+              <a:t>qiú</a:t>
+            </a:r>
+            <a:r>
+              <a:rPr lang="en-US" sz="4000" dirty="0" smtClean="0"/>
+              <a:t>    </a:t>
+            </a:r>
+            <a:r>
+              <a:rPr lang="en-US" sz="4000" dirty="0" err="1" smtClean="0"/>
+              <a:t>zì</a:t>
+            </a:r>
+            <a:r>
+              <a:rPr lang="en-US" sz="4000" dirty="0" smtClean="0"/>
+              <a:t>      </a:t>
+            </a:r>
+            <a:r>
+              <a:rPr lang="en-US" sz="4000" dirty="0" err="1" smtClean="0"/>
+              <a:t>jǐ</a:t>
+            </a:r>
+            <a:r>
+              <a:rPr lang="en-US" sz="4000" dirty="0" smtClean="0"/>
+              <a:t>     </a:t>
+            </a:r>
+            <a:r>
+              <a:rPr lang="en-US" sz="4000" dirty="0" err="1" smtClean="0"/>
+              <a:t>yì</a:t>
+            </a:r>
+            <a:r>
+              <a:rPr lang="en-US" sz="4000" dirty="0" smtClean="0"/>
+              <a:t>    </a:t>
+            </a:r>
+            <a:r>
+              <a:rPr lang="en-US" sz="4000" dirty="0" err="1" smtClean="0"/>
+              <a:t>chu</a:t>
+            </a:r>
+            <a:r>
+              <a:rPr lang="zh-TW" altLang="en-US" sz="6000" b="1" dirty="0" smtClean="0">
+                <a:effectLst>
+                  <a:outerShdw blurRad="38100" dist="38100" dir="2700000" algn="tl">
+                    <a:srgbClr val="000000">
+                      <a:alpha val="43137"/>
+                    </a:srgbClr>
+                  </a:outerShdw>
+                </a:effectLst>
+              </a:rPr>
+              <a:t/>
+            </a:r>
+            <a:br>
+              <a:rPr lang="zh-TW" altLang="en-US" sz="6000" b="1" dirty="0" smtClean="0">
+                <a:effectLst>
+                  <a:outerShdw blurRad="38100" dist="38100" dir="2700000" algn="tl">
+                    <a:srgbClr val="000000">
+                      <a:alpha val="43137"/>
+                    </a:srgbClr>
+                  </a:outerShdw>
+                </a:effectLst>
+              </a:rPr>
+            </a:br>
+            <a:r>
+              <a:rPr lang="zh-TW" altLang="en-US" sz="6000" b="1" dirty="0">
+                <a:effectLst>
+                  <a:outerShdw blurRad="38100" dist="38100" dir="2700000" algn="tl">
+                    <a:srgbClr val="000000">
+                      <a:alpha val="43137"/>
+                    </a:srgbClr>
+                  </a:outerShdw>
+                </a:effectLst>
+              </a:rPr>
+              <a:t>不輕易地</a:t>
+            </a:r>
+            <a:r>
+              <a:rPr lang="zh-TW" altLang="en-US" sz="6000" b="1" dirty="0" smtClean="0">
+                <a:effectLst>
+                  <a:outerShdw blurRad="38100" dist="38100" dir="2700000" algn="tl">
+                    <a:srgbClr val="000000">
+                      <a:alpha val="43137"/>
+                    </a:srgbClr>
+                  </a:outerShdw>
+                </a:effectLst>
+              </a:rPr>
+              <a:t>發怒</a:t>
+            </a:r>
+            <a:endParaRPr lang="en-US" altLang="zh-TW" sz="6000" b="1" dirty="0" smtClean="0">
+              <a:effectLst>
+                <a:outerShdw blurRad="38100" dist="38100" dir="2700000" algn="tl">
+                  <a:srgbClr val="000000">
+                    <a:alpha val="43137"/>
+                  </a:srgbClr>
+                </a:outerShdw>
+              </a:effectLst>
+            </a:endParaRPr>
+          </a:p>
+          <a:p>
+            <a:r>
+              <a:rPr lang="en-US" sz="4000" dirty="0" smtClean="0"/>
+              <a:t> </a:t>
+            </a:r>
+            <a:r>
+              <a:rPr lang="en-US" sz="4000" dirty="0" err="1" smtClean="0"/>
+              <a:t>bù</a:t>
+            </a:r>
+            <a:r>
+              <a:rPr lang="en-US" sz="4000" dirty="0" smtClean="0"/>
+              <a:t>  </a:t>
+            </a:r>
+            <a:r>
+              <a:rPr lang="en-US" sz="4000" dirty="0" err="1" smtClean="0"/>
+              <a:t>qīng</a:t>
+            </a:r>
+            <a:r>
+              <a:rPr lang="en-US" sz="4000" dirty="0" smtClean="0"/>
+              <a:t>   </a:t>
+            </a:r>
+            <a:r>
+              <a:rPr lang="en-US" sz="4000" dirty="0" err="1" smtClean="0"/>
+              <a:t>yì</a:t>
+            </a:r>
+            <a:r>
+              <a:rPr lang="en-US" sz="4000" dirty="0" smtClean="0"/>
+              <a:t>    </a:t>
+            </a:r>
+            <a:r>
+              <a:rPr lang="en-US" altLang="zh-CN" sz="4000" dirty="0" smtClean="0"/>
+              <a:t>de</a:t>
+            </a:r>
+            <a:r>
+              <a:rPr lang="en-US" sz="4000" dirty="0" smtClean="0"/>
+              <a:t>     </a:t>
+            </a:r>
+            <a:r>
+              <a:rPr lang="en-US" sz="4000" dirty="0" err="1" smtClean="0"/>
+              <a:t>fā</a:t>
+            </a:r>
+            <a:r>
+              <a:rPr lang="en-US" sz="4000" dirty="0" smtClean="0"/>
+              <a:t>    </a:t>
+            </a:r>
+            <a:r>
+              <a:rPr lang="en-US" sz="4000" dirty="0" err="1" smtClean="0"/>
+              <a:t>nù</a:t>
+            </a:r>
+            <a:endParaRPr lang="en-US" sz="4000" dirty="0" smtClean="0"/>
+          </a:p>
+          <a:p>
+            <a:r>
+              <a:rPr lang="zh-TW" altLang="en-US" sz="6000" b="1" dirty="0" smtClean="0">
+                <a:effectLst>
+                  <a:outerShdw blurRad="38100" dist="38100" dir="2700000" algn="tl">
+                    <a:srgbClr val="000000">
+                      <a:alpha val="43137"/>
+                    </a:srgbClr>
+                  </a:outerShdw>
+                </a:effectLst>
+              </a:rPr>
+              <a:t>不</a:t>
+            </a:r>
+            <a:r>
+              <a:rPr lang="zh-TW" altLang="en-US" sz="6000" b="1" dirty="0">
+                <a:effectLst>
+                  <a:outerShdw blurRad="38100" dist="38100" dir="2700000" algn="tl">
+                    <a:srgbClr val="000000">
+                      <a:alpha val="43137"/>
+                    </a:srgbClr>
+                  </a:outerShdw>
+                </a:effectLst>
+              </a:rPr>
+              <a:t>計算人的</a:t>
+            </a:r>
+            <a:r>
+              <a:rPr lang="zh-TW" altLang="en-US" sz="6000" b="1" dirty="0" smtClean="0">
+                <a:effectLst>
+                  <a:outerShdw blurRad="38100" dist="38100" dir="2700000" algn="tl">
+                    <a:srgbClr val="000000">
+                      <a:alpha val="43137"/>
+                    </a:srgbClr>
+                  </a:outerShdw>
+                </a:effectLst>
+              </a:rPr>
+              <a:t>惡  </a:t>
+            </a:r>
+            <a:r>
+              <a:rPr lang="zh-TW" altLang="en-US" sz="6000" b="1" dirty="0" smtClean="0">
+                <a:effectLst>
+                  <a:outerShdw blurRad="38100" dist="38100" dir="2700000" algn="tl">
+                    <a:srgbClr val="000000">
+                      <a:alpha val="43137"/>
+                    </a:srgbClr>
+                  </a:outerShdw>
+                </a:effectLst>
+              </a:rPr>
+              <a:t>      不</a:t>
+            </a:r>
+            <a:r>
+              <a:rPr lang="zh-TW" altLang="en-US" sz="6000" b="1" dirty="0">
+                <a:effectLst>
+                  <a:outerShdw blurRad="38100" dist="38100" dir="2700000" algn="tl">
+                    <a:srgbClr val="000000">
+                      <a:alpha val="43137"/>
+                    </a:srgbClr>
+                  </a:outerShdw>
+                </a:effectLst>
+              </a:rPr>
+              <a:t>喜歡不</a:t>
+            </a:r>
+            <a:r>
+              <a:rPr lang="zh-TW" altLang="en-US" sz="6000" b="1" dirty="0" smtClean="0">
+                <a:effectLst>
+                  <a:outerShdw blurRad="38100" dist="38100" dir="2700000" algn="tl">
+                    <a:srgbClr val="000000">
+                      <a:alpha val="43137"/>
+                    </a:srgbClr>
+                  </a:outerShdw>
+                </a:effectLst>
+              </a:rPr>
+              <a:t>義</a:t>
+            </a:r>
+            <a:endParaRPr lang="en-US" altLang="zh-TW" sz="6000" b="1" dirty="0" smtClean="0">
+              <a:effectLst>
+                <a:outerShdw blurRad="38100" dist="38100" dir="2700000" algn="tl">
+                  <a:srgbClr val="000000">
+                    <a:alpha val="43137"/>
+                  </a:srgbClr>
+                </a:outerShdw>
+              </a:effectLst>
+            </a:endParaRPr>
+          </a:p>
+          <a:p>
+            <a:r>
+              <a:rPr lang="en-US" sz="4000" dirty="0" smtClean="0"/>
+              <a:t> </a:t>
+            </a:r>
+            <a:r>
+              <a:rPr lang="en-US" sz="4000" dirty="0" err="1" smtClean="0"/>
+              <a:t>bú</a:t>
+            </a:r>
+            <a:r>
+              <a:rPr lang="en-US" sz="4000" dirty="0" smtClean="0"/>
+              <a:t>    </a:t>
+            </a:r>
+            <a:r>
+              <a:rPr lang="en-US" sz="4000" dirty="0" err="1" smtClean="0"/>
+              <a:t>jì</a:t>
+            </a:r>
+            <a:r>
+              <a:rPr lang="en-US" sz="4000" dirty="0" smtClean="0"/>
+              <a:t>    </a:t>
+            </a:r>
+            <a:r>
+              <a:rPr lang="en-US" sz="4000" dirty="0" err="1" smtClean="0"/>
+              <a:t>suàn</a:t>
+            </a:r>
+            <a:r>
+              <a:rPr lang="en-US" sz="4000" dirty="0" smtClean="0"/>
+              <a:t> </a:t>
+            </a:r>
+            <a:r>
+              <a:rPr lang="en-US" sz="4000" dirty="0" err="1"/>
+              <a:t>rén</a:t>
+            </a:r>
+            <a:r>
+              <a:rPr lang="en-US" sz="4000" dirty="0"/>
+              <a:t> </a:t>
+            </a:r>
+            <a:r>
+              <a:rPr lang="en-US" sz="4000" dirty="0" smtClean="0"/>
+              <a:t> de    è         </a:t>
+            </a:r>
+            <a:r>
+              <a:rPr lang="en-US" sz="4000" dirty="0" err="1" smtClean="0"/>
+              <a:t>bù</a:t>
+            </a:r>
+            <a:r>
+              <a:rPr lang="en-US" sz="4000" dirty="0" smtClean="0"/>
+              <a:t>   </a:t>
+            </a:r>
+            <a:r>
+              <a:rPr lang="en-US" sz="4000" dirty="0" err="1" smtClean="0"/>
+              <a:t>xǐ</a:t>
+            </a:r>
+            <a:r>
+              <a:rPr lang="en-US" sz="4000" dirty="0" smtClean="0"/>
+              <a:t>    </a:t>
+            </a:r>
+            <a:r>
+              <a:rPr lang="en-US" sz="4000" dirty="0" err="1" smtClean="0"/>
+              <a:t>huān</a:t>
+            </a:r>
+            <a:r>
+              <a:rPr lang="en-US" sz="4000" dirty="0" smtClean="0"/>
+              <a:t> </a:t>
+            </a:r>
+            <a:r>
+              <a:rPr lang="en-US" sz="4000" dirty="0" err="1"/>
+              <a:t>bú</a:t>
+            </a:r>
+            <a:r>
+              <a:rPr lang="en-US" sz="4000" dirty="0" smtClean="0"/>
+              <a:t>   </a:t>
+            </a:r>
+            <a:r>
+              <a:rPr lang="en-US" sz="4000" dirty="0" err="1" smtClean="0"/>
+              <a:t>yì</a:t>
+            </a:r>
+            <a:endParaRPr lang="en-US" sz="4000" dirty="0" smtClean="0"/>
+          </a:p>
+          <a:p>
+            <a:r>
+              <a:rPr lang="zh-TW" altLang="en-US" sz="6000" b="1" dirty="0" smtClean="0">
+                <a:effectLst>
+                  <a:outerShdw blurRad="38100" dist="38100" dir="2700000" algn="tl">
+                    <a:srgbClr val="000000">
+                      <a:alpha val="43137"/>
+                    </a:srgbClr>
+                  </a:outerShdw>
+                </a:effectLst>
+              </a:rPr>
+              <a:t>愛</a:t>
+            </a:r>
+            <a:r>
+              <a:rPr lang="zh-TW" altLang="en-US" sz="6000" b="1" dirty="0">
+                <a:effectLst>
+                  <a:outerShdw blurRad="38100" dist="38100" dir="2700000" algn="tl">
+                    <a:srgbClr val="000000">
+                      <a:alpha val="43137"/>
+                    </a:srgbClr>
+                  </a:outerShdw>
+                </a:effectLst>
+              </a:rPr>
+              <a:t>只喜歡</a:t>
+            </a:r>
+            <a:r>
+              <a:rPr lang="zh-TW" altLang="en-US" sz="6000" b="1" dirty="0" smtClean="0">
+                <a:effectLst>
+                  <a:outerShdw blurRad="38100" dist="38100" dir="2700000" algn="tl">
+                    <a:srgbClr val="000000">
+                      <a:alpha val="43137"/>
+                    </a:srgbClr>
+                  </a:outerShdw>
+                </a:effectLst>
+              </a:rPr>
+              <a:t>真理</a:t>
+            </a:r>
+            <a:endParaRPr lang="en-US" altLang="zh-TW" sz="6000" b="1" dirty="0" smtClean="0">
+              <a:effectLst>
+                <a:outerShdw blurRad="38100" dist="38100" dir="2700000" algn="tl">
+                  <a:srgbClr val="000000">
+                    <a:alpha val="43137"/>
+                  </a:srgbClr>
+                </a:outerShdw>
+              </a:effectLst>
+            </a:endParaRPr>
+          </a:p>
+          <a:p>
+            <a:r>
+              <a:rPr lang="en-US" sz="4000" dirty="0" smtClean="0"/>
+              <a:t>  </a:t>
+            </a:r>
+            <a:r>
+              <a:rPr lang="en-US" sz="4000" dirty="0" err="1" smtClean="0"/>
+              <a:t>ài</a:t>
+            </a:r>
+            <a:r>
+              <a:rPr lang="en-US" sz="4000" dirty="0" smtClean="0"/>
+              <a:t>    </a:t>
+            </a:r>
+            <a:r>
+              <a:rPr lang="en-US" sz="4000" dirty="0" err="1" smtClean="0"/>
+              <a:t>zhǐ</a:t>
+            </a:r>
+            <a:r>
+              <a:rPr lang="en-US" sz="4000" dirty="0" smtClean="0"/>
+              <a:t>    </a:t>
+            </a:r>
+            <a:r>
+              <a:rPr lang="en-US" sz="4000" dirty="0" err="1" smtClean="0"/>
+              <a:t>xǐ</a:t>
+            </a:r>
+            <a:r>
+              <a:rPr lang="en-US" sz="4000" dirty="0" smtClean="0"/>
+              <a:t>  </a:t>
+            </a:r>
+            <a:r>
+              <a:rPr lang="en-US" sz="4000" dirty="0" err="1" smtClean="0"/>
+              <a:t>huān</a:t>
+            </a:r>
+            <a:r>
+              <a:rPr lang="en-US" sz="4000" dirty="0" smtClean="0"/>
+              <a:t> </a:t>
+            </a:r>
+            <a:r>
+              <a:rPr lang="en-US" sz="4000" dirty="0" err="1" smtClean="0"/>
+              <a:t>zhēn</a:t>
+            </a:r>
+            <a:r>
+              <a:rPr lang="en-US" sz="4000" dirty="0" smtClean="0"/>
+              <a:t>  </a:t>
+            </a:r>
+            <a:r>
+              <a:rPr lang="en-US" sz="4000" dirty="0" err="1" smtClean="0"/>
+              <a:t>lǐ</a:t>
+            </a:r>
+            <a:endParaRPr lang="en-US" sz="3200" b="1" dirty="0">
+              <a:effectLst>
+                <a:outerShdw blurRad="38100" dist="38100" dir="2700000" algn="tl">
+                  <a:srgbClr val="000000">
+                    <a:alpha val="43137"/>
+                  </a:srgbClr>
+                </a:outerShdw>
+              </a:effectLst>
+            </a:endParaRPr>
+          </a:p>
         </p:txBody>
       </p:sp>
     </p:spTree>
     <p:extLst>
       <p:ext uri="{BB962C8B-B14F-4D97-AF65-F5344CB8AC3E}">
-        <p14:creationId xmlns:p14="http://schemas.microsoft.com/office/powerpoint/2010/main" xmlns="" val="3107665998"/>
+        <p14:creationId xmlns:p14="http://schemas.microsoft.com/office/powerpoint/2010/main" xmlns="" val="292572419"/>
       </p:ext>
     </p:extLst>
   </p:cSld>
